--- a/答辩ppt.pptx
+++ b/答辩ppt.pptx
@@ -13,20 +13,20 @@
     <p:sldId id="360" r:id="rId4"/>
     <p:sldId id="314" r:id="rId5"/>
     <p:sldId id="375" r:id="rId6"/>
-    <p:sldId id="377" r:id="rId7"/>
-    <p:sldId id="376" r:id="rId8"/>
-    <p:sldId id="373" r:id="rId9"/>
-    <p:sldId id="361" r:id="rId10"/>
-    <p:sldId id="378" r:id="rId11"/>
-    <p:sldId id="380" r:id="rId12"/>
-    <p:sldId id="381" r:id="rId13"/>
-    <p:sldId id="379" r:id="rId14"/>
-    <p:sldId id="382" r:id="rId15"/>
-    <p:sldId id="362" r:id="rId16"/>
+    <p:sldId id="361" r:id="rId7"/>
+    <p:sldId id="378" r:id="rId8"/>
+    <p:sldId id="380" r:id="rId9"/>
+    <p:sldId id="381" r:id="rId10"/>
+    <p:sldId id="379" r:id="rId11"/>
+    <p:sldId id="382" r:id="rId12"/>
+    <p:sldId id="362" r:id="rId13"/>
+    <p:sldId id="385" r:id="rId14"/>
+    <p:sldId id="363" r:id="rId15"/>
+    <p:sldId id="384" r:id="rId16"/>
     <p:sldId id="383" r:id="rId17"/>
-    <p:sldId id="363" r:id="rId18"/>
-    <p:sldId id="384" r:id="rId19"/>
-    <p:sldId id="374" r:id="rId20"/>
+    <p:sldId id="374" r:id="rId18"/>
+    <p:sldId id="376" r:id="rId19"/>
+    <p:sldId id="373" r:id="rId20"/>
   </p:sldIdLst>
   <p:sldSz cx="9144000" cy="6858000" type="screen4x3"/>
   <p:notesSz cx="6858000" cy="9144000"/>
@@ -139,9 +139,6 @@
             <p14:sldId id="360"/>
             <p14:sldId id="314"/>
             <p14:sldId id="375"/>
-            <p14:sldId id="377"/>
-            <p14:sldId id="376"/>
-            <p14:sldId id="373"/>
           </p14:sldIdLst>
         </p14:section>
         <p14:section name="具体工作及取得的进展" id="{BCD9FF78-080C-DF48-B22E-D229B5410694}">
@@ -157,14 +154,17 @@
         <p14:section name="目前存在的问题" id="{4B89E580-47E8-914A-A247-5F8ADAF4A438}">
           <p14:sldIdLst>
             <p14:sldId id="362"/>
-            <p14:sldId id="383"/>
+            <p14:sldId id="385"/>
           </p14:sldIdLst>
         </p14:section>
         <p14:section name="下一步的研究任务与设想" id="{93C6BCD1-C5A1-EE41-8ECE-5CE9A2953EBC}">
           <p14:sldIdLst>
             <p14:sldId id="363"/>
             <p14:sldId id="384"/>
+            <p14:sldId id="383"/>
             <p14:sldId id="374"/>
+            <p14:sldId id="376"/>
+            <p14:sldId id="373"/>
           </p14:sldIdLst>
         </p14:section>
       </p14:sectionLst>
@@ -258,7 +258,7 @@
           <a:p>
             <a:fld id="{78A6BE1A-EBEC-6E4F-B3D0-9EEBE2490507}" type="datetimeFigureOut">
               <a:rPr kumimoji="1" lang="zh-CN" altLang="en-US" smtClean="0"/>
-              <a:t>2025/4/27</a:t>
+              <a:t>2025/5/11</a:t>
             </a:fld>
             <a:endParaRPr kumimoji="1" lang="zh-CN" altLang="en-US"/>
           </a:p>
@@ -875,114 +875,6 @@
   <p:cSld>
     <p:spTree>
       <p:nvGrpSpPr>
-        <p:cNvPr id="1" name="">
-          <a:extLst>
-            <a:ext uri="{FF2B5EF4-FFF2-40B4-BE49-F238E27FC236}">
-              <a16:creationId xmlns:a16="http://schemas.microsoft.com/office/drawing/2014/main" id="{AD1C0E5A-109F-4C5C-E7EF-1C8A677D2745}"/>
-            </a:ext>
-          </a:extLst>
-        </p:cNvPr>
-        <p:cNvGrpSpPr/>
-        <p:nvPr/>
-      </p:nvGrpSpPr>
-      <p:grpSpPr>
-        <a:xfrm>
-          <a:off x="0" y="0"/>
-          <a:ext cx="0" cy="0"/>
-          <a:chOff x="0" y="0"/>
-          <a:chExt cx="0" cy="0"/>
-        </a:xfrm>
-      </p:grpSpPr>
-      <p:sp>
-        <p:nvSpPr>
-          <p:cNvPr id="2" name="幻灯片图像占位符 1">
-            <a:extLst>
-              <a:ext uri="{FF2B5EF4-FFF2-40B4-BE49-F238E27FC236}">
-                <a16:creationId xmlns:a16="http://schemas.microsoft.com/office/drawing/2014/main" id="{ABF6B88C-9F85-0FF7-48F3-6D33250AA399}"/>
-              </a:ext>
-            </a:extLst>
-          </p:cNvPr>
-          <p:cNvSpPr>
-            <a:spLocks noGrp="1" noRot="1" noChangeAspect="1"/>
-          </p:cNvSpPr>
-          <p:nvPr>
-            <p:ph type="sldImg"/>
-          </p:nvPr>
-        </p:nvSpPr>
-        <p:spPr/>
-      </p:sp>
-      <p:sp>
-        <p:nvSpPr>
-          <p:cNvPr id="3" name="备注占位符 2">
-            <a:extLst>
-              <a:ext uri="{FF2B5EF4-FFF2-40B4-BE49-F238E27FC236}">
-                <a16:creationId xmlns:a16="http://schemas.microsoft.com/office/drawing/2014/main" id="{48149CAA-0133-06B7-1A5E-5546D1BB729A}"/>
-              </a:ext>
-            </a:extLst>
-          </p:cNvPr>
-          <p:cNvSpPr>
-            <a:spLocks noGrp="1"/>
-          </p:cNvSpPr>
-          <p:nvPr>
-            <p:ph type="body" idx="1"/>
-          </p:nvPr>
-        </p:nvSpPr>
-        <p:spPr/>
-        <p:txBody>
-          <a:bodyPr/>
-          <a:lstStyle/>
-          <a:p>
-            <a:endParaRPr kumimoji="1" lang="zh-CN" altLang="en-US"/>
-          </a:p>
-        </p:txBody>
-      </p:sp>
-      <p:sp>
-        <p:nvSpPr>
-          <p:cNvPr id="4" name="灯片编号占位符 3">
-            <a:extLst>
-              <a:ext uri="{FF2B5EF4-FFF2-40B4-BE49-F238E27FC236}">
-                <a16:creationId xmlns:a16="http://schemas.microsoft.com/office/drawing/2014/main" id="{1E4AEDA0-74D7-D9B4-83DD-BC8BE2464E11}"/>
-              </a:ext>
-            </a:extLst>
-          </p:cNvPr>
-          <p:cNvSpPr>
-            <a:spLocks noGrp="1"/>
-          </p:cNvSpPr>
-          <p:nvPr>
-            <p:ph type="sldNum" sz="quarter" idx="10"/>
-          </p:nvPr>
-        </p:nvSpPr>
-        <p:spPr/>
-        <p:txBody>
-          <a:bodyPr/>
-          <a:lstStyle/>
-          <a:p>
-            <a:fld id="{5AFA0B27-4EE5-6442-9424-7A0329C3AC2A}" type="slidenum">
-              <a:rPr kumimoji="1" lang="zh-CN" altLang="en-US" smtClean="0"/>
-              <a:t>7</a:t>
-            </a:fld>
-            <a:endParaRPr kumimoji="1" lang="zh-CN" altLang="en-US"/>
-          </a:p>
-        </p:txBody>
-      </p:sp>
-    </p:spTree>
-    <p:extLst>
-      <p:ext uri="{BB962C8B-B14F-4D97-AF65-F5344CB8AC3E}">
-        <p14:creationId xmlns:p14="http://schemas.microsoft.com/office/powerpoint/2010/main" val="3354254051"/>
-      </p:ext>
-    </p:extLst>
-  </p:cSld>
-  <p:clrMapOvr>
-    <a:masterClrMapping/>
-  </p:clrMapOvr>
-</p:notes>
-</file>
-
-<file path=ppt/notesSlides/notesSlide6.xml><?xml version="1.0" encoding="utf-8"?>
-<p:notes xmlns:a="http://schemas.openxmlformats.org/drawingml/2006/main" xmlns:r="http://schemas.openxmlformats.org/officeDocument/2006/relationships" xmlns:p="http://schemas.openxmlformats.org/presentationml/2006/main">
-  <p:cSld>
-    <p:spTree>
-      <p:nvGrpSpPr>
         <p:cNvPr id="1" name=""/>
         <p:cNvGrpSpPr/>
         <p:nvPr/>
@@ -1043,7 +935,7 @@
           <a:p>
             <a:fld id="{5AFA0B27-4EE5-6442-9424-7A0329C3AC2A}" type="slidenum">
               <a:rPr kumimoji="1" lang="zh-CN" altLang="en-US" smtClean="0"/>
-              <a:t>9</a:t>
+              <a:t>6</a:t>
             </a:fld>
             <a:endParaRPr kumimoji="1" lang="zh-CN" altLang="en-US"/>
           </a:p>
@@ -1062,7 +954,7 @@
 </p:notes>
 </file>
 
-<file path=ppt/notesSlides/notesSlide7.xml><?xml version="1.0" encoding="utf-8"?>
+<file path=ppt/notesSlides/notesSlide6.xml><?xml version="1.0" encoding="utf-8"?>
 <p:notes xmlns:a="http://schemas.openxmlformats.org/drawingml/2006/main" xmlns:r="http://schemas.openxmlformats.org/officeDocument/2006/relationships" xmlns:p="http://schemas.openxmlformats.org/presentationml/2006/main">
   <p:cSld>
     <p:spTree>
@@ -1151,7 +1043,7 @@
           <a:p>
             <a:fld id="{5AFA0B27-4EE5-6442-9424-7A0329C3AC2A}" type="slidenum">
               <a:rPr kumimoji="1" lang="zh-CN" altLang="en-US" smtClean="0"/>
-              <a:t>10</a:t>
+              <a:t>7</a:t>
             </a:fld>
             <a:endParaRPr kumimoji="1" lang="zh-CN" altLang="en-US"/>
           </a:p>
@@ -1161,6 +1053,90 @@
     <p:extLst>
       <p:ext uri="{BB962C8B-B14F-4D97-AF65-F5344CB8AC3E}">
         <p14:creationId xmlns:p14="http://schemas.microsoft.com/office/powerpoint/2010/main" val="48549781"/>
+      </p:ext>
+    </p:extLst>
+  </p:cSld>
+  <p:clrMapOvr>
+    <a:masterClrMapping/>
+  </p:clrMapOvr>
+</p:notes>
+</file>
+
+<file path=ppt/notesSlides/notesSlide7.xml><?xml version="1.0" encoding="utf-8"?>
+<p:notes xmlns:a="http://schemas.openxmlformats.org/drawingml/2006/main" xmlns:r="http://schemas.openxmlformats.org/officeDocument/2006/relationships" xmlns:p="http://schemas.openxmlformats.org/presentationml/2006/main">
+  <p:cSld>
+    <p:spTree>
+      <p:nvGrpSpPr>
+        <p:cNvPr id="1" name=""/>
+        <p:cNvGrpSpPr/>
+        <p:nvPr/>
+      </p:nvGrpSpPr>
+      <p:grpSpPr>
+        <a:xfrm>
+          <a:off x="0" y="0"/>
+          <a:ext cx="0" cy="0"/>
+          <a:chOff x="0" y="0"/>
+          <a:chExt cx="0" cy="0"/>
+        </a:xfrm>
+      </p:grpSpPr>
+      <p:sp>
+        <p:nvSpPr>
+          <p:cNvPr id="2" name="幻灯片图像占位符 1"/>
+          <p:cNvSpPr>
+            <a:spLocks noGrp="1" noRot="1" noChangeAspect="1"/>
+          </p:cNvSpPr>
+          <p:nvPr>
+            <p:ph type="sldImg"/>
+          </p:nvPr>
+        </p:nvSpPr>
+        <p:spPr/>
+      </p:sp>
+      <p:sp>
+        <p:nvSpPr>
+          <p:cNvPr id="3" name="备注占位符 2"/>
+          <p:cNvSpPr>
+            <a:spLocks noGrp="1"/>
+          </p:cNvSpPr>
+          <p:nvPr>
+            <p:ph type="body" idx="1"/>
+          </p:nvPr>
+        </p:nvSpPr>
+        <p:spPr/>
+        <p:txBody>
+          <a:bodyPr/>
+          <a:lstStyle/>
+          <a:p>
+            <a:endParaRPr kumimoji="1" lang="zh-CN" altLang="en-US"/>
+          </a:p>
+        </p:txBody>
+      </p:sp>
+      <p:sp>
+        <p:nvSpPr>
+          <p:cNvPr id="4" name="灯片编号占位符 3"/>
+          <p:cNvSpPr>
+            <a:spLocks noGrp="1"/>
+          </p:cNvSpPr>
+          <p:nvPr>
+            <p:ph type="sldNum" sz="quarter" idx="10"/>
+          </p:nvPr>
+        </p:nvSpPr>
+        <p:spPr/>
+        <p:txBody>
+          <a:bodyPr/>
+          <a:lstStyle/>
+          <a:p>
+            <a:fld id="{5AFA0B27-4EE5-6442-9424-7A0329C3AC2A}" type="slidenum">
+              <a:rPr kumimoji="1" lang="zh-CN" altLang="en-US" smtClean="0"/>
+              <a:t>12</a:t>
+            </a:fld>
+            <a:endParaRPr kumimoji="1" lang="zh-CN" altLang="en-US"/>
+          </a:p>
+        </p:txBody>
+      </p:sp>
+    </p:spTree>
+    <p:extLst>
+      <p:ext uri="{BB962C8B-B14F-4D97-AF65-F5344CB8AC3E}">
+        <p14:creationId xmlns:p14="http://schemas.microsoft.com/office/powerpoint/2010/main" val="3220408723"/>
       </p:ext>
     </p:extLst>
   </p:cSld>
@@ -1235,7 +1211,7 @@
           <a:p>
             <a:fld id="{5AFA0B27-4EE5-6442-9424-7A0329C3AC2A}" type="slidenum">
               <a:rPr kumimoji="1" lang="zh-CN" altLang="en-US" smtClean="0"/>
-              <a:t>15</a:t>
+              <a:t>14</a:t>
             </a:fld>
             <a:endParaRPr kumimoji="1" lang="zh-CN" altLang="en-US"/>
           </a:p>
@@ -1244,7 +1220,7 @@
     </p:spTree>
     <p:extLst>
       <p:ext uri="{BB962C8B-B14F-4D97-AF65-F5344CB8AC3E}">
-        <p14:creationId xmlns:p14="http://schemas.microsoft.com/office/powerpoint/2010/main" val="3220408723"/>
+        <p14:creationId xmlns:p14="http://schemas.microsoft.com/office/powerpoint/2010/main" val="1670709699"/>
       </p:ext>
     </p:extLst>
   </p:cSld>
@@ -1259,7 +1235,13 @@
   <p:cSld>
     <p:spTree>
       <p:nvGrpSpPr>
-        <p:cNvPr id="1" name=""/>
+        <p:cNvPr id="1" name="">
+          <a:extLst>
+            <a:ext uri="{FF2B5EF4-FFF2-40B4-BE49-F238E27FC236}">
+              <a16:creationId xmlns:a16="http://schemas.microsoft.com/office/drawing/2014/main" id="{AD1C0E5A-109F-4C5C-E7EF-1C8A677D2745}"/>
+            </a:ext>
+          </a:extLst>
+        </p:cNvPr>
         <p:cNvGrpSpPr/>
         <p:nvPr/>
       </p:nvGrpSpPr>
@@ -1273,7 +1255,13 @@
       </p:grpSpPr>
       <p:sp>
         <p:nvSpPr>
-          <p:cNvPr id="2" name="幻灯片图像占位符 1"/>
+          <p:cNvPr id="2" name="幻灯片图像占位符 1">
+            <a:extLst>
+              <a:ext uri="{FF2B5EF4-FFF2-40B4-BE49-F238E27FC236}">
+                <a16:creationId xmlns:a16="http://schemas.microsoft.com/office/drawing/2014/main" id="{ABF6B88C-9F85-0FF7-48F3-6D33250AA399}"/>
+              </a:ext>
+            </a:extLst>
+          </p:cNvPr>
           <p:cNvSpPr>
             <a:spLocks noGrp="1" noRot="1" noChangeAspect="1"/>
           </p:cNvSpPr>
@@ -1285,7 +1273,13 @@
       </p:sp>
       <p:sp>
         <p:nvSpPr>
-          <p:cNvPr id="3" name="备注占位符 2"/>
+          <p:cNvPr id="3" name="备注占位符 2">
+            <a:extLst>
+              <a:ext uri="{FF2B5EF4-FFF2-40B4-BE49-F238E27FC236}">
+                <a16:creationId xmlns:a16="http://schemas.microsoft.com/office/drawing/2014/main" id="{48149CAA-0133-06B7-1A5E-5546D1BB729A}"/>
+              </a:ext>
+            </a:extLst>
+          </p:cNvPr>
           <p:cNvSpPr>
             <a:spLocks noGrp="1"/>
           </p:cNvSpPr>
@@ -1304,7 +1298,13 @@
       </p:sp>
       <p:sp>
         <p:nvSpPr>
-          <p:cNvPr id="4" name="灯片编号占位符 3"/>
+          <p:cNvPr id="4" name="灯片编号占位符 3">
+            <a:extLst>
+              <a:ext uri="{FF2B5EF4-FFF2-40B4-BE49-F238E27FC236}">
+                <a16:creationId xmlns:a16="http://schemas.microsoft.com/office/drawing/2014/main" id="{1E4AEDA0-74D7-D9B4-83DD-BC8BE2464E11}"/>
+              </a:ext>
+            </a:extLst>
+          </p:cNvPr>
           <p:cNvSpPr>
             <a:spLocks noGrp="1"/>
           </p:cNvSpPr>
@@ -1319,7 +1319,7 @@
           <a:p>
             <a:fld id="{5AFA0B27-4EE5-6442-9424-7A0329C3AC2A}" type="slidenum">
               <a:rPr kumimoji="1" lang="zh-CN" altLang="en-US" smtClean="0"/>
-              <a:t>17</a:t>
+              <a:t>18</a:t>
             </a:fld>
             <a:endParaRPr kumimoji="1" lang="zh-CN" altLang="en-US"/>
           </a:p>
@@ -1328,7 +1328,7 @@
     </p:spTree>
     <p:extLst>
       <p:ext uri="{BB962C8B-B14F-4D97-AF65-F5344CB8AC3E}">
-        <p14:creationId xmlns:p14="http://schemas.microsoft.com/office/powerpoint/2010/main" val="1670709699"/>
+        <p14:creationId xmlns:p14="http://schemas.microsoft.com/office/powerpoint/2010/main" val="3354254051"/>
       </p:ext>
     </p:extLst>
   </p:cSld>
@@ -4400,7 +4400,7 @@
               <a:rPr lang="zh-CN" altLang="en-US" sz="1400" smtClean="0">
                 <a:effectLst/>
               </a:rPr>
-              <a:t>2025/4/27</a:t>
+              <a:t>2025/5/11</a:t>
             </a:fld>
             <a:endParaRPr lang="zh-CN" altLang="en-US" sz="1400" dirty="0">
               <a:effectLst/>
@@ -4464,13 +4464,7 @@
   <p:cSld>
     <p:spTree>
       <p:nvGrpSpPr>
-        <p:cNvPr id="1" name="">
-          <a:extLst>
-            <a:ext uri="{FF2B5EF4-FFF2-40B4-BE49-F238E27FC236}">
-              <a16:creationId xmlns:a16="http://schemas.microsoft.com/office/drawing/2014/main" id="{7E0C43DF-C523-B149-85B1-4144F69924EE}"/>
-            </a:ext>
-          </a:extLst>
-        </p:cNvPr>
+        <p:cNvPr id="1" name=""/>
         <p:cNvGrpSpPr/>
         <p:nvPr/>
       </p:nvGrpSpPr>
@@ -4487,7 +4481,7 @@
           <p:cNvPr id="2" name="标题 1">
             <a:extLst>
               <a:ext uri="{FF2B5EF4-FFF2-40B4-BE49-F238E27FC236}">
-                <a16:creationId xmlns:a16="http://schemas.microsoft.com/office/drawing/2014/main" id="{B4A4A689-AE64-37F7-4BDB-B9B5D2C04DFB}"/>
+                <a16:creationId xmlns:a16="http://schemas.microsoft.com/office/drawing/2014/main" id="{915D7FBD-4162-C308-B02F-5DDDDBEBB44A}"/>
               </a:ext>
             </a:extLst>
           </p:cNvPr>
@@ -4504,8 +4498,8 @@
           <a:lstStyle/>
           <a:p>
             <a:r>
-              <a:rPr kumimoji="1" lang="zh-CN" altLang="en-US" dirty="0"/>
-              <a:t>学了什么</a:t>
+              <a:rPr lang="zh-CN" altLang="en-US" dirty="0"/>
+              <a:t>项目进展</a:t>
             </a:r>
           </a:p>
         </p:txBody>
@@ -4515,7 +4509,7 @@
           <p:cNvPr id="3" name="内容占位符 2">
             <a:extLst>
               <a:ext uri="{FF2B5EF4-FFF2-40B4-BE49-F238E27FC236}">
-                <a16:creationId xmlns:a16="http://schemas.microsoft.com/office/drawing/2014/main" id="{393BA929-3DF8-7F4A-9958-AD5FDC0174E1}"/>
+                <a16:creationId xmlns:a16="http://schemas.microsoft.com/office/drawing/2014/main" id="{4EC9E3DA-A2EF-5115-18CC-A98689F1D92E}"/>
               </a:ext>
             </a:extLst>
           </p:cNvPr>
@@ -4523,161 +4517,171 @@
             <a:spLocks noGrp="1"/>
           </p:cNvSpPr>
           <p:nvPr>
-            <p:ph idx="4294967295"/>
-          </p:nvPr>
-        </p:nvSpPr>
+            <p:ph idx="1"/>
+          </p:nvPr>
+        </p:nvSpPr>
+        <p:spPr/>
+        <p:txBody>
+          <a:bodyPr/>
+          <a:lstStyle/>
+          <a:p>
+            <a:r>
+              <a:rPr lang="zh-CN" altLang="en-US" dirty="0"/>
+              <a:t>成果展示：</a:t>
+            </a:r>
+          </a:p>
+        </p:txBody>
+      </p:sp>
+      <p:pic>
+        <p:nvPicPr>
+          <p:cNvPr id="5" name="图片 4" descr="图形用户界面, 文本, 应用程序, 电子邮件&#10;&#10;AI 生成的内容可能不正确。">
+            <a:extLst>
+              <a:ext uri="{FF2B5EF4-FFF2-40B4-BE49-F238E27FC236}">
+                <a16:creationId xmlns:a16="http://schemas.microsoft.com/office/drawing/2014/main" id="{84ABCA54-7614-E048-CD7B-BADFF707ACB6}"/>
+              </a:ext>
+            </a:extLst>
+          </p:cNvPr>
+          <p:cNvPicPr>
+            <a:picLocks noChangeAspect="1"/>
+          </p:cNvPicPr>
+          <p:nvPr/>
+        </p:nvPicPr>
+        <p:blipFill>
+          <a:blip r:embed="rId2"/>
+          <a:stretch>
+            <a:fillRect/>
+          </a:stretch>
+        </p:blipFill>
         <p:spPr>
           <a:xfrm>
-            <a:off x="628650" y="1385889"/>
-            <a:ext cx="7886700" cy="4351338"/>
+            <a:off x="340240" y="1676232"/>
+            <a:ext cx="4164006" cy="2747963"/>
           </a:xfrm>
+          <a:prstGeom prst="rect">
+            <a:avLst/>
+          </a:prstGeom>
         </p:spPr>
-        <p:txBody>
-          <a:bodyPr/>
+      </p:pic>
+      <p:pic>
+        <p:nvPicPr>
+          <p:cNvPr id="7" name="图片 6" descr="图形用户界面, 文本, 应用程序, 电子邮件&#10;&#10;AI 生成的内容可能不正确。">
+            <a:extLst>
+              <a:ext uri="{FF2B5EF4-FFF2-40B4-BE49-F238E27FC236}">
+                <a16:creationId xmlns:a16="http://schemas.microsoft.com/office/drawing/2014/main" id="{5BFD71F6-3442-0C5F-B08C-2200981C1D33}"/>
+              </a:ext>
+            </a:extLst>
+          </p:cNvPr>
+          <p:cNvPicPr>
+            <a:picLocks noChangeAspect="1"/>
+          </p:cNvPicPr>
+          <p:nvPr/>
+        </p:nvPicPr>
+        <p:blipFill>
+          <a:blip r:embed="rId3"/>
+          <a:stretch>
+            <a:fillRect/>
+          </a:stretch>
+        </p:blipFill>
+        <p:spPr>
+          <a:xfrm>
+            <a:off x="4572000" y="1854695"/>
+            <a:ext cx="4486483" cy="2276418"/>
+          </a:xfrm>
+          <a:prstGeom prst="rect">
+            <a:avLst/>
+          </a:prstGeom>
+        </p:spPr>
+      </p:pic>
+      <p:sp>
+        <p:nvSpPr>
+          <p:cNvPr id="8" name="文本框 7">
+            <a:extLst>
+              <a:ext uri="{FF2B5EF4-FFF2-40B4-BE49-F238E27FC236}">
+                <a16:creationId xmlns:a16="http://schemas.microsoft.com/office/drawing/2014/main" id="{902AF5A3-ABD3-2CA3-12B3-0C87485200F7}"/>
+              </a:ext>
+            </a:extLst>
+          </p:cNvPr>
+          <p:cNvSpPr txBox="1"/>
+          <p:nvPr/>
+        </p:nvSpPr>
+        <p:spPr>
+          <a:xfrm>
+            <a:off x="285098" y="4749610"/>
+            <a:ext cx="4274289" cy="914400"/>
+          </a:xfrm>
+          <a:prstGeom prst="rect">
+            <a:avLst/>
+          </a:prstGeom>
+        </p:spPr>
+        <p:txBody>
+          <a:bodyPr vert="horz" wrap="none" lIns="91440" tIns="45720" rIns="91440" bIns="45720" rtlCol="0" anchor="ctr">
+            <a:normAutofit/>
+          </a:bodyPr>
           <a:lstStyle/>
           <a:p>
-            <a:r>
-              <a:rPr kumimoji="1" lang="en-US" altLang="zh-CN" dirty="0"/>
-              <a:t>Web</a:t>
-            </a:r>
+            <a:pPr algn="l"/>
             <a:r>
               <a:rPr kumimoji="1" lang="zh-CN" altLang="en-US" dirty="0"/>
-              <a:t>的请求与响应机制</a:t>
+              <a:t>给予链接，可以初步判断可能是什么类型</a:t>
             </a:r>
             <a:endParaRPr kumimoji="1" lang="en-US" altLang="zh-CN" dirty="0"/>
           </a:p>
           <a:p>
-            <a:pPr lvl="1"/>
-            <a:r>
-              <a:rPr kumimoji="1" lang="en-US" altLang="zh-CN" dirty="0"/>
-              <a:t>http</a:t>
-            </a:r>
+            <a:pPr algn="l"/>
             <a:r>
               <a:rPr kumimoji="1" lang="zh-CN" altLang="en-US" dirty="0"/>
-              <a:t>协议的工作原理</a:t>
-            </a:r>
-            <a:endParaRPr kumimoji="1" lang="en-US" altLang="zh-CN" dirty="0"/>
-          </a:p>
-          <a:p>
-            <a:pPr lvl="1"/>
-            <a:r>
-              <a:rPr kumimoji="1" lang="en-US" altLang="zh-CN" dirty="0"/>
-              <a:t>http</a:t>
-            </a:r>
+              <a:t>并给予测试方法</a:t>
+            </a:r>
+          </a:p>
+        </p:txBody>
+      </p:sp>
+      <p:sp>
+        <p:nvSpPr>
+          <p:cNvPr id="9" name="文本框 8">
+            <a:extLst>
+              <a:ext uri="{FF2B5EF4-FFF2-40B4-BE49-F238E27FC236}">
+                <a16:creationId xmlns:a16="http://schemas.microsoft.com/office/drawing/2014/main" id="{381F232F-2D32-02EA-80A3-86548B73F796}"/>
+              </a:ext>
+            </a:extLst>
+          </p:cNvPr>
+          <p:cNvSpPr txBox="1"/>
+          <p:nvPr/>
+        </p:nvSpPr>
+        <p:spPr>
+          <a:xfrm>
+            <a:off x="5140613" y="4634991"/>
+            <a:ext cx="3349256" cy="914400"/>
+          </a:xfrm>
+          <a:prstGeom prst="rect">
+            <a:avLst/>
+          </a:prstGeom>
+        </p:spPr>
+        <p:txBody>
+          <a:bodyPr vert="horz" wrap="none" lIns="91440" tIns="45720" rIns="91440" bIns="45720" rtlCol="0" anchor="ctr">
+            <a:normAutofit/>
+          </a:bodyPr>
+          <a:lstStyle/>
+          <a:p>
+            <a:pPr algn="l"/>
             <a:r>
               <a:rPr kumimoji="1" lang="zh-CN" altLang="en-US" dirty="0"/>
-              <a:t>请求与响应报头</a:t>
-            </a:r>
-            <a:endParaRPr kumimoji="1" lang="en-US" altLang="zh-CN" dirty="0"/>
-          </a:p>
-          <a:p>
-            <a:pPr lvl="1"/>
+              <a:t>检测无效</a:t>
+            </a:r>
+            <a:r>
+              <a:rPr kumimoji="1" lang="en-US" altLang="zh-CN" dirty="0" err="1"/>
+              <a:t>url</a:t>
+            </a:r>
             <a:r>
               <a:rPr kumimoji="1" lang="zh-CN" altLang="en-US" dirty="0"/>
-              <a:t>常见</a:t>
-            </a:r>
-            <a:r>
-              <a:rPr kumimoji="1" lang="en-US" altLang="zh-CN" dirty="0"/>
-              <a:t>http</a:t>
-            </a:r>
-            <a:r>
-              <a:rPr kumimoji="1" lang="zh-CN" altLang="en-US" dirty="0"/>
-              <a:t>方法</a:t>
-            </a:r>
-            <a:endParaRPr kumimoji="1" lang="en-US" altLang="zh-CN" dirty="0"/>
-          </a:p>
-          <a:p>
-            <a:r>
-              <a:rPr kumimoji="1" lang="zh-CN" altLang="en-US" dirty="0"/>
-              <a:t>大模型的工作原理</a:t>
-            </a:r>
-            <a:endParaRPr kumimoji="1" lang="en-US" altLang="zh-CN" dirty="0"/>
-          </a:p>
-          <a:p>
-            <a:pPr lvl="1"/>
-            <a:r>
-              <a:rPr kumimoji="1" lang="zh-CN" altLang="en-US" dirty="0"/>
-              <a:t>现有大模型的基本工作原理</a:t>
-            </a:r>
-            <a:endParaRPr kumimoji="1" lang="en-US" altLang="zh-CN" dirty="0"/>
-          </a:p>
-          <a:p>
-            <a:pPr lvl="1"/>
-            <a:r>
-              <a:rPr kumimoji="1" lang="zh-CN" altLang="en-US" dirty="0"/>
-              <a:t>如何通过现有大模型的</a:t>
-            </a:r>
-            <a:r>
-              <a:rPr kumimoji="1" lang="en-US" altLang="zh-CN" dirty="0"/>
-              <a:t>API</a:t>
-            </a:r>
-            <a:r>
-              <a:rPr kumimoji="1" lang="zh-CN" altLang="en-US" dirty="0"/>
-              <a:t>接口调用大模型，并与自己的代码交互</a:t>
-            </a:r>
-            <a:endParaRPr kumimoji="1" lang="en-US" altLang="zh-CN" dirty="0"/>
-          </a:p>
-          <a:p>
-            <a:r>
-              <a:rPr kumimoji="1" lang="zh-CN" altLang="en-US" dirty="0"/>
-              <a:t>技术栈</a:t>
-            </a:r>
-            <a:endParaRPr kumimoji="1" lang="en-US" altLang="zh-CN" dirty="0"/>
-          </a:p>
-          <a:p>
-            <a:pPr lvl="1"/>
-            <a:r>
-              <a:rPr kumimoji="1" lang="zh-CN" altLang="en-US" dirty="0"/>
-              <a:t>了解了基于</a:t>
-            </a:r>
-            <a:r>
-              <a:rPr kumimoji="1" lang="en-US" altLang="zh-CN" dirty="0"/>
-              <a:t>python</a:t>
-            </a:r>
-            <a:r>
-              <a:rPr kumimoji="1" lang="zh-CN" altLang="en-US" dirty="0"/>
-              <a:t>的</a:t>
-            </a:r>
-            <a:r>
-              <a:rPr kumimoji="1" lang="en-US" altLang="zh-CN" dirty="0"/>
-              <a:t>Flask</a:t>
-            </a:r>
-            <a:r>
-              <a:rPr kumimoji="1" lang="zh-CN" altLang="en-US" dirty="0"/>
-              <a:t>框架使用方式，以及如何用</a:t>
-            </a:r>
-            <a:r>
-              <a:rPr kumimoji="1" lang="en-US" altLang="zh-CN" dirty="0"/>
-              <a:t>flask</a:t>
-            </a:r>
-            <a:r>
-              <a:rPr kumimoji="1" lang="zh-CN" altLang="en-US" dirty="0"/>
-              <a:t>写一个</a:t>
-            </a:r>
-            <a:r>
-              <a:rPr kumimoji="1" lang="en-US" altLang="zh-CN" dirty="0"/>
-              <a:t>API</a:t>
-            </a:r>
-            <a:r>
-              <a:rPr kumimoji="1" lang="zh-CN" altLang="en-US" dirty="0"/>
-              <a:t>接口与前端交互</a:t>
-            </a:r>
-            <a:endParaRPr kumimoji="1" lang="en-US" altLang="zh-CN" dirty="0"/>
-          </a:p>
-          <a:p>
-            <a:pPr lvl="1"/>
-            <a:r>
-              <a:rPr kumimoji="1" lang="zh-CN" altLang="en-US" dirty="0"/>
-              <a:t>用前端三件套设计简单的网页，并将后端的数据显示出来</a:t>
-            </a:r>
-            <a:endParaRPr kumimoji="1" lang="en-US" altLang="zh-CN" dirty="0"/>
+              <a:t>链接并返回错误信息</a:t>
+            </a:r>
           </a:p>
         </p:txBody>
       </p:sp>
     </p:spTree>
     <p:extLst>
       <p:ext uri="{BB962C8B-B14F-4D97-AF65-F5344CB8AC3E}">
-        <p14:creationId xmlns:p14="http://schemas.microsoft.com/office/powerpoint/2010/main" val="3500404575"/>
+        <p14:creationId xmlns:p14="http://schemas.microsoft.com/office/powerpoint/2010/main" val="30857299"/>
       </p:ext>
     </p:extLst>
   </p:cSld>
@@ -4709,7 +4713,7 @@
           <p:cNvPr id="2" name="标题 1">
             <a:extLst>
               <a:ext uri="{FF2B5EF4-FFF2-40B4-BE49-F238E27FC236}">
-                <a16:creationId xmlns:a16="http://schemas.microsoft.com/office/drawing/2014/main" id="{DF0CDBE0-C9EC-FAAB-583F-2F2827A552A8}"/>
+                <a16:creationId xmlns:a16="http://schemas.microsoft.com/office/drawing/2014/main" id="{8E1BF5AC-CCD4-F00D-478A-CF90C0675904}"/>
               </a:ext>
             </a:extLst>
           </p:cNvPr>
@@ -4726,18 +4730,19 @@
           <a:lstStyle/>
           <a:p>
             <a:r>
-              <a:rPr lang="zh-CN" altLang="en-US" dirty="0"/>
-              <a:t>基本思路</a:t>
-            </a:r>
+              <a:rPr lang="en-US" altLang="zh-CN" dirty="0"/>
+              <a:t>CODE</a:t>
+            </a:r>
+            <a:endParaRPr lang="zh-CN" altLang="en-US" dirty="0"/>
           </a:p>
         </p:txBody>
       </p:sp>
       <p:pic>
         <p:nvPicPr>
-          <p:cNvPr id="5" name="内容占位符 4" descr="图示&#10;&#10;AI 生成的内容可能不正确。">
-            <a:extLst>
-              <a:ext uri="{FF2B5EF4-FFF2-40B4-BE49-F238E27FC236}">
-                <a16:creationId xmlns:a16="http://schemas.microsoft.com/office/drawing/2014/main" id="{95EF9144-4F10-5371-5FC8-4ABFE9C4F7FB}"/>
+          <p:cNvPr id="5" name="内容占位符 4">
+            <a:extLst>
+              <a:ext uri="{FF2B5EF4-FFF2-40B4-BE49-F238E27FC236}">
+                <a16:creationId xmlns:a16="http://schemas.microsoft.com/office/drawing/2014/main" id="{4516117C-32D4-E606-141B-EB43713B2172}"/>
               </a:ext>
             </a:extLst>
           </p:cNvPr>
@@ -4756,15 +4761,124 @@
         </p:blipFill>
         <p:spPr>
           <a:xfrm>
-            <a:off x="628650" y="1287223"/>
-            <a:ext cx="7886700" cy="4807430"/>
+            <a:off x="319974" y="942975"/>
+            <a:ext cx="2834684" cy="4972050"/>
           </a:xfrm>
         </p:spPr>
       </p:pic>
+      <p:pic>
+        <p:nvPicPr>
+          <p:cNvPr id="7" name="图片 6">
+            <a:extLst>
+              <a:ext uri="{FF2B5EF4-FFF2-40B4-BE49-F238E27FC236}">
+                <a16:creationId xmlns:a16="http://schemas.microsoft.com/office/drawing/2014/main" id="{8195C970-FC11-3A8F-0E76-7007B3DE0D62}"/>
+              </a:ext>
+            </a:extLst>
+          </p:cNvPr>
+          <p:cNvPicPr>
+            <a:picLocks noChangeAspect="1"/>
+          </p:cNvPicPr>
+          <p:nvPr/>
+        </p:nvPicPr>
+        <p:blipFill>
+          <a:blip r:embed="rId3"/>
+          <a:stretch>
+            <a:fillRect/>
+          </a:stretch>
+        </p:blipFill>
+        <p:spPr>
+          <a:xfrm>
+            <a:off x="3469164" y="942975"/>
+            <a:ext cx="5248672" cy="4203183"/>
+          </a:xfrm>
+          <a:prstGeom prst="rect">
+            <a:avLst/>
+          </a:prstGeom>
+        </p:spPr>
+      </p:pic>
+      <p:sp>
+        <p:nvSpPr>
+          <p:cNvPr id="8" name="文本框 7">
+            <a:extLst>
+              <a:ext uri="{FF2B5EF4-FFF2-40B4-BE49-F238E27FC236}">
+                <a16:creationId xmlns:a16="http://schemas.microsoft.com/office/drawing/2014/main" id="{9817A861-F689-E317-1C0D-405161920CEA}"/>
+              </a:ext>
+            </a:extLst>
+          </p:cNvPr>
+          <p:cNvSpPr txBox="1"/>
+          <p:nvPr/>
+        </p:nvSpPr>
+        <p:spPr>
+          <a:xfrm>
+            <a:off x="765544" y="5691742"/>
+            <a:ext cx="914400" cy="914400"/>
+          </a:xfrm>
+          <a:prstGeom prst="rect">
+            <a:avLst/>
+          </a:prstGeom>
+        </p:spPr>
+        <p:txBody>
+          <a:bodyPr vert="horz" wrap="none" lIns="91440" tIns="45720" rIns="91440" bIns="45720" rtlCol="0" anchor="ctr">
+            <a:normAutofit/>
+          </a:bodyPr>
+          <a:lstStyle/>
+          <a:p>
+            <a:pPr algn="l"/>
+            <a:r>
+              <a:rPr kumimoji="1" lang="zh-CN" altLang="en-US" dirty="0"/>
+              <a:t>后端部分：</a:t>
+            </a:r>
+            <a:r>
+              <a:rPr kumimoji="1" lang="en-US" altLang="zh-CN" dirty="0"/>
+              <a:t>app.py</a:t>
+            </a:r>
+            <a:endParaRPr kumimoji="1" lang="zh-CN" altLang="en-US" dirty="0"/>
+          </a:p>
+        </p:txBody>
+      </p:sp>
+      <p:sp>
+        <p:nvSpPr>
+          <p:cNvPr id="9" name="文本框 8">
+            <a:extLst>
+              <a:ext uri="{FF2B5EF4-FFF2-40B4-BE49-F238E27FC236}">
+                <a16:creationId xmlns:a16="http://schemas.microsoft.com/office/drawing/2014/main" id="{CAC58F20-98F9-68EA-B033-AE04AFA409FD}"/>
+              </a:ext>
+            </a:extLst>
+          </p:cNvPr>
+          <p:cNvSpPr txBox="1"/>
+          <p:nvPr/>
+        </p:nvSpPr>
+        <p:spPr>
+          <a:xfrm>
+            <a:off x="5074944" y="5000625"/>
+            <a:ext cx="914400" cy="914400"/>
+          </a:xfrm>
+          <a:prstGeom prst="rect">
+            <a:avLst/>
+          </a:prstGeom>
+        </p:spPr>
+        <p:txBody>
+          <a:bodyPr vert="horz" wrap="none" lIns="91440" tIns="45720" rIns="91440" bIns="45720" rtlCol="0" anchor="ctr">
+            <a:normAutofit/>
+          </a:bodyPr>
+          <a:lstStyle/>
+          <a:p>
+            <a:pPr algn="l"/>
+            <a:r>
+              <a:rPr kumimoji="1" lang="zh-CN" altLang="en-US" dirty="0"/>
+              <a:t>前端部分：</a:t>
+            </a:r>
+            <a:r>
+              <a:rPr kumimoji="1" lang="en-US" altLang="zh-CN" dirty="0"/>
+              <a:t>index.js</a:t>
+            </a:r>
+          </a:p>
+        </p:txBody>
+      </p:sp>
     </p:spTree>
     <p:extLst>
       <p:ext uri="{BB962C8B-B14F-4D97-AF65-F5344CB8AC3E}">
-        <p14:creationId xmlns:p14="http://schemas.microsoft.com/office/powerpoint/2010/main" val="793965280"/>
+        <p14:creationId xmlns:p14="http://schemas.microsoft.com/office/powerpoint/2010/main" val="2014258191"/>
       </p:ext>
     </p:extLst>
   </p:cSld>
@@ -4793,10 +4907,10 @@
       </p:grpSpPr>
       <p:sp>
         <p:nvSpPr>
-          <p:cNvPr id="2" name="标题 1">
-            <a:extLst>
-              <a:ext uri="{FF2B5EF4-FFF2-40B4-BE49-F238E27FC236}">
-                <a16:creationId xmlns:a16="http://schemas.microsoft.com/office/drawing/2014/main" id="{6FAF4207-CF2E-A1A3-E311-A6C737F4CD9F}"/>
+          <p:cNvPr id="4" name="标题 3">
+            <a:extLst>
+              <a:ext uri="{FF2B5EF4-FFF2-40B4-BE49-F238E27FC236}">
+                <a16:creationId xmlns:a16="http://schemas.microsoft.com/office/drawing/2014/main" id="{3FEC7AA6-0766-A044-B35D-59B26BC75052}"/>
               </a:ext>
             </a:extLst>
           </p:cNvPr>
@@ -4812,19 +4926,25 @@
           <a:bodyPr/>
           <a:lstStyle/>
           <a:p>
-            <a:r>
-              <a:rPr lang="zh-CN" altLang="en-US" dirty="0"/>
-              <a:t>基本思路</a:t>
-            </a:r>
-          </a:p>
-        </p:txBody>
-      </p:sp>
-      <p:sp>
-        <p:nvSpPr>
-          <p:cNvPr id="3" name="内容占位符 2">
-            <a:extLst>
-              <a:ext uri="{FF2B5EF4-FFF2-40B4-BE49-F238E27FC236}">
-                <a16:creationId xmlns:a16="http://schemas.microsoft.com/office/drawing/2014/main" id="{1E7EE81C-F74F-592B-9D74-332186827240}"/>
+            <a:pPr>
+              <a:lnSpc>
+                <a:spcPct val="150000"/>
+              </a:lnSpc>
+            </a:pPr>
+            <a:r>
+              <a:rPr kumimoji="1" lang="zh-CN" altLang="en-US" dirty="0"/>
+              <a:t>目前存在的问题</a:t>
+            </a:r>
+            <a:endParaRPr kumimoji="1" lang="en-US" altLang="zh-CN" dirty="0"/>
+          </a:p>
+        </p:txBody>
+      </p:sp>
+      <p:sp>
+        <p:nvSpPr>
+          <p:cNvPr id="5" name="文本占位符 4">
+            <a:extLst>
+              <a:ext uri="{FF2B5EF4-FFF2-40B4-BE49-F238E27FC236}">
+                <a16:creationId xmlns:a16="http://schemas.microsoft.com/office/drawing/2014/main" id="{18A91DBF-71DD-924D-9046-3F1A97B4A209}"/>
               </a:ext>
             </a:extLst>
           </p:cNvPr>
@@ -4832,7 +4952,7 @@
             <a:spLocks noGrp="1"/>
           </p:cNvSpPr>
           <p:nvPr>
-            <p:ph idx="1"/>
+            <p:ph type="body" idx="1"/>
           </p:nvPr>
         </p:nvSpPr>
         <p:spPr/>
@@ -4840,159 +4960,14 @@
           <a:bodyPr/>
           <a:lstStyle/>
           <a:p>
-            <a:r>
-              <a:rPr lang="zh-CN" altLang="en-US" dirty="0"/>
-              <a:t>使用已有大模型（</a:t>
-            </a:r>
-            <a:r>
-              <a:rPr lang="en-US" altLang="zh-CN" dirty="0" err="1"/>
-              <a:t>Deepseek</a:t>
-            </a:r>
-            <a:r>
-              <a:rPr lang="zh-CN" altLang="en-US" dirty="0"/>
-              <a:t>）进行深度学习</a:t>
-            </a:r>
-            <a:endParaRPr lang="en-US" altLang="zh-CN" dirty="0"/>
-          </a:p>
-          <a:p>
-            <a:pPr marL="0" indent="0">
-              <a:buNone/>
-            </a:pPr>
-            <a:r>
-              <a:rPr lang="en-US" altLang="zh-CN" dirty="0"/>
-              <a:t>	</a:t>
-            </a:r>
-            <a:r>
-              <a:rPr lang="zh-CN" altLang="en-US" dirty="0"/>
-              <a:t>使用已有大模型的</a:t>
-            </a:r>
-            <a:r>
-              <a:rPr lang="en-US" altLang="zh-CN" dirty="0"/>
-              <a:t>API</a:t>
-            </a:r>
-            <a:r>
-              <a:rPr lang="zh-CN" altLang="en-US" dirty="0"/>
-              <a:t>接口接入自己的后端代码，通过读取用户输入的</a:t>
-            </a:r>
-            <a:r>
-              <a:rPr lang="en-US" altLang="zh-CN" dirty="0" err="1"/>
-              <a:t>url</a:t>
-            </a:r>
-            <a:r>
-              <a:rPr lang="zh-CN" altLang="en-US" dirty="0"/>
-              <a:t>，将其提供给大模型进行分析来实现</a:t>
-            </a:r>
-            <a:r>
-              <a:rPr lang="zh-CN" altLang="en-US" b="1" dirty="0"/>
-              <a:t>预期的</a:t>
-            </a:r>
-            <a:r>
-              <a:rPr lang="zh-CN" altLang="en-US" dirty="0"/>
-              <a:t>漏洞判断，并给予进一步的测试方法</a:t>
-            </a:r>
-            <a:endParaRPr lang="en-US" altLang="zh-CN" dirty="0"/>
-          </a:p>
-          <a:p>
-            <a:endParaRPr lang="en-US" altLang="zh-CN" dirty="0"/>
-          </a:p>
-          <a:p>
-            <a:r>
-              <a:rPr lang="en-US" altLang="zh-CN" dirty="0"/>
-              <a:t>Flask</a:t>
-            </a:r>
-            <a:r>
-              <a:rPr lang="zh-CN" altLang="en-US" dirty="0"/>
-              <a:t>框架作为前后端接口</a:t>
-            </a:r>
-            <a:endParaRPr lang="en-US" altLang="zh-CN" dirty="0"/>
-          </a:p>
-          <a:p>
-            <a:pPr marL="0" indent="0">
-              <a:buNone/>
-            </a:pPr>
-            <a:r>
-              <a:rPr lang="en-US" altLang="zh-CN" dirty="0"/>
-              <a:t>	</a:t>
-            </a:r>
-            <a:r>
-              <a:rPr lang="zh-CN" altLang="en-US" dirty="0"/>
-              <a:t>使用</a:t>
-            </a:r>
-            <a:r>
-              <a:rPr lang="en-US" altLang="zh-CN" dirty="0"/>
-              <a:t>flask</a:t>
-            </a:r>
-            <a:r>
-              <a:rPr lang="zh-CN" altLang="en-US" dirty="0"/>
-              <a:t>框架，将大模型返回的内容进行分类处理，转化成</a:t>
-            </a:r>
-            <a:r>
-              <a:rPr lang="en-US" altLang="zh-CN" dirty="0" err="1"/>
-              <a:t>json</a:t>
-            </a:r>
-            <a:r>
-              <a:rPr lang="zh-CN" altLang="en-US" dirty="0"/>
-              <a:t>数据供前端代码读取</a:t>
-            </a:r>
-            <a:endParaRPr lang="en-US" altLang="zh-CN" dirty="0"/>
-          </a:p>
-          <a:p>
-            <a:endParaRPr lang="en-US" altLang="zh-CN" dirty="0"/>
-          </a:p>
-          <a:p>
-            <a:r>
-              <a:rPr lang="zh-CN" altLang="en-US" dirty="0"/>
-              <a:t>前端三件套展示网页</a:t>
-            </a:r>
-            <a:endParaRPr lang="en-US" altLang="zh-CN" dirty="0"/>
-          </a:p>
-          <a:p>
-            <a:pPr marL="342900" lvl="1" indent="0">
-              <a:buNone/>
-            </a:pPr>
-            <a:endParaRPr lang="en-US" altLang="zh-CN" dirty="0"/>
-          </a:p>
-          <a:p>
-            <a:pPr marL="342900" lvl="1" indent="0">
-              <a:buNone/>
-            </a:pPr>
-            <a:r>
-              <a:rPr lang="zh-CN" altLang="en-US" dirty="0"/>
-              <a:t>通过</a:t>
-            </a:r>
-            <a:r>
-              <a:rPr lang="en-US" altLang="zh-CN" dirty="0"/>
-              <a:t>ai</a:t>
-            </a:r>
-            <a:r>
-              <a:rPr lang="zh-CN" altLang="en-US" dirty="0"/>
-              <a:t>辅助设计，设计了简约的网页，并可以让用户输出</a:t>
-            </a:r>
-            <a:r>
-              <a:rPr lang="en-US" altLang="zh-CN" dirty="0" err="1"/>
-              <a:t>url</a:t>
-            </a:r>
-            <a:r>
-              <a:rPr lang="zh-CN" altLang="en-US" dirty="0"/>
-              <a:t>，传入后端分析，将结果返回前端展示</a:t>
-            </a:r>
-            <a:endParaRPr lang="en-US" altLang="zh-CN" dirty="0"/>
-          </a:p>
-          <a:p>
-            <a:pPr marL="342900" lvl="1" indent="0">
-              <a:buNone/>
-            </a:pPr>
-            <a:r>
-              <a:rPr lang="en-US" altLang="zh-CN" dirty="0"/>
-              <a:t>	</a:t>
-            </a:r>
+            <a:endParaRPr kumimoji="1" lang="zh-CN" altLang="en-US"/>
           </a:p>
         </p:txBody>
       </p:sp>
     </p:spTree>
     <p:extLst>
       <p:ext uri="{BB962C8B-B14F-4D97-AF65-F5344CB8AC3E}">
-        <p14:creationId xmlns:p14="http://schemas.microsoft.com/office/powerpoint/2010/main" val="756980843"/>
+        <p14:creationId xmlns:p14="http://schemas.microsoft.com/office/powerpoint/2010/main" val="940525289"/>
       </p:ext>
     </p:extLst>
   </p:cSld>
@@ -5003,11 +4978,17 @@
 </file>
 
 <file path=ppt/slides/slide13.xml><?xml version="1.0" encoding="utf-8"?>
-<p:sld xmlns:a="http://schemas.openxmlformats.org/drawingml/2006/main" xmlns:r="http://schemas.openxmlformats.org/officeDocument/2006/relationships" xmlns:p="http://schemas.openxmlformats.org/presentationml/2006/main">
+<p:sld xmlns:a="http://schemas.openxmlformats.org/drawingml/2006/main" xmlns:r="http://schemas.openxmlformats.org/officeDocument/2006/relationships" xmlns:p="http://schemas.openxmlformats.org/presentationml/2006/main" show="0">
   <p:cSld>
     <p:spTree>
       <p:nvGrpSpPr>
-        <p:cNvPr id="1" name=""/>
+        <p:cNvPr id="1" name="">
+          <a:extLst>
+            <a:ext uri="{FF2B5EF4-FFF2-40B4-BE49-F238E27FC236}">
+              <a16:creationId xmlns:a16="http://schemas.microsoft.com/office/drawing/2014/main" id="{6A1A739A-621E-D2D6-85D9-64C6E0FEE482}"/>
+            </a:ext>
+          </a:extLst>
+        </p:cNvPr>
         <p:cNvGrpSpPr/>
         <p:nvPr/>
       </p:nvGrpSpPr>
@@ -5021,10 +5002,10 @@
       </p:grpSpPr>
       <p:sp>
         <p:nvSpPr>
-          <p:cNvPr id="2" name="标题 1">
-            <a:extLst>
-              <a:ext uri="{FF2B5EF4-FFF2-40B4-BE49-F238E27FC236}">
-                <a16:creationId xmlns:a16="http://schemas.microsoft.com/office/drawing/2014/main" id="{915D7FBD-4162-C308-B02F-5DDDDBEBB44A}"/>
+          <p:cNvPr id="4" name="标题 3">
+            <a:extLst>
+              <a:ext uri="{FF2B5EF4-FFF2-40B4-BE49-F238E27FC236}">
+                <a16:creationId xmlns:a16="http://schemas.microsoft.com/office/drawing/2014/main" id="{3114F5B4-13CF-27B3-34F9-6450DFE08A89}"/>
               </a:ext>
             </a:extLst>
           </p:cNvPr>
@@ -5042,17 +5023,17 @@
           <a:p>
             <a:r>
               <a:rPr lang="zh-CN" altLang="en-US" dirty="0"/>
-              <a:t>项目进展</a:t>
-            </a:r>
-          </a:p>
-        </p:txBody>
-      </p:sp>
-      <p:sp>
-        <p:nvSpPr>
-          <p:cNvPr id="3" name="内容占位符 2">
-            <a:extLst>
-              <a:ext uri="{FF2B5EF4-FFF2-40B4-BE49-F238E27FC236}">
-                <a16:creationId xmlns:a16="http://schemas.microsoft.com/office/drawing/2014/main" id="{4EC9E3DA-A2EF-5115-18CC-A98689F1D92E}"/>
+              <a:t>问题</a:t>
+            </a:r>
+          </a:p>
+        </p:txBody>
+      </p:sp>
+      <p:sp>
+        <p:nvSpPr>
+          <p:cNvPr id="5" name="内容占位符 4">
+            <a:extLst>
+              <a:ext uri="{FF2B5EF4-FFF2-40B4-BE49-F238E27FC236}">
+                <a16:creationId xmlns:a16="http://schemas.microsoft.com/office/drawing/2014/main" id="{07E96CD5-9EF1-0C7D-9600-DAA326340069}"/>
               </a:ext>
             </a:extLst>
           </p:cNvPr>
@@ -5069,162 +5050,50 @@
           <a:lstStyle/>
           <a:p>
             <a:r>
-              <a:rPr lang="zh-CN" altLang="en-US" dirty="0"/>
-              <a:t>成果展示：</a:t>
-            </a:r>
-          </a:p>
-        </p:txBody>
-      </p:sp>
-      <p:pic>
-        <p:nvPicPr>
-          <p:cNvPr id="5" name="图片 4" descr="图形用户界面, 文本, 应用程序, 电子邮件&#10;&#10;AI 生成的内容可能不正确。">
-            <a:extLst>
-              <a:ext uri="{FF2B5EF4-FFF2-40B4-BE49-F238E27FC236}">
-                <a16:creationId xmlns:a16="http://schemas.microsoft.com/office/drawing/2014/main" id="{84ABCA54-7614-E048-CD7B-BADFF707ACB6}"/>
-              </a:ext>
-            </a:extLst>
-          </p:cNvPr>
-          <p:cNvPicPr>
-            <a:picLocks noChangeAspect="1"/>
-          </p:cNvPicPr>
-          <p:nvPr/>
-        </p:nvPicPr>
-        <p:blipFill>
-          <a:blip r:embed="rId2"/>
-          <a:stretch>
-            <a:fillRect/>
-          </a:stretch>
-        </p:blipFill>
-        <p:spPr>
-          <a:xfrm>
-            <a:off x="340240" y="1676232"/>
-            <a:ext cx="4164006" cy="2747963"/>
-          </a:xfrm>
-          <a:prstGeom prst="rect">
-            <a:avLst/>
-          </a:prstGeom>
-        </p:spPr>
-      </p:pic>
-      <p:pic>
-        <p:nvPicPr>
-          <p:cNvPr id="7" name="图片 6" descr="图形用户界面, 文本, 应用程序, 电子邮件&#10;&#10;AI 生成的内容可能不正确。">
-            <a:extLst>
-              <a:ext uri="{FF2B5EF4-FFF2-40B4-BE49-F238E27FC236}">
-                <a16:creationId xmlns:a16="http://schemas.microsoft.com/office/drawing/2014/main" id="{5BFD71F6-3442-0C5F-B08C-2200981C1D33}"/>
-              </a:ext>
-            </a:extLst>
-          </p:cNvPr>
-          <p:cNvPicPr>
-            <a:picLocks noChangeAspect="1"/>
-          </p:cNvPicPr>
-          <p:nvPr/>
-        </p:nvPicPr>
-        <p:blipFill>
-          <a:blip r:embed="rId3"/>
-          <a:stretch>
-            <a:fillRect/>
-          </a:stretch>
-        </p:blipFill>
-        <p:spPr>
-          <a:xfrm>
-            <a:off x="4572000" y="1854695"/>
-            <a:ext cx="4486483" cy="2276418"/>
-          </a:xfrm>
-          <a:prstGeom prst="rect">
-            <a:avLst/>
-          </a:prstGeom>
-        </p:spPr>
-      </p:pic>
-      <p:sp>
-        <p:nvSpPr>
-          <p:cNvPr id="8" name="文本框 7">
-            <a:extLst>
-              <a:ext uri="{FF2B5EF4-FFF2-40B4-BE49-F238E27FC236}">
-                <a16:creationId xmlns:a16="http://schemas.microsoft.com/office/drawing/2014/main" id="{902AF5A3-ABD3-2CA3-12B3-0C87485200F7}"/>
-              </a:ext>
-            </a:extLst>
-          </p:cNvPr>
-          <p:cNvSpPr txBox="1"/>
-          <p:nvPr/>
-        </p:nvSpPr>
-        <p:spPr>
-          <a:xfrm>
-            <a:off x="285098" y="4749610"/>
-            <a:ext cx="4274289" cy="914400"/>
-          </a:xfrm>
-          <a:prstGeom prst="rect">
-            <a:avLst/>
-          </a:prstGeom>
-        </p:spPr>
-        <p:txBody>
-          <a:bodyPr vert="horz" wrap="none" lIns="91440" tIns="45720" rIns="91440" bIns="45720" rtlCol="0" anchor="ctr">
-            <a:normAutofit/>
-          </a:bodyPr>
-          <a:lstStyle/>
-          <a:p>
-            <a:pPr algn="l"/>
-            <a:r>
-              <a:rPr kumimoji="1" lang="zh-CN" altLang="en-US" dirty="0"/>
-              <a:t>给予链接，可以初步判断可能是什么类型</a:t>
-            </a:r>
-            <a:endParaRPr kumimoji="1" lang="en-US" altLang="zh-CN" dirty="0"/>
-          </a:p>
-          <a:p>
-            <a:pPr algn="l"/>
-            <a:r>
-              <a:rPr kumimoji="1" lang="zh-CN" altLang="en-US" dirty="0"/>
-              <a:t>并给予测试方法</a:t>
-            </a:r>
-          </a:p>
-        </p:txBody>
-      </p:sp>
-      <p:sp>
-        <p:nvSpPr>
-          <p:cNvPr id="9" name="文本框 8">
-            <a:extLst>
-              <a:ext uri="{FF2B5EF4-FFF2-40B4-BE49-F238E27FC236}">
-                <a16:creationId xmlns:a16="http://schemas.microsoft.com/office/drawing/2014/main" id="{381F232F-2D32-02EA-80A3-86548B73F796}"/>
-              </a:ext>
-            </a:extLst>
-          </p:cNvPr>
-          <p:cNvSpPr txBox="1"/>
-          <p:nvPr/>
-        </p:nvSpPr>
-        <p:spPr>
-          <a:xfrm>
-            <a:off x="5140613" y="4634991"/>
-            <a:ext cx="3349256" cy="914400"/>
-          </a:xfrm>
-          <a:prstGeom prst="rect">
-            <a:avLst/>
-          </a:prstGeom>
-        </p:spPr>
-        <p:txBody>
-          <a:bodyPr vert="horz" wrap="none" lIns="91440" tIns="45720" rIns="91440" bIns="45720" rtlCol="0" anchor="ctr">
-            <a:normAutofit/>
-          </a:bodyPr>
-          <a:lstStyle/>
-          <a:p>
-            <a:pPr algn="l"/>
-            <a:r>
-              <a:rPr kumimoji="1" lang="zh-CN" altLang="en-US" dirty="0"/>
-              <a:t>检测无效</a:t>
-            </a:r>
-            <a:r>
-              <a:rPr kumimoji="1" lang="en-US" altLang="zh-CN" dirty="0" err="1"/>
-              <a:t>url</a:t>
-            </a:r>
-            <a:r>
-              <a:rPr kumimoji="1" lang="zh-CN" altLang="en-US" dirty="0"/>
-              <a:t>链接并返回错误信息</a:t>
-            </a:r>
+              <a:rPr lang="zh-CN" altLang="en-US" sz="2400" dirty="0"/>
+              <a:t>实现途径并不可靠，工作量与自动化工具差别不大</a:t>
+            </a:r>
+            <a:endParaRPr lang="en-US" altLang="zh-CN" sz="2400" dirty="0"/>
+          </a:p>
+          <a:p>
+            <a:endParaRPr lang="en-US" altLang="zh-CN" sz="2400" dirty="0"/>
+          </a:p>
+          <a:p>
+            <a:r>
+              <a:rPr lang="zh-CN" altLang="en-US" sz="2400" dirty="0"/>
+              <a:t>缺乏自己训练模型的数据集与训练环境</a:t>
+            </a:r>
+            <a:endParaRPr lang="en-US" altLang="zh-CN" sz="2400" dirty="0"/>
+          </a:p>
+          <a:p>
+            <a:endParaRPr lang="en-US" altLang="zh-CN" sz="2400" dirty="0"/>
+          </a:p>
+          <a:p>
+            <a:r>
+              <a:rPr lang="zh-CN" altLang="en-US" sz="2400" dirty="0"/>
+              <a:t>深度学习方面的知识欠缺，无项目实战经历</a:t>
+            </a:r>
+            <a:endParaRPr lang="en-US" altLang="zh-CN" sz="2400" dirty="0"/>
+          </a:p>
+          <a:p>
+            <a:endParaRPr lang="en-US" altLang="zh-CN" sz="2400" dirty="0"/>
+          </a:p>
+          <a:p>
+            <a:r>
+              <a:rPr lang="zh-CN" altLang="en-US" sz="2400" dirty="0"/>
+              <a:t>模型训练周期长，日常兼顾实验室事务时间紧张</a:t>
+            </a:r>
+            <a:endParaRPr lang="en-US" altLang="zh-CN" sz="2400" dirty="0"/>
+          </a:p>
+          <a:p>
+            <a:endParaRPr lang="en-US" altLang="zh-CN" dirty="0"/>
           </a:p>
         </p:txBody>
       </p:sp>
     </p:spTree>
     <p:extLst>
       <p:ext uri="{BB962C8B-B14F-4D97-AF65-F5344CB8AC3E}">
-        <p14:creationId xmlns:p14="http://schemas.microsoft.com/office/powerpoint/2010/main" val="30857299"/>
+        <p14:creationId xmlns:p14="http://schemas.microsoft.com/office/powerpoint/2010/main" val="3026838212"/>
       </p:ext>
     </p:extLst>
   </p:cSld>
@@ -5253,10 +5122,10 @@
       </p:grpSpPr>
       <p:sp>
         <p:nvSpPr>
-          <p:cNvPr id="2" name="标题 1">
-            <a:extLst>
-              <a:ext uri="{FF2B5EF4-FFF2-40B4-BE49-F238E27FC236}">
-                <a16:creationId xmlns:a16="http://schemas.microsoft.com/office/drawing/2014/main" id="{8E1BF5AC-CCD4-F00D-478A-CF90C0675904}"/>
+          <p:cNvPr id="4" name="标题 3">
+            <a:extLst>
+              <a:ext uri="{FF2B5EF4-FFF2-40B4-BE49-F238E27FC236}">
+                <a16:creationId xmlns:a16="http://schemas.microsoft.com/office/drawing/2014/main" id="{53C6359F-9F0F-CC45-B493-26B4CEC60AA5}"/>
               </a:ext>
             </a:extLst>
           </p:cNvPr>
@@ -5272,156 +5141,47 @@
           <a:bodyPr/>
           <a:lstStyle/>
           <a:p>
-            <a:r>
-              <a:rPr lang="en-US" altLang="zh-CN" dirty="0"/>
-              <a:t>CODE</a:t>
-            </a:r>
-            <a:endParaRPr lang="zh-CN" altLang="en-US" dirty="0"/>
-          </a:p>
-        </p:txBody>
-      </p:sp>
-      <p:pic>
-        <p:nvPicPr>
-          <p:cNvPr id="5" name="内容占位符 4">
-            <a:extLst>
-              <a:ext uri="{FF2B5EF4-FFF2-40B4-BE49-F238E27FC236}">
-                <a16:creationId xmlns:a16="http://schemas.microsoft.com/office/drawing/2014/main" id="{4516117C-32D4-E606-141B-EB43713B2172}"/>
-              </a:ext>
-            </a:extLst>
-          </p:cNvPr>
-          <p:cNvPicPr>
-            <a:picLocks noGrp="1" noChangeAspect="1"/>
-          </p:cNvPicPr>
-          <p:nvPr>
-            <p:ph idx="1"/>
-          </p:nvPr>
-        </p:nvPicPr>
-        <p:blipFill>
-          <a:blip r:embed="rId2"/>
-          <a:stretch>
-            <a:fillRect/>
-          </a:stretch>
-        </p:blipFill>
-        <p:spPr>
-          <a:xfrm>
-            <a:off x="319974" y="942975"/>
-            <a:ext cx="2834684" cy="4972050"/>
-          </a:xfrm>
-        </p:spPr>
-      </p:pic>
-      <p:pic>
-        <p:nvPicPr>
-          <p:cNvPr id="7" name="图片 6">
-            <a:extLst>
-              <a:ext uri="{FF2B5EF4-FFF2-40B4-BE49-F238E27FC236}">
-                <a16:creationId xmlns:a16="http://schemas.microsoft.com/office/drawing/2014/main" id="{8195C970-FC11-3A8F-0E76-7007B3DE0D62}"/>
-              </a:ext>
-            </a:extLst>
-          </p:cNvPr>
-          <p:cNvPicPr>
-            <a:picLocks noChangeAspect="1"/>
-          </p:cNvPicPr>
-          <p:nvPr/>
-        </p:nvPicPr>
-        <p:blipFill>
-          <a:blip r:embed="rId3"/>
-          <a:stretch>
-            <a:fillRect/>
-          </a:stretch>
-        </p:blipFill>
-        <p:spPr>
-          <a:xfrm>
-            <a:off x="3469164" y="942975"/>
-            <a:ext cx="5248672" cy="4203183"/>
-          </a:xfrm>
-          <a:prstGeom prst="rect">
-            <a:avLst/>
-          </a:prstGeom>
-        </p:spPr>
-      </p:pic>
-      <p:sp>
-        <p:nvSpPr>
-          <p:cNvPr id="8" name="文本框 7">
-            <a:extLst>
-              <a:ext uri="{FF2B5EF4-FFF2-40B4-BE49-F238E27FC236}">
-                <a16:creationId xmlns:a16="http://schemas.microsoft.com/office/drawing/2014/main" id="{9817A861-F689-E317-1C0D-405161920CEA}"/>
-              </a:ext>
-            </a:extLst>
-          </p:cNvPr>
-          <p:cNvSpPr txBox="1"/>
-          <p:nvPr/>
-        </p:nvSpPr>
-        <p:spPr>
-          <a:xfrm>
-            <a:off x="765544" y="5691742"/>
-            <a:ext cx="914400" cy="914400"/>
-          </a:xfrm>
-          <a:prstGeom prst="rect">
-            <a:avLst/>
-          </a:prstGeom>
-        </p:spPr>
-        <p:txBody>
-          <a:bodyPr vert="horz" wrap="none" lIns="91440" tIns="45720" rIns="91440" bIns="45720" rtlCol="0" anchor="ctr">
-            <a:normAutofit/>
-          </a:bodyPr>
+            <a:pPr>
+              <a:lnSpc>
+                <a:spcPct val="150000"/>
+              </a:lnSpc>
+            </a:pPr>
+            <a:r>
+              <a:rPr kumimoji="1" lang="zh-CN" altLang="en-US" dirty="0"/>
+              <a:t>下一步的研究任务与设想</a:t>
+            </a:r>
+          </a:p>
+        </p:txBody>
+      </p:sp>
+      <p:sp>
+        <p:nvSpPr>
+          <p:cNvPr id="5" name="文本占位符 4">
+            <a:extLst>
+              <a:ext uri="{FF2B5EF4-FFF2-40B4-BE49-F238E27FC236}">
+                <a16:creationId xmlns:a16="http://schemas.microsoft.com/office/drawing/2014/main" id="{E3A2ADCC-5825-2F41-8700-79DB8B807E02}"/>
+              </a:ext>
+            </a:extLst>
+          </p:cNvPr>
+          <p:cNvSpPr>
+            <a:spLocks noGrp="1"/>
+          </p:cNvSpPr>
+          <p:nvPr>
+            <p:ph type="body" idx="1"/>
+          </p:nvPr>
+        </p:nvSpPr>
+        <p:spPr/>
+        <p:txBody>
+          <a:bodyPr/>
           <a:lstStyle/>
           <a:p>
-            <a:pPr algn="l"/>
-            <a:r>
-              <a:rPr kumimoji="1" lang="zh-CN" altLang="en-US" dirty="0"/>
-              <a:t>后端部分：</a:t>
-            </a:r>
-            <a:r>
-              <a:rPr kumimoji="1" lang="en-US" altLang="zh-CN" dirty="0"/>
-              <a:t>app.py</a:t>
-            </a:r>
-            <a:endParaRPr kumimoji="1" lang="zh-CN" altLang="en-US" dirty="0"/>
-          </a:p>
-        </p:txBody>
-      </p:sp>
-      <p:sp>
-        <p:nvSpPr>
-          <p:cNvPr id="9" name="文本框 8">
-            <a:extLst>
-              <a:ext uri="{FF2B5EF4-FFF2-40B4-BE49-F238E27FC236}">
-                <a16:creationId xmlns:a16="http://schemas.microsoft.com/office/drawing/2014/main" id="{CAC58F20-98F9-68EA-B033-AE04AFA409FD}"/>
-              </a:ext>
-            </a:extLst>
-          </p:cNvPr>
-          <p:cNvSpPr txBox="1"/>
-          <p:nvPr/>
-        </p:nvSpPr>
-        <p:spPr>
-          <a:xfrm>
-            <a:off x="5074944" y="5000625"/>
-            <a:ext cx="914400" cy="914400"/>
-          </a:xfrm>
-          <a:prstGeom prst="rect">
-            <a:avLst/>
-          </a:prstGeom>
-        </p:spPr>
-        <p:txBody>
-          <a:bodyPr vert="horz" wrap="none" lIns="91440" tIns="45720" rIns="91440" bIns="45720" rtlCol="0" anchor="ctr">
-            <a:normAutofit/>
-          </a:bodyPr>
-          <a:lstStyle/>
-          <a:p>
-            <a:pPr algn="l"/>
-            <a:r>
-              <a:rPr kumimoji="1" lang="zh-CN" altLang="en-US" dirty="0"/>
-              <a:t>前端部分：</a:t>
-            </a:r>
-            <a:r>
-              <a:rPr kumimoji="1" lang="en-US" altLang="zh-CN" dirty="0"/>
-              <a:t>index.js</a:t>
-            </a:r>
+            <a:endParaRPr kumimoji="1" lang="zh-CN" altLang="en-US"/>
           </a:p>
         </p:txBody>
       </p:sp>
     </p:spTree>
     <p:extLst>
       <p:ext uri="{BB962C8B-B14F-4D97-AF65-F5344CB8AC3E}">
-        <p14:creationId xmlns:p14="http://schemas.microsoft.com/office/powerpoint/2010/main" val="2014258191"/>
+        <p14:creationId xmlns:p14="http://schemas.microsoft.com/office/powerpoint/2010/main" val="1205597372"/>
       </p:ext>
     </p:extLst>
   </p:cSld>
@@ -5453,7 +5213,7 @@
           <p:cNvPr id="4" name="标题 3">
             <a:extLst>
               <a:ext uri="{FF2B5EF4-FFF2-40B4-BE49-F238E27FC236}">
-                <a16:creationId xmlns:a16="http://schemas.microsoft.com/office/drawing/2014/main" id="{3FEC7AA6-0766-A044-B35D-59B26BC75052}"/>
+                <a16:creationId xmlns:a16="http://schemas.microsoft.com/office/drawing/2014/main" id="{76E7B1AF-00D5-FAB2-2FB4-0961B36E6B24}"/>
               </a:ext>
             </a:extLst>
           </p:cNvPr>
@@ -5469,25 +5229,19 @@
           <a:bodyPr/>
           <a:lstStyle/>
           <a:p>
-            <a:pPr>
-              <a:lnSpc>
-                <a:spcPct val="150000"/>
-              </a:lnSpc>
-            </a:pPr>
-            <a:r>
-              <a:rPr kumimoji="1" lang="zh-CN" altLang="en-US" dirty="0"/>
-              <a:t>目前存在的问题</a:t>
-            </a:r>
-            <a:endParaRPr kumimoji="1" lang="en-US" altLang="zh-CN" dirty="0"/>
-          </a:p>
-        </p:txBody>
-      </p:sp>
-      <p:sp>
-        <p:nvSpPr>
-          <p:cNvPr id="5" name="文本占位符 4">
-            <a:extLst>
-              <a:ext uri="{FF2B5EF4-FFF2-40B4-BE49-F238E27FC236}">
-                <a16:creationId xmlns:a16="http://schemas.microsoft.com/office/drawing/2014/main" id="{18A91DBF-71DD-924D-9046-3F1A97B4A209}"/>
+            <a:r>
+              <a:rPr lang="zh-CN" altLang="en-US" dirty="0"/>
+              <a:t>未来设想</a:t>
+            </a:r>
+          </a:p>
+        </p:txBody>
+      </p:sp>
+      <p:sp>
+        <p:nvSpPr>
+          <p:cNvPr id="5" name="内容占位符 4">
+            <a:extLst>
+              <a:ext uri="{FF2B5EF4-FFF2-40B4-BE49-F238E27FC236}">
+                <a16:creationId xmlns:a16="http://schemas.microsoft.com/office/drawing/2014/main" id="{FCFE3FFE-F99C-29F3-E7DC-289A792B19E7}"/>
               </a:ext>
             </a:extLst>
           </p:cNvPr>
@@ -5495,7 +5249,7 @@
             <a:spLocks noGrp="1"/>
           </p:cNvSpPr>
           <p:nvPr>
-            <p:ph type="body" idx="1"/>
+            <p:ph idx="1"/>
           </p:nvPr>
         </p:nvSpPr>
         <p:spPr/>
@@ -5503,14 +5257,88 @@
           <a:bodyPr/>
           <a:lstStyle/>
           <a:p>
-            <a:endParaRPr kumimoji="1" lang="zh-CN" altLang="en-US"/>
+            <a:r>
+              <a:rPr lang="zh-CN" altLang="en-US" dirty="0"/>
+              <a:t>若有时间，数据与技术支持，本人会考虑学习自己训练</a:t>
+            </a:r>
+            <a:r>
+              <a:rPr lang="en-US" altLang="zh-CN" dirty="0"/>
+              <a:t>web</a:t>
+            </a:r>
+            <a:r>
+              <a:rPr lang="zh-CN" altLang="en-US" dirty="0"/>
+              <a:t>漏洞扫描相关模型</a:t>
+            </a:r>
+            <a:r>
+              <a:rPr lang="en-US" altLang="zh-CN" dirty="0"/>
+              <a:t>(</a:t>
+            </a:r>
+            <a:r>
+              <a:rPr lang="zh-CN" altLang="en-US" dirty="0"/>
+              <a:t>或使用</a:t>
+            </a:r>
+            <a:r>
+              <a:rPr lang="en-US" altLang="zh-CN" dirty="0"/>
+              <a:t>transformer</a:t>
+            </a:r>
+            <a:r>
+              <a:rPr lang="zh-CN" altLang="en-US" dirty="0"/>
+              <a:t>等预处理模型加上自己的特征工程训练</a:t>
+            </a:r>
+            <a:r>
+              <a:rPr lang="en-US" altLang="zh-CN" dirty="0"/>
+              <a:t>)</a:t>
+            </a:r>
+            <a:r>
+              <a:rPr lang="zh-CN" altLang="en-US" dirty="0"/>
+              <a:t>，后接入后端，通过</a:t>
+            </a:r>
+            <a:r>
+              <a:rPr lang="en-US" altLang="zh-CN" dirty="0"/>
+              <a:t>API</a:t>
+            </a:r>
+            <a:r>
+              <a:rPr lang="zh-CN" altLang="en-US" dirty="0"/>
+              <a:t>接口将大模型推断数据传入前端 </a:t>
+            </a:r>
+            <a:endParaRPr lang="en-US" altLang="zh-CN" dirty="0"/>
+          </a:p>
+          <a:p>
+            <a:r>
+              <a:rPr lang="zh-CN" altLang="en-US" dirty="0"/>
+              <a:t>若没有时间，则会使用现有</a:t>
+            </a:r>
+            <a:r>
+              <a:rPr lang="en-US" altLang="zh-CN" dirty="0"/>
+              <a:t>API</a:t>
+            </a:r>
+            <a:r>
+              <a:rPr lang="zh-CN" altLang="en-US" dirty="0"/>
+              <a:t>接入 </a:t>
+            </a:r>
+            <a:r>
+              <a:rPr lang="en-US" altLang="zh-CN" dirty="0" err="1"/>
+              <a:t>deepseek</a:t>
+            </a:r>
+            <a:r>
+              <a:rPr lang="zh-CN" altLang="en-US" dirty="0"/>
+              <a:t>方案通过网页检测</a:t>
+            </a:r>
+            <a:r>
+              <a:rPr lang="en-US" altLang="zh-CN" dirty="0"/>
+              <a:t>web</a:t>
+            </a:r>
+            <a:r>
+              <a:rPr lang="zh-CN" altLang="en-US" dirty="0"/>
+              <a:t>漏洞，并给出测试方案。在此基础上，本人将会进一步进行前端方面的设计工作，改进后端检测策略，最后与后端接口对接以形成完整系统</a:t>
+            </a:r>
           </a:p>
         </p:txBody>
       </p:sp>
     </p:spTree>
     <p:extLst>
       <p:ext uri="{BB962C8B-B14F-4D97-AF65-F5344CB8AC3E}">
-        <p14:creationId xmlns:p14="http://schemas.microsoft.com/office/powerpoint/2010/main" val="940525289"/>
+        <p14:creationId xmlns:p14="http://schemas.microsoft.com/office/powerpoint/2010/main" val="3983596130"/>
       </p:ext>
     </p:extLst>
   </p:cSld>
@@ -5521,7 +5349,7 @@
 </file>
 
 <file path=ppt/slides/slide16.xml><?xml version="1.0" encoding="utf-8"?>
-<p:sld xmlns:a="http://schemas.openxmlformats.org/drawingml/2006/main" xmlns:r="http://schemas.openxmlformats.org/officeDocument/2006/relationships" xmlns:p="http://schemas.openxmlformats.org/presentationml/2006/main">
+<p:sld xmlns:a="http://schemas.openxmlformats.org/drawingml/2006/main" xmlns:r="http://schemas.openxmlformats.org/officeDocument/2006/relationships" xmlns:p="http://schemas.openxmlformats.org/presentationml/2006/main" show="0">
   <p:cSld>
     <p:spTree>
       <p:nvGrpSpPr>
@@ -5596,7 +5424,7 @@
             </a:r>
             <a:r>
               <a:rPr lang="zh-CN" altLang="en-US" dirty="0"/>
-              <a:t>接口作为漏洞检测途径有些宽泛，很可能由于当前模型对应训练数 据不够，训练集过于复杂导致检测结果有 偏差。 并且工作量与直接使用自动化工具相比差别不大</a:t>
+              <a:t>接口作为漏洞检测途径有些宽泛，很可能由于当前模型对应训练数据不够，训练集过于复杂导致检测结果有 偏差。 并且工作量与直接使用自动化工具相比差别不大</a:t>
             </a:r>
             <a:endParaRPr lang="en-US" altLang="zh-CN" dirty="0"/>
           </a:p>
@@ -5617,7 +5445,7 @@
           <a:p>
             <a:r>
               <a:rPr lang="zh-CN" altLang="en-US" dirty="0"/>
-              <a:t>总之，关于深度学习的项目从零 开始学习加工作需要的周期很长，加之日 常课程与实验室占据日程，现在本人只能 转向一条毕竟容易实现，但性能不可保证 的路线</a:t>
+              <a:t>总之，关于深度学习的项目从零 开始学习加工作需要的周期很长，加之日常课程与实验室占据日程，现在本人只能 转向一条毕竟容易实现，但性能不可保证 的路线</a:t>
             </a:r>
           </a:p>
         </p:txBody>
@@ -5654,251 +5482,6 @@
       </p:grpSpPr>
       <p:sp>
         <p:nvSpPr>
-          <p:cNvPr id="4" name="标题 3">
-            <a:extLst>
-              <a:ext uri="{FF2B5EF4-FFF2-40B4-BE49-F238E27FC236}">
-                <a16:creationId xmlns:a16="http://schemas.microsoft.com/office/drawing/2014/main" id="{53C6359F-9F0F-CC45-B493-26B4CEC60AA5}"/>
-              </a:ext>
-            </a:extLst>
-          </p:cNvPr>
-          <p:cNvSpPr>
-            <a:spLocks noGrp="1"/>
-          </p:cNvSpPr>
-          <p:nvPr>
-            <p:ph type="title"/>
-          </p:nvPr>
-        </p:nvSpPr>
-        <p:spPr/>
-        <p:txBody>
-          <a:bodyPr/>
-          <a:lstStyle/>
-          <a:p>
-            <a:pPr>
-              <a:lnSpc>
-                <a:spcPct val="150000"/>
-              </a:lnSpc>
-            </a:pPr>
-            <a:r>
-              <a:rPr kumimoji="1" lang="zh-CN" altLang="en-US" dirty="0"/>
-              <a:t>下一步的研究任务与设想</a:t>
-            </a:r>
-          </a:p>
-        </p:txBody>
-      </p:sp>
-      <p:sp>
-        <p:nvSpPr>
-          <p:cNvPr id="5" name="文本占位符 4">
-            <a:extLst>
-              <a:ext uri="{FF2B5EF4-FFF2-40B4-BE49-F238E27FC236}">
-                <a16:creationId xmlns:a16="http://schemas.microsoft.com/office/drawing/2014/main" id="{E3A2ADCC-5825-2F41-8700-79DB8B807E02}"/>
-              </a:ext>
-            </a:extLst>
-          </p:cNvPr>
-          <p:cNvSpPr>
-            <a:spLocks noGrp="1"/>
-          </p:cNvSpPr>
-          <p:nvPr>
-            <p:ph type="body" idx="1"/>
-          </p:nvPr>
-        </p:nvSpPr>
-        <p:spPr/>
-        <p:txBody>
-          <a:bodyPr/>
-          <a:lstStyle/>
-          <a:p>
-            <a:endParaRPr kumimoji="1" lang="zh-CN" altLang="en-US"/>
-          </a:p>
-        </p:txBody>
-      </p:sp>
-    </p:spTree>
-    <p:extLst>
-      <p:ext uri="{BB962C8B-B14F-4D97-AF65-F5344CB8AC3E}">
-        <p14:creationId xmlns:p14="http://schemas.microsoft.com/office/powerpoint/2010/main" val="1205597372"/>
-      </p:ext>
-    </p:extLst>
-  </p:cSld>
-  <p:clrMapOvr>
-    <a:masterClrMapping/>
-  </p:clrMapOvr>
-</p:sld>
-</file>
-
-<file path=ppt/slides/slide18.xml><?xml version="1.0" encoding="utf-8"?>
-<p:sld xmlns:a="http://schemas.openxmlformats.org/drawingml/2006/main" xmlns:r="http://schemas.openxmlformats.org/officeDocument/2006/relationships" xmlns:p="http://schemas.openxmlformats.org/presentationml/2006/main">
-  <p:cSld>
-    <p:spTree>
-      <p:nvGrpSpPr>
-        <p:cNvPr id="1" name=""/>
-        <p:cNvGrpSpPr/>
-        <p:nvPr/>
-      </p:nvGrpSpPr>
-      <p:grpSpPr>
-        <a:xfrm>
-          <a:off x="0" y="0"/>
-          <a:ext cx="0" cy="0"/>
-          <a:chOff x="0" y="0"/>
-          <a:chExt cx="0" cy="0"/>
-        </a:xfrm>
-      </p:grpSpPr>
-      <p:sp>
-        <p:nvSpPr>
-          <p:cNvPr id="4" name="标题 3">
-            <a:extLst>
-              <a:ext uri="{FF2B5EF4-FFF2-40B4-BE49-F238E27FC236}">
-                <a16:creationId xmlns:a16="http://schemas.microsoft.com/office/drawing/2014/main" id="{76E7B1AF-00D5-FAB2-2FB4-0961B36E6B24}"/>
-              </a:ext>
-            </a:extLst>
-          </p:cNvPr>
-          <p:cNvSpPr>
-            <a:spLocks noGrp="1"/>
-          </p:cNvSpPr>
-          <p:nvPr>
-            <p:ph type="title"/>
-          </p:nvPr>
-        </p:nvSpPr>
-        <p:spPr/>
-        <p:txBody>
-          <a:bodyPr/>
-          <a:lstStyle/>
-          <a:p>
-            <a:r>
-              <a:rPr lang="zh-CN" altLang="en-US" dirty="0"/>
-              <a:t>未来设想</a:t>
-            </a:r>
-          </a:p>
-        </p:txBody>
-      </p:sp>
-      <p:sp>
-        <p:nvSpPr>
-          <p:cNvPr id="5" name="内容占位符 4">
-            <a:extLst>
-              <a:ext uri="{FF2B5EF4-FFF2-40B4-BE49-F238E27FC236}">
-                <a16:creationId xmlns:a16="http://schemas.microsoft.com/office/drawing/2014/main" id="{FCFE3FFE-F99C-29F3-E7DC-289A792B19E7}"/>
-              </a:ext>
-            </a:extLst>
-          </p:cNvPr>
-          <p:cNvSpPr>
-            <a:spLocks noGrp="1"/>
-          </p:cNvSpPr>
-          <p:nvPr>
-            <p:ph idx="1"/>
-          </p:nvPr>
-        </p:nvSpPr>
-        <p:spPr/>
-        <p:txBody>
-          <a:bodyPr/>
-          <a:lstStyle/>
-          <a:p>
-            <a:r>
-              <a:rPr lang="zh-CN" altLang="en-US" dirty="0"/>
-              <a:t>若有时间，数据与技术支持，本人会考虑学习自己训练</a:t>
-            </a:r>
-            <a:r>
-              <a:rPr lang="en-US" altLang="zh-CN" dirty="0"/>
-              <a:t>web</a:t>
-            </a:r>
-            <a:r>
-              <a:rPr lang="zh-CN" altLang="en-US" dirty="0"/>
-              <a:t>漏洞扫描相关模型</a:t>
-            </a:r>
-            <a:r>
-              <a:rPr lang="en-US" altLang="zh-CN" dirty="0"/>
-              <a:t>(</a:t>
-            </a:r>
-            <a:r>
-              <a:rPr lang="zh-CN" altLang="en-US" dirty="0"/>
-              <a:t>或使用</a:t>
-            </a:r>
-            <a:r>
-              <a:rPr lang="en-US" altLang="zh-CN" dirty="0"/>
-              <a:t>transformer</a:t>
-            </a:r>
-            <a:r>
-              <a:rPr lang="zh-CN" altLang="en-US" dirty="0"/>
-              <a:t>等预处理模型加上自己的特征工程训练</a:t>
-            </a:r>
-            <a:r>
-              <a:rPr lang="en-US" altLang="zh-CN" dirty="0"/>
-              <a:t>)</a:t>
-            </a:r>
-            <a:r>
-              <a:rPr lang="zh-CN" altLang="en-US" dirty="0"/>
-              <a:t>，后接入后端，通过</a:t>
-            </a:r>
-            <a:r>
-              <a:rPr lang="en-US" altLang="zh-CN" dirty="0"/>
-              <a:t>API</a:t>
-            </a:r>
-            <a:r>
-              <a:rPr lang="zh-CN" altLang="en-US" dirty="0"/>
-              <a:t>接口将大模型推断数据传入前端 </a:t>
-            </a:r>
-            <a:endParaRPr lang="en-US" altLang="zh-CN" dirty="0"/>
-          </a:p>
-          <a:p>
-            <a:r>
-              <a:rPr lang="zh-CN" altLang="en-US" dirty="0"/>
-              <a:t>若没有时间，则会使用现有</a:t>
-            </a:r>
-            <a:r>
-              <a:rPr lang="en-US" altLang="zh-CN" dirty="0"/>
-              <a:t>API</a:t>
-            </a:r>
-            <a:r>
-              <a:rPr lang="zh-CN" altLang="en-US" dirty="0"/>
-              <a:t>接入 </a:t>
-            </a:r>
-            <a:r>
-              <a:rPr lang="en-US" altLang="zh-CN" dirty="0" err="1"/>
-              <a:t>deepseek</a:t>
-            </a:r>
-            <a:r>
-              <a:rPr lang="zh-CN" altLang="en-US" dirty="0"/>
-              <a:t>方案通过网页检测</a:t>
-            </a:r>
-            <a:r>
-              <a:rPr lang="en-US" altLang="zh-CN" dirty="0"/>
-              <a:t>web</a:t>
-            </a:r>
-            <a:r>
-              <a:rPr lang="zh-CN" altLang="en-US" dirty="0"/>
-              <a:t>漏洞，并给出测试方案。在此基础上，本人将会进一步进行前端方面的设计工作，改进后端检测策略，最后与后端接口对接以形成完整系统</a:t>
-            </a:r>
-          </a:p>
-        </p:txBody>
-      </p:sp>
-    </p:spTree>
-    <p:extLst>
-      <p:ext uri="{BB962C8B-B14F-4D97-AF65-F5344CB8AC3E}">
-        <p14:creationId xmlns:p14="http://schemas.microsoft.com/office/powerpoint/2010/main" val="3983596130"/>
-      </p:ext>
-    </p:extLst>
-  </p:cSld>
-  <p:clrMapOvr>
-    <a:masterClrMapping/>
-  </p:clrMapOvr>
-</p:sld>
-</file>
-
-<file path=ppt/slides/slide19.xml><?xml version="1.0" encoding="utf-8"?>
-<p:sld xmlns:a="http://schemas.openxmlformats.org/drawingml/2006/main" xmlns:r="http://schemas.openxmlformats.org/officeDocument/2006/relationships" xmlns:p="http://schemas.openxmlformats.org/presentationml/2006/main">
-  <p:cSld>
-    <p:spTree>
-      <p:nvGrpSpPr>
-        <p:cNvPr id="1" name=""/>
-        <p:cNvGrpSpPr/>
-        <p:nvPr/>
-      </p:nvGrpSpPr>
-      <p:grpSpPr>
-        <a:xfrm>
-          <a:off x="0" y="0"/>
-          <a:ext cx="0" cy="0"/>
-          <a:chOff x="0" y="0"/>
-          <a:chExt cx="0" cy="0"/>
-        </a:xfrm>
-      </p:grpSpPr>
-      <p:sp>
-        <p:nvSpPr>
           <p:cNvPr id="2" name="矩形 1">
             <a:extLst>
               <a:ext uri="{FF2B5EF4-FFF2-40B4-BE49-F238E27FC236}">
@@ -5945,1442 +5528,7 @@
 </p:sld>
 </file>
 
-<file path=ppt/slides/slide2.xml><?xml version="1.0" encoding="utf-8"?>
-<p:sld xmlns:a="http://schemas.openxmlformats.org/drawingml/2006/main" xmlns:r="http://schemas.openxmlformats.org/officeDocument/2006/relationships" xmlns:p="http://schemas.openxmlformats.org/presentationml/2006/main">
-  <p:cSld>
-    <p:spTree>
-      <p:nvGrpSpPr>
-        <p:cNvPr id="1" name=""/>
-        <p:cNvGrpSpPr/>
-        <p:nvPr/>
-      </p:nvGrpSpPr>
-      <p:grpSpPr>
-        <a:xfrm>
-          <a:off x="0" y="0"/>
-          <a:ext cx="0" cy="0"/>
-          <a:chOff x="0" y="0"/>
-          <a:chExt cx="0" cy="0"/>
-        </a:xfrm>
-      </p:grpSpPr>
-      <p:sp>
-        <p:nvSpPr>
-          <p:cNvPr id="2" name="标题 1">
-            <a:extLst>
-              <a:ext uri="{FF2B5EF4-FFF2-40B4-BE49-F238E27FC236}">
-                <a16:creationId xmlns:a16="http://schemas.microsoft.com/office/drawing/2014/main" id="{C07B8B07-8AC8-D642-AA1B-FCCF8E29E450}"/>
-              </a:ext>
-            </a:extLst>
-          </p:cNvPr>
-          <p:cNvSpPr>
-            <a:spLocks noGrp="1"/>
-          </p:cNvSpPr>
-          <p:nvPr>
-            <p:ph type="title"/>
-          </p:nvPr>
-        </p:nvSpPr>
-        <p:spPr/>
-        <p:txBody>
-          <a:bodyPr/>
-          <a:lstStyle/>
-          <a:p>
-            <a:r>
-              <a:rPr kumimoji="1" lang="en-US" altLang="zh-CN" dirty="0"/>
-              <a:t>Contents</a:t>
-            </a:r>
-            <a:endParaRPr kumimoji="1" lang="zh-CN" altLang="en-US" dirty="0"/>
-          </a:p>
-        </p:txBody>
-      </p:sp>
-      <p:sp>
-        <p:nvSpPr>
-          <p:cNvPr id="3" name="内容占位符 2">
-            <a:extLst>
-              <a:ext uri="{FF2B5EF4-FFF2-40B4-BE49-F238E27FC236}">
-                <a16:creationId xmlns:a16="http://schemas.microsoft.com/office/drawing/2014/main" id="{3EA9DFB0-3A6E-5747-B1E1-BBCD41B5A9F4}"/>
-              </a:ext>
-            </a:extLst>
-          </p:cNvPr>
-          <p:cNvSpPr>
-            <a:spLocks noGrp="1"/>
-          </p:cNvSpPr>
-          <p:nvPr>
-            <p:ph idx="4294967295"/>
-          </p:nvPr>
-        </p:nvSpPr>
-        <p:spPr>
-          <a:xfrm>
-            <a:off x="628650" y="1205345"/>
-            <a:ext cx="7886700" cy="4971618"/>
-          </a:xfrm>
-        </p:spPr>
-        <p:txBody>
-          <a:bodyPr/>
-          <a:lstStyle/>
-          <a:p>
-            <a:pPr marL="457200" indent="-457200">
-              <a:lnSpc>
-                <a:spcPct val="150000"/>
-              </a:lnSpc>
-              <a:buFont typeface="+mj-ea"/>
-              <a:buAutoNum type="circleNumDbPlain"/>
-            </a:pPr>
-            <a:r>
-              <a:rPr kumimoji="1" lang="zh-CN" altLang="en-US" dirty="0"/>
-              <a:t>课题主要任务</a:t>
-            </a:r>
-            <a:endParaRPr kumimoji="1" lang="en-US" altLang="zh-CN" dirty="0"/>
-          </a:p>
-          <a:p>
-            <a:pPr marL="457200" indent="-457200">
-              <a:lnSpc>
-                <a:spcPct val="150000"/>
-              </a:lnSpc>
-              <a:buFont typeface="+mj-ea"/>
-              <a:buAutoNum type="circleNumDbPlain"/>
-            </a:pPr>
-            <a:r>
-              <a:rPr kumimoji="1" lang="zh-CN" altLang="en-US" dirty="0"/>
-              <a:t>具体工作及取得的进展</a:t>
-            </a:r>
-            <a:endParaRPr kumimoji="1" lang="en-US" altLang="zh-CN" dirty="0"/>
-          </a:p>
-          <a:p>
-            <a:pPr marL="457200" indent="-457200">
-              <a:lnSpc>
-                <a:spcPct val="150000"/>
-              </a:lnSpc>
-              <a:buFont typeface="+mj-ea"/>
-              <a:buAutoNum type="circleNumDbPlain"/>
-            </a:pPr>
-            <a:r>
-              <a:rPr kumimoji="1" lang="zh-CN" altLang="en-US" dirty="0"/>
-              <a:t>目前存在的问题</a:t>
-            </a:r>
-            <a:endParaRPr kumimoji="1" lang="en-US" altLang="zh-CN" dirty="0"/>
-          </a:p>
-          <a:p>
-            <a:pPr marL="457200" indent="-457200">
-              <a:lnSpc>
-                <a:spcPct val="150000"/>
-              </a:lnSpc>
-              <a:buFont typeface="+mj-ea"/>
-              <a:buAutoNum type="circleNumDbPlain"/>
-            </a:pPr>
-            <a:r>
-              <a:rPr kumimoji="1" lang="zh-CN" altLang="en-US" dirty="0"/>
-              <a:t>下一步的研究任务与设想</a:t>
-            </a:r>
-          </a:p>
-        </p:txBody>
-      </p:sp>
-    </p:spTree>
-    <p:extLst>
-      <p:ext uri="{BB962C8B-B14F-4D97-AF65-F5344CB8AC3E}">
-        <p14:creationId xmlns:p14="http://schemas.microsoft.com/office/powerpoint/2010/main" val="3858201268"/>
-      </p:ext>
-    </p:extLst>
-  </p:cSld>
-  <p:clrMapOvr>
-    <a:masterClrMapping/>
-  </p:clrMapOvr>
-</p:sld>
-</file>
-
-<file path=ppt/slides/slide3.xml><?xml version="1.0" encoding="utf-8"?>
-<p:sld xmlns:a="http://schemas.openxmlformats.org/drawingml/2006/main" xmlns:r="http://schemas.openxmlformats.org/officeDocument/2006/relationships" xmlns:p="http://schemas.openxmlformats.org/presentationml/2006/main">
-  <p:cSld>
-    <p:spTree>
-      <p:nvGrpSpPr>
-        <p:cNvPr id="1" name=""/>
-        <p:cNvGrpSpPr/>
-        <p:nvPr/>
-      </p:nvGrpSpPr>
-      <p:grpSpPr>
-        <a:xfrm>
-          <a:off x="0" y="0"/>
-          <a:ext cx="0" cy="0"/>
-          <a:chOff x="0" y="0"/>
-          <a:chExt cx="0" cy="0"/>
-        </a:xfrm>
-      </p:grpSpPr>
-      <p:sp>
-        <p:nvSpPr>
-          <p:cNvPr id="4" name="标题 3">
-            <a:extLst>
-              <a:ext uri="{FF2B5EF4-FFF2-40B4-BE49-F238E27FC236}">
-                <a16:creationId xmlns:a16="http://schemas.microsoft.com/office/drawing/2014/main" id="{40274A61-6EA2-7B44-9867-35828BE8FF03}"/>
-              </a:ext>
-            </a:extLst>
-          </p:cNvPr>
-          <p:cNvSpPr>
-            <a:spLocks noGrp="1"/>
-          </p:cNvSpPr>
-          <p:nvPr>
-            <p:ph type="title"/>
-          </p:nvPr>
-        </p:nvSpPr>
-        <p:spPr/>
-        <p:txBody>
-          <a:bodyPr/>
-          <a:lstStyle/>
-          <a:p>
-            <a:r>
-              <a:rPr kumimoji="1" lang="zh-CN" altLang="en-US" dirty="0"/>
-              <a:t>课题主要任务</a:t>
-            </a:r>
-          </a:p>
-        </p:txBody>
-      </p:sp>
-      <p:sp>
-        <p:nvSpPr>
-          <p:cNvPr id="5" name="文本占位符 4">
-            <a:extLst>
-              <a:ext uri="{FF2B5EF4-FFF2-40B4-BE49-F238E27FC236}">
-                <a16:creationId xmlns:a16="http://schemas.microsoft.com/office/drawing/2014/main" id="{6B1D0BE9-DF2C-1243-8EBF-C8AB9A3A8F95}"/>
-              </a:ext>
-            </a:extLst>
-          </p:cNvPr>
-          <p:cNvSpPr>
-            <a:spLocks noGrp="1"/>
-          </p:cNvSpPr>
-          <p:nvPr>
-            <p:ph type="body" idx="1"/>
-          </p:nvPr>
-        </p:nvSpPr>
-        <p:spPr/>
-        <p:txBody>
-          <a:bodyPr/>
-          <a:lstStyle/>
-          <a:p>
-            <a:endParaRPr kumimoji="1" lang="zh-CN" altLang="en-US"/>
-          </a:p>
-        </p:txBody>
-      </p:sp>
-    </p:spTree>
-    <p:extLst>
-      <p:ext uri="{BB962C8B-B14F-4D97-AF65-F5344CB8AC3E}">
-        <p14:creationId xmlns:p14="http://schemas.microsoft.com/office/powerpoint/2010/main" val="3613416208"/>
-      </p:ext>
-    </p:extLst>
-  </p:cSld>
-  <p:clrMapOvr>
-    <a:masterClrMapping/>
-  </p:clrMapOvr>
-</p:sld>
-</file>
-
-<file path=ppt/slides/slide4.xml><?xml version="1.0" encoding="utf-8"?>
-<p:sld xmlns:a="http://schemas.openxmlformats.org/drawingml/2006/main" xmlns:r="http://schemas.openxmlformats.org/officeDocument/2006/relationships" xmlns:p="http://schemas.openxmlformats.org/presentationml/2006/main">
-  <p:cSld>
-    <p:spTree>
-      <p:nvGrpSpPr>
-        <p:cNvPr id="1" name=""/>
-        <p:cNvGrpSpPr/>
-        <p:nvPr/>
-      </p:nvGrpSpPr>
-      <p:grpSpPr>
-        <a:xfrm>
-          <a:off x="0" y="0"/>
-          <a:ext cx="0" cy="0"/>
-          <a:chOff x="0" y="0"/>
-          <a:chExt cx="0" cy="0"/>
-        </a:xfrm>
-      </p:grpSpPr>
-      <p:sp>
-        <p:nvSpPr>
-          <p:cNvPr id="2" name="标题 1">
-            <a:extLst>
-              <a:ext uri="{FF2B5EF4-FFF2-40B4-BE49-F238E27FC236}">
-                <a16:creationId xmlns:a16="http://schemas.microsoft.com/office/drawing/2014/main" id="{0DB2364D-F5F4-DA42-98ED-48C632196C5B}"/>
-              </a:ext>
-            </a:extLst>
-          </p:cNvPr>
-          <p:cNvSpPr>
-            <a:spLocks noGrp="1"/>
-          </p:cNvSpPr>
-          <p:nvPr>
-            <p:ph type="title"/>
-          </p:nvPr>
-        </p:nvSpPr>
-        <p:spPr/>
-        <p:txBody>
-          <a:bodyPr>
-            <a:normAutofit/>
-          </a:bodyPr>
-          <a:lstStyle/>
-          <a:p>
-            <a:r>
-              <a:rPr lang="zh-CN" altLang="en-US" b="1" dirty="0"/>
-              <a:t>传统漏洞扫描模式</a:t>
-            </a:r>
-          </a:p>
-        </p:txBody>
-      </p:sp>
-      <p:sp>
-        <p:nvSpPr>
-          <p:cNvPr id="3" name="内容占位符 2">
-            <a:extLst>
-              <a:ext uri="{FF2B5EF4-FFF2-40B4-BE49-F238E27FC236}">
-                <a16:creationId xmlns:a16="http://schemas.microsoft.com/office/drawing/2014/main" id="{1C86AC19-11B9-C04F-8F4C-822EFBE563AD}"/>
-              </a:ext>
-            </a:extLst>
-          </p:cNvPr>
-          <p:cNvSpPr>
-            <a:spLocks noGrp="1"/>
-          </p:cNvSpPr>
-          <p:nvPr>
-            <p:ph idx="4294967295"/>
-          </p:nvPr>
-        </p:nvSpPr>
-        <p:spPr>
-          <a:xfrm>
-            <a:off x="628650" y="1385889"/>
-            <a:ext cx="7886700" cy="4351338"/>
-          </a:xfrm>
-        </p:spPr>
-        <p:txBody>
-          <a:bodyPr/>
-          <a:lstStyle/>
-          <a:p>
-            <a:r>
-              <a:rPr kumimoji="1" lang="zh-CN" altLang="en-US" dirty="0"/>
-              <a:t>基础路径</a:t>
-            </a:r>
-            <a:endParaRPr kumimoji="1" lang="en-US" altLang="zh-CN" dirty="0"/>
-          </a:p>
-          <a:p>
-            <a:pPr lvl="1"/>
-            <a:r>
-              <a:rPr kumimoji="1" lang="zh-CN" altLang="en-US" dirty="0"/>
-              <a:t>特征库匹配：基于公开漏洞特征</a:t>
-            </a:r>
-            <a:endParaRPr kumimoji="1" lang="en-US" altLang="zh-CN" dirty="0"/>
-          </a:p>
-          <a:p>
-            <a:pPr lvl="1"/>
-            <a:r>
-              <a:rPr kumimoji="1" lang="zh-CN" altLang="en-US" dirty="0"/>
-              <a:t>模糊测试：对输入点注入预设</a:t>
-            </a:r>
-            <a:r>
-              <a:rPr kumimoji="1" lang="en-US" altLang="zh-CN" dirty="0"/>
-              <a:t>Payload</a:t>
-            </a:r>
-          </a:p>
-          <a:p>
-            <a:pPr lvl="1"/>
-            <a:r>
-              <a:rPr kumimoji="1" lang="zh-CN" altLang="en-US" dirty="0"/>
-              <a:t>静态分析：解析代码中的危险函数调用</a:t>
-            </a:r>
-            <a:endParaRPr kumimoji="1" lang="en-US" altLang="zh-CN" dirty="0"/>
-          </a:p>
-          <a:p>
-            <a:pPr lvl="1"/>
-            <a:r>
-              <a:rPr kumimoji="1" lang="zh-CN" altLang="en-US" dirty="0"/>
-              <a:t>自动化工具：使用各类漏洞检测自动化工具进行暴力检测</a:t>
-            </a:r>
-            <a:endParaRPr kumimoji="1" lang="en-US" altLang="zh-CN" dirty="0"/>
-          </a:p>
-          <a:p>
-            <a:pPr lvl="1"/>
-            <a:endParaRPr kumimoji="1" lang="en-US" altLang="zh-CN" dirty="0"/>
-          </a:p>
-          <a:p>
-            <a:pPr lvl="1"/>
-            <a:endParaRPr kumimoji="1" lang="en-US" altLang="zh-CN" dirty="0"/>
-          </a:p>
-          <a:p>
-            <a:pPr lvl="1"/>
-            <a:endParaRPr kumimoji="1" lang="en-US" altLang="zh-CN" dirty="0"/>
-          </a:p>
-          <a:p>
-            <a:pPr lvl="1"/>
-            <a:endParaRPr kumimoji="1" lang="en-US" altLang="zh-CN" dirty="0"/>
-          </a:p>
-          <a:p>
-            <a:pPr lvl="1"/>
-            <a:endParaRPr kumimoji="1" lang="en-US" altLang="zh-CN" dirty="0"/>
-          </a:p>
-          <a:p>
-            <a:r>
-              <a:rPr kumimoji="1" lang="zh-CN" altLang="en-US" dirty="0"/>
-              <a:t>缺点：</a:t>
-            </a:r>
-            <a:endParaRPr kumimoji="1" lang="en-US" altLang="zh-CN" dirty="0"/>
-          </a:p>
-          <a:p>
-            <a:pPr lvl="1"/>
-            <a:r>
-              <a:rPr kumimoji="1" lang="zh-CN" altLang="en-US" dirty="0"/>
-              <a:t>只能依赖规则库更新，检测现有的漏洞</a:t>
-            </a:r>
-            <a:endParaRPr kumimoji="1" lang="en-US" altLang="zh-CN" dirty="0"/>
-          </a:p>
-          <a:p>
-            <a:pPr lvl="1"/>
-            <a:r>
-              <a:rPr kumimoji="1" lang="zh-CN" altLang="en-US" dirty="0"/>
-              <a:t>特征匹配误报率较高</a:t>
-            </a:r>
-          </a:p>
-          <a:p>
-            <a:pPr lvl="1"/>
-            <a:endParaRPr kumimoji="1" lang="en-US" altLang="zh-CN" dirty="0"/>
-          </a:p>
-        </p:txBody>
-      </p:sp>
-      <p:sp>
-        <p:nvSpPr>
-          <p:cNvPr id="5" name="Rectangle 2">
-            <a:extLst>
-              <a:ext uri="{FF2B5EF4-FFF2-40B4-BE49-F238E27FC236}">
-                <a16:creationId xmlns:a16="http://schemas.microsoft.com/office/drawing/2014/main" id="{1B8E010E-E64A-6739-4AF5-D4E9B8DC2057}"/>
-              </a:ext>
-            </a:extLst>
-          </p:cNvPr>
-          <p:cNvSpPr>
-            <a:spLocks noChangeArrowheads="1"/>
-          </p:cNvSpPr>
-          <p:nvPr/>
-        </p:nvSpPr>
-        <p:spPr bwMode="auto">
-          <a:xfrm>
-            <a:off x="935666" y="2124745"/>
-            <a:ext cx="65" cy="194917"/>
-          </a:xfrm>
-          <a:prstGeom prst="rect">
-            <a:avLst/>
-          </a:prstGeom>
-          <a:solidFill>
-            <a:srgbClr val="ECECEC"/>
-          </a:solidFill>
-          <a:ln>
-            <a:noFill/>
-          </a:ln>
-          <a:effectLst/>
-          <a:extLst>
-            <a:ext uri="{91240B29-F687-4F45-9708-019B960494DF}">
-              <a14:hiddenLine xmlns:a14="http://schemas.microsoft.com/office/drawing/2010/main" w="9525">
-                <a:solidFill>
-                  <a:schemeClr val="tx1"/>
-                </a:solidFill>
-                <a:miter lim="800000"/>
-                <a:headEnd/>
-                <a:tailEnd/>
-              </a14:hiddenLine>
-            </a:ext>
-            <a:ext uri="{AF507438-7753-43E0-B8FC-AC1667EBCBE1}">
-              <a14:hiddenEffects xmlns:a14="http://schemas.microsoft.com/office/drawing/2010/main">
-                <a:effectLst>
-                  <a:outerShdw dist="35921" dir="2700000" algn="ctr" rotWithShape="0">
-                    <a:schemeClr val="bg2"/>
-                  </a:outerShdw>
-                </a:effectLst>
-              </a14:hiddenEffects>
-            </a:ext>
-          </a:extLst>
-        </p:spPr>
-        <p:txBody>
-          <a:bodyPr vert="horz" wrap="none" lIns="0" tIns="25392" rIns="0" bIns="0" numCol="1" anchor="ctr" anchorCtr="0" compatLnSpc="1">
-            <a:prstTxWarp prst="textNoShape">
-              <a:avLst/>
-            </a:prstTxWarp>
-            <a:spAutoFit/>
-          </a:bodyPr>
-          <a:lstStyle/>
-          <a:p>
-            <a:pPr marL="0" marR="0" lvl="0" indent="0" algn="l" defTabSz="914400" rtl="0" eaLnBrk="0" fontAlgn="base" latinLnBrk="0" hangingPunct="0">
-              <a:lnSpc>
-                <a:spcPct val="100000"/>
-              </a:lnSpc>
-              <a:spcBef>
-                <a:spcPct val="0"/>
-              </a:spcBef>
-              <a:spcAft>
-                <a:spcPct val="0"/>
-              </a:spcAft>
-              <a:buClrTx/>
-              <a:buSzTx/>
-              <a:buFontTx/>
-              <a:buNone/>
-              <a:tabLst/>
-            </a:pPr>
-            <a:endParaRPr kumimoji="0" lang="zh-CN" altLang="zh-CN" sz="1100" b="0" i="0" u="none" strike="noStrike" cap="none" normalizeH="0" baseline="0" dirty="0">
-              <a:ln>
-                <a:noFill/>
-              </a:ln>
-              <a:solidFill>
-                <a:schemeClr val="tx1"/>
-              </a:solidFill>
-              <a:effectLst/>
-              <a:latin typeface="Arial" panose="020B0604020202020204" pitchFamily="34" charset="0"/>
-            </a:endParaRPr>
-          </a:p>
-        </p:txBody>
-      </p:sp>
-      <p:pic>
-        <p:nvPicPr>
-          <p:cNvPr id="8" name="图片 7">
-            <a:extLst>
-              <a:ext uri="{FF2B5EF4-FFF2-40B4-BE49-F238E27FC236}">
-                <a16:creationId xmlns:a16="http://schemas.microsoft.com/office/drawing/2014/main" id="{E22F7E9D-93C7-48D3-AAC2-9ADB851927A2}"/>
-              </a:ext>
-            </a:extLst>
-          </p:cNvPr>
-          <p:cNvPicPr>
-            <a:picLocks noChangeAspect="1"/>
-          </p:cNvPicPr>
-          <p:nvPr/>
-        </p:nvPicPr>
-        <p:blipFill>
-          <a:blip r:embed="rId3"/>
-          <a:stretch>
-            <a:fillRect/>
-          </a:stretch>
-        </p:blipFill>
-        <p:spPr>
-          <a:xfrm>
-            <a:off x="1041992" y="2915990"/>
-            <a:ext cx="5048405" cy="1291135"/>
-          </a:xfrm>
-          <a:prstGeom prst="rect">
-            <a:avLst/>
-          </a:prstGeom>
-        </p:spPr>
-      </p:pic>
-    </p:spTree>
-    <p:extLst>
-      <p:ext uri="{BB962C8B-B14F-4D97-AF65-F5344CB8AC3E}">
-        <p14:creationId xmlns:p14="http://schemas.microsoft.com/office/powerpoint/2010/main" val="1467509584"/>
-      </p:ext>
-    </p:extLst>
-  </p:cSld>
-  <p:clrMapOvr>
-    <a:masterClrMapping/>
-  </p:clrMapOvr>
-</p:sld>
-</file>
-
-<file path=ppt/slides/slide5.xml><?xml version="1.0" encoding="utf-8"?>
-<p:sld xmlns:a="http://schemas.openxmlformats.org/drawingml/2006/main" xmlns:r="http://schemas.openxmlformats.org/officeDocument/2006/relationships" xmlns:p="http://schemas.openxmlformats.org/presentationml/2006/main">
-  <p:cSld>
-    <p:spTree>
-      <p:nvGrpSpPr>
-        <p:cNvPr id="1" name=""/>
-        <p:cNvGrpSpPr/>
-        <p:nvPr/>
-      </p:nvGrpSpPr>
-      <p:grpSpPr>
-        <a:xfrm>
-          <a:off x="0" y="0"/>
-          <a:ext cx="0" cy="0"/>
-          <a:chOff x="0" y="0"/>
-          <a:chExt cx="0" cy="0"/>
-        </a:xfrm>
-      </p:grpSpPr>
-      <p:sp>
-        <p:nvSpPr>
-          <p:cNvPr id="2" name="标题 1">
-            <a:extLst>
-              <a:ext uri="{FF2B5EF4-FFF2-40B4-BE49-F238E27FC236}">
-                <a16:creationId xmlns:a16="http://schemas.microsoft.com/office/drawing/2014/main" id="{0BD01F62-56DC-D34F-81B4-CFA5EFA0E358}"/>
-              </a:ext>
-            </a:extLst>
-          </p:cNvPr>
-          <p:cNvSpPr>
-            <a:spLocks noGrp="1"/>
-          </p:cNvSpPr>
-          <p:nvPr>
-            <p:ph type="title"/>
-          </p:nvPr>
-        </p:nvSpPr>
-        <p:spPr/>
-        <p:txBody>
-          <a:bodyPr/>
-          <a:lstStyle/>
-          <a:p>
-            <a:r>
-              <a:rPr lang="en-US" altLang="zh-CN" b="1" dirty="0" err="1"/>
-              <a:t>Sql</a:t>
-            </a:r>
-            <a:r>
-              <a:rPr lang="zh-CN" altLang="en-US" b="1" dirty="0"/>
-              <a:t>注入</a:t>
-            </a:r>
-          </a:p>
-        </p:txBody>
-      </p:sp>
-      <p:sp>
-        <p:nvSpPr>
-          <p:cNvPr id="4" name="同侧圆角矩形 3">
-            <a:extLst>
-              <a:ext uri="{FF2B5EF4-FFF2-40B4-BE49-F238E27FC236}">
-                <a16:creationId xmlns:a16="http://schemas.microsoft.com/office/drawing/2014/main" id="{812131DF-A77E-5F42-995D-35B82E3BACFC}"/>
-              </a:ext>
-            </a:extLst>
-          </p:cNvPr>
-          <p:cNvSpPr/>
-          <p:nvPr/>
-        </p:nvSpPr>
-        <p:spPr>
-          <a:xfrm>
-            <a:off x="628650" y="2088379"/>
-            <a:ext cx="7981094" cy="493954"/>
-          </a:xfrm>
-          <a:prstGeom prst="round2SameRect">
-            <a:avLst>
-              <a:gd name="adj1" fmla="val 30340"/>
-              <a:gd name="adj2" fmla="val 0"/>
-            </a:avLst>
-          </a:prstGeom>
-          <a:gradFill flip="none" rotWithShape="1">
-            <a:gsLst>
-              <a:gs pos="40000">
-                <a:schemeClr val="accent2"/>
-              </a:gs>
-              <a:gs pos="13000">
-                <a:schemeClr val="accent2"/>
-              </a:gs>
-              <a:gs pos="0">
-                <a:srgbClr val="F6ECE2"/>
-              </a:gs>
-            </a:gsLst>
-            <a:lin ang="16200000" scaled="0"/>
-            <a:tileRect/>
-          </a:gradFill>
-          <a:ln>
-            <a:noFill/>
-          </a:ln>
-          <a:effectLst>
-            <a:outerShdw blurRad="50800" dist="38100" dir="2700000" algn="tl" rotWithShape="0">
-              <a:prstClr val="black">
-                <a:alpha val="40000"/>
-              </a:prstClr>
-            </a:outerShdw>
-          </a:effectLst>
-        </p:spPr>
-        <p:style>
-          <a:lnRef idx="2">
-            <a:schemeClr val="accent1">
-              <a:shade val="50000"/>
-            </a:schemeClr>
-          </a:lnRef>
-          <a:fillRef idx="1">
-            <a:schemeClr val="accent1"/>
-          </a:fillRef>
-          <a:effectRef idx="0">
-            <a:schemeClr val="accent1"/>
-          </a:effectRef>
-          <a:fontRef idx="minor">
-            <a:schemeClr val="lt1"/>
-          </a:fontRef>
-        </p:style>
-        <p:txBody>
-          <a:bodyPr rtlCol="0" anchor="ctr"/>
-          <a:lstStyle/>
-          <a:p>
-            <a:endParaRPr kumimoji="1" lang="zh-CN" altLang="en-US" b="1" dirty="0"/>
-          </a:p>
-        </p:txBody>
-      </p:sp>
-      <p:sp>
-        <p:nvSpPr>
-          <p:cNvPr id="5" name="文本占位符 8">
-            <a:extLst>
-              <a:ext uri="{FF2B5EF4-FFF2-40B4-BE49-F238E27FC236}">
-                <a16:creationId xmlns:a16="http://schemas.microsoft.com/office/drawing/2014/main" id="{4C2B7D5C-2447-704F-A3A0-7257A546A64D}"/>
-              </a:ext>
-            </a:extLst>
-          </p:cNvPr>
-          <p:cNvSpPr txBox="1">
-            <a:spLocks/>
-          </p:cNvSpPr>
-          <p:nvPr/>
-        </p:nvSpPr>
-        <p:spPr>
-          <a:xfrm>
-            <a:off x="669396" y="2158240"/>
-            <a:ext cx="4071937" cy="295275"/>
-          </a:xfrm>
-          <a:prstGeom prst="rect">
-            <a:avLst/>
-          </a:prstGeom>
-        </p:spPr>
-        <p:txBody>
-          <a:bodyPr>
-            <a:noAutofit/>
-          </a:bodyPr>
-          <a:lstStyle>
-            <a:lvl1pPr marL="0" indent="0" algn="l" defTabSz="685800" rtl="0" eaLnBrk="1" latinLnBrk="0" hangingPunct="1">
-              <a:lnSpc>
-                <a:spcPct val="90000"/>
-              </a:lnSpc>
-              <a:spcBef>
-                <a:spcPts val="750"/>
-              </a:spcBef>
-              <a:buClr>
-                <a:schemeClr val="accent1"/>
-              </a:buClr>
-              <a:buFont typeface="Arial" panose="020B0604020202020204" pitchFamily="34" charset="0"/>
-              <a:buNone/>
-              <a:tabLst/>
-              <a:defRPr sz="1800" b="1" kern="1200">
-                <a:solidFill>
-                  <a:schemeClr val="bg1"/>
-                </a:solidFill>
-                <a:latin typeface="+mn-lt"/>
-                <a:ea typeface="+mn-ea"/>
-                <a:cs typeface="+mn-cs"/>
-              </a:defRPr>
-            </a:lvl1pPr>
-            <a:lvl2pPr marL="514350" indent="-171450" algn="l" defTabSz="685800" rtl="0" eaLnBrk="1" latinLnBrk="0" hangingPunct="1">
-              <a:lnSpc>
-                <a:spcPct val="90000"/>
-              </a:lnSpc>
-              <a:spcBef>
-                <a:spcPts val="375"/>
-              </a:spcBef>
-              <a:buFont typeface="Arial" panose="020B0604020202020204" pitchFamily="34" charset="0"/>
-              <a:buChar char="•"/>
-              <a:defRPr sz="1800" kern="1200">
-                <a:solidFill>
-                  <a:schemeClr val="tx1"/>
-                </a:solidFill>
-                <a:latin typeface="+mn-lt"/>
-                <a:ea typeface="+mn-ea"/>
-                <a:cs typeface="+mn-cs"/>
-              </a:defRPr>
-            </a:lvl2pPr>
-            <a:lvl3pPr marL="857250" indent="-171450" algn="l" defTabSz="685800" rtl="0" eaLnBrk="1" latinLnBrk="0" hangingPunct="1">
-              <a:lnSpc>
-                <a:spcPct val="90000"/>
-              </a:lnSpc>
-              <a:spcBef>
-                <a:spcPts val="375"/>
-              </a:spcBef>
-              <a:buFont typeface="Arial" panose="020B0604020202020204" pitchFamily="34" charset="0"/>
-              <a:buChar char="•"/>
-              <a:defRPr sz="1500" kern="1200">
-                <a:solidFill>
-                  <a:schemeClr val="tx1"/>
-                </a:solidFill>
-                <a:latin typeface="+mn-lt"/>
-                <a:ea typeface="+mn-ea"/>
-                <a:cs typeface="+mn-cs"/>
-              </a:defRPr>
-            </a:lvl3pPr>
-            <a:lvl4pPr marL="1200150" indent="-171450" algn="l" defTabSz="685800" rtl="0" eaLnBrk="1" latinLnBrk="0" hangingPunct="1">
-              <a:lnSpc>
-                <a:spcPct val="90000"/>
-              </a:lnSpc>
-              <a:spcBef>
-                <a:spcPts val="375"/>
-              </a:spcBef>
-              <a:buFont typeface="Arial" panose="020B0604020202020204" pitchFamily="34" charset="0"/>
-              <a:buChar char="•"/>
-              <a:defRPr sz="1350" kern="1200">
-                <a:solidFill>
-                  <a:schemeClr val="tx1"/>
-                </a:solidFill>
-                <a:latin typeface="+mn-lt"/>
-                <a:ea typeface="+mn-ea"/>
-                <a:cs typeface="+mn-cs"/>
-              </a:defRPr>
-            </a:lvl4pPr>
-            <a:lvl5pPr marL="1543050" indent="-171450" algn="l" defTabSz="685800" rtl="0" eaLnBrk="1" latinLnBrk="0" hangingPunct="1">
-              <a:lnSpc>
-                <a:spcPct val="90000"/>
-              </a:lnSpc>
-              <a:spcBef>
-                <a:spcPts val="375"/>
-              </a:spcBef>
-              <a:buFont typeface="Arial" panose="020B0604020202020204" pitchFamily="34" charset="0"/>
-              <a:buChar char="•"/>
-              <a:defRPr sz="1350" kern="1200">
-                <a:solidFill>
-                  <a:schemeClr val="tx1"/>
-                </a:solidFill>
-                <a:latin typeface="+mn-lt"/>
-                <a:ea typeface="+mn-ea"/>
-                <a:cs typeface="+mn-cs"/>
-              </a:defRPr>
-            </a:lvl5pPr>
-            <a:lvl6pPr marL="1885950" indent="-171450" algn="l" defTabSz="685800" rtl="0" eaLnBrk="1" latinLnBrk="0" hangingPunct="1">
-              <a:lnSpc>
-                <a:spcPct val="90000"/>
-              </a:lnSpc>
-              <a:spcBef>
-                <a:spcPts val="375"/>
-              </a:spcBef>
-              <a:buFont typeface="Arial" panose="020B0604020202020204" pitchFamily="34" charset="0"/>
-              <a:buChar char="•"/>
-              <a:defRPr sz="1350" kern="1200">
-                <a:solidFill>
-                  <a:schemeClr val="tx1"/>
-                </a:solidFill>
-                <a:latin typeface="+mn-lt"/>
-                <a:ea typeface="+mn-ea"/>
-                <a:cs typeface="+mn-cs"/>
-              </a:defRPr>
-            </a:lvl6pPr>
-            <a:lvl7pPr marL="2228850" indent="-171450" algn="l" defTabSz="685800" rtl="0" eaLnBrk="1" latinLnBrk="0" hangingPunct="1">
-              <a:lnSpc>
-                <a:spcPct val="90000"/>
-              </a:lnSpc>
-              <a:spcBef>
-                <a:spcPts val="375"/>
-              </a:spcBef>
-              <a:buFont typeface="Arial" panose="020B0604020202020204" pitchFamily="34" charset="0"/>
-              <a:buChar char="•"/>
-              <a:defRPr sz="1350" kern="1200">
-                <a:solidFill>
-                  <a:schemeClr val="tx1"/>
-                </a:solidFill>
-                <a:latin typeface="+mn-lt"/>
-                <a:ea typeface="+mn-ea"/>
-                <a:cs typeface="+mn-cs"/>
-              </a:defRPr>
-            </a:lvl7pPr>
-            <a:lvl8pPr marL="2571750" indent="-171450" algn="l" defTabSz="685800" rtl="0" eaLnBrk="1" latinLnBrk="0" hangingPunct="1">
-              <a:lnSpc>
-                <a:spcPct val="90000"/>
-              </a:lnSpc>
-              <a:spcBef>
-                <a:spcPts val="375"/>
-              </a:spcBef>
-              <a:buFont typeface="Arial" panose="020B0604020202020204" pitchFamily="34" charset="0"/>
-              <a:buChar char="•"/>
-              <a:defRPr sz="1350" kern="1200">
-                <a:solidFill>
-                  <a:schemeClr val="tx1"/>
-                </a:solidFill>
-                <a:latin typeface="+mn-lt"/>
-                <a:ea typeface="+mn-ea"/>
-                <a:cs typeface="+mn-cs"/>
-              </a:defRPr>
-            </a:lvl8pPr>
-            <a:lvl9pPr marL="2914650" indent="-171450" algn="l" defTabSz="685800" rtl="0" eaLnBrk="1" latinLnBrk="0" hangingPunct="1">
-              <a:lnSpc>
-                <a:spcPct val="90000"/>
-              </a:lnSpc>
-              <a:spcBef>
-                <a:spcPts val="375"/>
-              </a:spcBef>
-              <a:buFont typeface="Arial" panose="020B0604020202020204" pitchFamily="34" charset="0"/>
-              <a:buChar char="•"/>
-              <a:defRPr sz="1350" kern="1200">
-                <a:solidFill>
-                  <a:schemeClr val="tx1"/>
-                </a:solidFill>
-                <a:latin typeface="+mn-lt"/>
-                <a:ea typeface="+mn-ea"/>
-                <a:cs typeface="+mn-cs"/>
-              </a:defRPr>
-            </a:lvl9pPr>
-          </a:lstStyle>
-          <a:p>
-            <a:r>
-              <a:rPr kumimoji="1" lang="en-US" altLang="zh-CN" dirty="0"/>
-              <a:t>E.G.</a:t>
-            </a:r>
-            <a:endParaRPr kumimoji="1" lang="zh-CN" altLang="en-US" dirty="0"/>
-          </a:p>
-        </p:txBody>
-      </p:sp>
-      <p:sp>
-        <p:nvSpPr>
-          <p:cNvPr id="6" name="文本占位符 10">
-            <a:extLst>
-              <a:ext uri="{FF2B5EF4-FFF2-40B4-BE49-F238E27FC236}">
-                <a16:creationId xmlns:a16="http://schemas.microsoft.com/office/drawing/2014/main" id="{54452CB9-B144-664C-B7ED-8098CABD3C75}"/>
-              </a:ext>
-            </a:extLst>
-          </p:cNvPr>
-          <p:cNvSpPr txBox="1">
-            <a:spLocks/>
-          </p:cNvSpPr>
-          <p:nvPr/>
-        </p:nvSpPr>
-        <p:spPr>
-          <a:xfrm>
-            <a:off x="628650" y="2582332"/>
-            <a:ext cx="7981094" cy="2946598"/>
-          </a:xfrm>
-          <a:prstGeom prst="rect">
-            <a:avLst/>
-          </a:prstGeom>
-          <a:solidFill>
-            <a:srgbClr val="F6ECE2"/>
-          </a:solidFill>
-          <a:ln>
-            <a:noFill/>
-          </a:ln>
-          <a:effectLst>
-            <a:outerShdw blurRad="50800" dist="38100" dir="2700000" algn="tl" rotWithShape="0">
-              <a:prstClr val="black">
-                <a:alpha val="40000"/>
-              </a:prstClr>
-            </a:outerShdw>
-          </a:effectLst>
-        </p:spPr>
-        <p:txBody>
-          <a:bodyPr tIns="90000">
-            <a:noAutofit/>
-          </a:bodyPr>
-          <a:lstStyle>
-            <a:lvl1pPr marL="273050" indent="-273050" algn="l" defTabSz="685800" rtl="0" eaLnBrk="1" latinLnBrk="0" hangingPunct="1">
-              <a:lnSpc>
-                <a:spcPct val="90000"/>
-              </a:lnSpc>
-              <a:spcBef>
-                <a:spcPts val="750"/>
-              </a:spcBef>
-              <a:buClr>
-                <a:schemeClr val="accent1"/>
-              </a:buClr>
-              <a:buFont typeface="Arial" panose="020B0604020202020204" pitchFamily="34" charset="0"/>
-              <a:buChar char="•"/>
-              <a:tabLst/>
-              <a:defRPr sz="1800" kern="1200">
-                <a:solidFill>
-                  <a:schemeClr val="tx1"/>
-                </a:solidFill>
-                <a:latin typeface="+mn-lt"/>
-                <a:ea typeface="+mn-ea"/>
-                <a:cs typeface="+mn-cs"/>
-              </a:defRPr>
-            </a:lvl1pPr>
-            <a:lvl2pPr marL="514350" indent="-171450" algn="l" defTabSz="685800" rtl="0" eaLnBrk="1" latinLnBrk="0" hangingPunct="1">
-              <a:lnSpc>
-                <a:spcPct val="90000"/>
-              </a:lnSpc>
-              <a:spcBef>
-                <a:spcPts val="375"/>
-              </a:spcBef>
-              <a:buFont typeface="Arial" panose="020B0604020202020204" pitchFamily="34" charset="0"/>
-              <a:buChar char="•"/>
-              <a:defRPr sz="1800" kern="1200">
-                <a:solidFill>
-                  <a:schemeClr val="tx1"/>
-                </a:solidFill>
-                <a:latin typeface="+mn-lt"/>
-                <a:ea typeface="+mn-ea"/>
-                <a:cs typeface="+mn-cs"/>
-              </a:defRPr>
-            </a:lvl2pPr>
-            <a:lvl3pPr marL="857250" indent="-171450" algn="l" defTabSz="685800" rtl="0" eaLnBrk="1" latinLnBrk="0" hangingPunct="1">
-              <a:lnSpc>
-                <a:spcPct val="90000"/>
-              </a:lnSpc>
-              <a:spcBef>
-                <a:spcPts val="375"/>
-              </a:spcBef>
-              <a:buFont typeface="Arial" panose="020B0604020202020204" pitchFamily="34" charset="0"/>
-              <a:buChar char="•"/>
-              <a:defRPr sz="1500" kern="1200">
-                <a:solidFill>
-                  <a:schemeClr val="tx1"/>
-                </a:solidFill>
-                <a:latin typeface="+mn-lt"/>
-                <a:ea typeface="+mn-ea"/>
-                <a:cs typeface="+mn-cs"/>
-              </a:defRPr>
-            </a:lvl3pPr>
-            <a:lvl4pPr marL="1200150" indent="-171450" algn="l" defTabSz="685800" rtl="0" eaLnBrk="1" latinLnBrk="0" hangingPunct="1">
-              <a:lnSpc>
-                <a:spcPct val="90000"/>
-              </a:lnSpc>
-              <a:spcBef>
-                <a:spcPts val="375"/>
-              </a:spcBef>
-              <a:buFont typeface="Arial" panose="020B0604020202020204" pitchFamily="34" charset="0"/>
-              <a:buChar char="•"/>
-              <a:defRPr sz="1350" kern="1200">
-                <a:solidFill>
-                  <a:schemeClr val="tx1"/>
-                </a:solidFill>
-                <a:latin typeface="+mn-lt"/>
-                <a:ea typeface="+mn-ea"/>
-                <a:cs typeface="+mn-cs"/>
-              </a:defRPr>
-            </a:lvl4pPr>
-            <a:lvl5pPr marL="1543050" indent="-171450" algn="l" defTabSz="685800" rtl="0" eaLnBrk="1" latinLnBrk="0" hangingPunct="1">
-              <a:lnSpc>
-                <a:spcPct val="90000"/>
-              </a:lnSpc>
-              <a:spcBef>
-                <a:spcPts val="375"/>
-              </a:spcBef>
-              <a:buFont typeface="Arial" panose="020B0604020202020204" pitchFamily="34" charset="0"/>
-              <a:buChar char="•"/>
-              <a:defRPr sz="1350" kern="1200">
-                <a:solidFill>
-                  <a:schemeClr val="tx1"/>
-                </a:solidFill>
-                <a:latin typeface="+mn-lt"/>
-                <a:ea typeface="+mn-ea"/>
-                <a:cs typeface="+mn-cs"/>
-              </a:defRPr>
-            </a:lvl5pPr>
-            <a:lvl6pPr marL="1885950" indent="-171450" algn="l" defTabSz="685800" rtl="0" eaLnBrk="1" latinLnBrk="0" hangingPunct="1">
-              <a:lnSpc>
-                <a:spcPct val="90000"/>
-              </a:lnSpc>
-              <a:spcBef>
-                <a:spcPts val="375"/>
-              </a:spcBef>
-              <a:buFont typeface="Arial" panose="020B0604020202020204" pitchFamily="34" charset="0"/>
-              <a:buChar char="•"/>
-              <a:defRPr sz="1350" kern="1200">
-                <a:solidFill>
-                  <a:schemeClr val="tx1"/>
-                </a:solidFill>
-                <a:latin typeface="+mn-lt"/>
-                <a:ea typeface="+mn-ea"/>
-                <a:cs typeface="+mn-cs"/>
-              </a:defRPr>
-            </a:lvl6pPr>
-            <a:lvl7pPr marL="2228850" indent="-171450" algn="l" defTabSz="685800" rtl="0" eaLnBrk="1" latinLnBrk="0" hangingPunct="1">
-              <a:lnSpc>
-                <a:spcPct val="90000"/>
-              </a:lnSpc>
-              <a:spcBef>
-                <a:spcPts val="375"/>
-              </a:spcBef>
-              <a:buFont typeface="Arial" panose="020B0604020202020204" pitchFamily="34" charset="0"/>
-              <a:buChar char="•"/>
-              <a:defRPr sz="1350" kern="1200">
-                <a:solidFill>
-                  <a:schemeClr val="tx1"/>
-                </a:solidFill>
-                <a:latin typeface="+mn-lt"/>
-                <a:ea typeface="+mn-ea"/>
-                <a:cs typeface="+mn-cs"/>
-              </a:defRPr>
-            </a:lvl7pPr>
-            <a:lvl8pPr marL="2571750" indent="-171450" algn="l" defTabSz="685800" rtl="0" eaLnBrk="1" latinLnBrk="0" hangingPunct="1">
-              <a:lnSpc>
-                <a:spcPct val="90000"/>
-              </a:lnSpc>
-              <a:spcBef>
-                <a:spcPts val="375"/>
-              </a:spcBef>
-              <a:buFont typeface="Arial" panose="020B0604020202020204" pitchFamily="34" charset="0"/>
-              <a:buChar char="•"/>
-              <a:defRPr sz="1350" kern="1200">
-                <a:solidFill>
-                  <a:schemeClr val="tx1"/>
-                </a:solidFill>
-                <a:latin typeface="+mn-lt"/>
-                <a:ea typeface="+mn-ea"/>
-                <a:cs typeface="+mn-cs"/>
-              </a:defRPr>
-            </a:lvl8pPr>
-            <a:lvl9pPr marL="2914650" indent="-171450" algn="l" defTabSz="685800" rtl="0" eaLnBrk="1" latinLnBrk="0" hangingPunct="1">
-              <a:lnSpc>
-                <a:spcPct val="90000"/>
-              </a:lnSpc>
-              <a:spcBef>
-                <a:spcPts val="375"/>
-              </a:spcBef>
-              <a:buFont typeface="Arial" panose="020B0604020202020204" pitchFamily="34" charset="0"/>
-              <a:buChar char="•"/>
-              <a:defRPr sz="1350" kern="1200">
-                <a:solidFill>
-                  <a:schemeClr val="tx1"/>
-                </a:solidFill>
-                <a:latin typeface="+mn-lt"/>
-                <a:ea typeface="+mn-ea"/>
-                <a:cs typeface="+mn-cs"/>
-              </a:defRPr>
-            </a:lvl9pPr>
-          </a:lstStyle>
-          <a:p>
-            <a:r>
-              <a:rPr kumimoji="1" lang="zh-CN" altLang="en-US" dirty="0"/>
-              <a:t>假设有这么一个链接</a:t>
-            </a:r>
-            <a:endParaRPr kumimoji="1" lang="en-US" altLang="zh-CN" dirty="0"/>
-          </a:p>
-          <a:p>
-            <a:pPr marL="0" indent="0">
-              <a:buNone/>
-            </a:pPr>
-            <a:r>
-              <a:rPr kumimoji="1" lang="en-US" altLang="zh-CN" dirty="0"/>
-              <a:t>https://937a902a-d72f-44c8-9cba-1585c08125dd.challenge.ctf.show/</a:t>
-            </a:r>
-            <a:br>
-              <a:rPr kumimoji="1" lang="en-US" altLang="zh-CN" dirty="0"/>
-            </a:br>
-            <a:r>
-              <a:rPr kumimoji="1" lang="zh-CN" altLang="en-US" dirty="0"/>
-              <a:t>是一个用户登录系统，我们可以对此网站进行</a:t>
-            </a:r>
-            <a:r>
-              <a:rPr kumimoji="1" lang="en-US" altLang="zh-CN" dirty="0" err="1"/>
-              <a:t>sql</a:t>
-            </a:r>
-            <a:r>
-              <a:rPr kumimoji="1" lang="zh-CN" altLang="en-US" dirty="0"/>
-              <a:t>注入</a:t>
-            </a:r>
-            <a:endParaRPr kumimoji="1" lang="en-US" altLang="zh-CN" dirty="0"/>
-          </a:p>
-          <a:p>
-            <a:r>
-              <a:rPr kumimoji="1" lang="zh-CN" altLang="en-US" dirty="0"/>
-              <a:t>在连接后加上 </a:t>
-            </a:r>
-            <a:r>
-              <a:rPr kumimoji="1" lang="en-US" altLang="zh-CN" dirty="0"/>
-              <a:t>id=1” or 1=1#</a:t>
-            </a:r>
-            <a:r>
-              <a:rPr kumimoji="1" lang="zh-CN" altLang="en-US" dirty="0"/>
-              <a:t>，可以绕过登陆验证</a:t>
-            </a:r>
-            <a:endParaRPr kumimoji="1" lang="en-US" altLang="zh-CN" dirty="0"/>
-          </a:p>
-          <a:p>
-            <a:r>
-              <a:rPr kumimoji="1" lang="zh-CN" altLang="en-US" dirty="0"/>
-              <a:t>在连接后加</a:t>
-            </a:r>
-            <a:r>
-              <a:rPr kumimoji="1" lang="en-US" altLang="zh-CN" dirty="0"/>
-              <a:t>id=-1%27 union select 1,2,group_concat(</a:t>
-            </a:r>
-            <a:r>
-              <a:rPr kumimoji="1" lang="en-US" altLang="zh-CN" dirty="0" err="1"/>
-              <a:t>column_name</a:t>
-            </a:r>
-            <a:r>
-              <a:rPr kumimoji="1" lang="en-US" altLang="zh-CN" dirty="0"/>
-              <a:t>) from </a:t>
-            </a:r>
-            <a:r>
-              <a:rPr kumimoji="1" lang="en-US" altLang="zh-CN" dirty="0" err="1"/>
-              <a:t>information_schema.columns</a:t>
-            </a:r>
-            <a:r>
-              <a:rPr kumimoji="1" lang="en-US" altLang="zh-CN" dirty="0"/>
-              <a:t> where </a:t>
-            </a:r>
-            <a:r>
-              <a:rPr kumimoji="1" lang="en-US" altLang="zh-CN" dirty="0" err="1"/>
-              <a:t>table_name</a:t>
-            </a:r>
-            <a:r>
-              <a:rPr kumimoji="1" lang="en-US" altLang="zh-CN" dirty="0"/>
-              <a:t> = users --+</a:t>
-            </a:r>
-            <a:r>
-              <a:rPr kumimoji="1" lang="zh-CN" altLang="en-US" dirty="0"/>
-              <a:t>，可以获取到该系统数据库的表名与列名，更进一步我们可以获取到其中的数据</a:t>
-            </a:r>
-            <a:endParaRPr kumimoji="1" lang="en-US" altLang="zh-CN" dirty="0"/>
-          </a:p>
-          <a:p>
-            <a:r>
-              <a:rPr kumimoji="1" lang="zh-CN" altLang="en-US" dirty="0"/>
-              <a:t>若经过这些注入，网页可以正常显示，且可以获取内容，证明网站存在</a:t>
-            </a:r>
-            <a:r>
-              <a:rPr kumimoji="1" lang="en-US" altLang="zh-CN" dirty="0" err="1"/>
-              <a:t>sql</a:t>
-            </a:r>
-            <a:r>
-              <a:rPr kumimoji="1" lang="zh-CN" altLang="en-US" dirty="0"/>
-              <a:t>注入漏洞</a:t>
-            </a:r>
-          </a:p>
-        </p:txBody>
-      </p:sp>
-    </p:spTree>
-    <p:extLst>
-      <p:ext uri="{BB962C8B-B14F-4D97-AF65-F5344CB8AC3E}">
-        <p14:creationId xmlns:p14="http://schemas.microsoft.com/office/powerpoint/2010/main" val="3282027846"/>
-      </p:ext>
-    </p:extLst>
-  </p:cSld>
-  <p:clrMapOvr>
-    <a:masterClrMapping/>
-  </p:clrMapOvr>
-</p:sld>
-</file>
-
-<file path=ppt/slides/slide6.xml><?xml version="1.0" encoding="utf-8"?>
-<p:sld xmlns:a="http://schemas.openxmlformats.org/drawingml/2006/main" xmlns:r="http://schemas.openxmlformats.org/officeDocument/2006/relationships" xmlns:p="http://schemas.openxmlformats.org/presentationml/2006/main">
-  <p:cSld>
-    <p:spTree>
-      <p:nvGrpSpPr>
-        <p:cNvPr id="1" name=""/>
-        <p:cNvGrpSpPr/>
-        <p:nvPr/>
-      </p:nvGrpSpPr>
-      <p:grpSpPr>
-        <a:xfrm>
-          <a:off x="0" y="0"/>
-          <a:ext cx="0" cy="0"/>
-          <a:chOff x="0" y="0"/>
-          <a:chExt cx="0" cy="0"/>
-        </a:xfrm>
-      </p:grpSpPr>
-      <p:sp>
-        <p:nvSpPr>
-          <p:cNvPr id="2" name="标题 1">
-            <a:extLst>
-              <a:ext uri="{FF2B5EF4-FFF2-40B4-BE49-F238E27FC236}">
-                <a16:creationId xmlns:a16="http://schemas.microsoft.com/office/drawing/2014/main" id="{6A08F520-8D77-DA62-9942-29F2A8C0089F}"/>
-              </a:ext>
-            </a:extLst>
-          </p:cNvPr>
-          <p:cNvSpPr>
-            <a:spLocks noGrp="1"/>
-          </p:cNvSpPr>
-          <p:nvPr>
-            <p:ph type="title"/>
-          </p:nvPr>
-        </p:nvSpPr>
-        <p:spPr/>
-        <p:txBody>
-          <a:bodyPr>
-            <a:normAutofit/>
-          </a:bodyPr>
-          <a:lstStyle/>
-          <a:p>
-            <a:r>
-              <a:rPr lang="zh-CN" altLang="en-US" b="1" dirty="0"/>
-              <a:t>深度搜索驱动的漏洞检测优势</a:t>
-            </a:r>
-            <a:endParaRPr lang="zh-CN" altLang="en-US" dirty="0"/>
-          </a:p>
-        </p:txBody>
-      </p:sp>
-      <p:sp>
-        <p:nvSpPr>
-          <p:cNvPr id="3" name="内容占位符 2">
-            <a:extLst>
-              <a:ext uri="{FF2B5EF4-FFF2-40B4-BE49-F238E27FC236}">
-                <a16:creationId xmlns:a16="http://schemas.microsoft.com/office/drawing/2014/main" id="{47E8FF05-09F2-E459-2104-4019B2D7F4A5}"/>
-              </a:ext>
-            </a:extLst>
-          </p:cNvPr>
-          <p:cNvSpPr>
-            <a:spLocks noGrp="1"/>
-          </p:cNvSpPr>
-          <p:nvPr>
-            <p:ph idx="1"/>
-          </p:nvPr>
-        </p:nvSpPr>
-        <p:spPr/>
-        <p:txBody>
-          <a:bodyPr/>
-          <a:lstStyle/>
-          <a:p>
-            <a:r>
-              <a:rPr lang="zh-CN" altLang="en-US" dirty="0"/>
-              <a:t>检测思路对比：</a:t>
-            </a:r>
-            <a:endParaRPr lang="en-US" altLang="zh-CN" dirty="0"/>
-          </a:p>
-          <a:p>
-            <a:pPr lvl="1"/>
-            <a:r>
-              <a:rPr lang="zh-CN" altLang="zh-CN" sz="2100" dirty="0"/>
-              <a:t>传统方案：规则匹配 → 基于确定性的特征判断 </a:t>
-            </a:r>
-            <a:endParaRPr lang="en-US" altLang="zh-CN" sz="2100" dirty="0"/>
-          </a:p>
-          <a:p>
-            <a:pPr lvl="1"/>
-            <a:r>
-              <a:rPr lang="zh-CN" altLang="zh-CN" sz="2100" dirty="0"/>
-              <a:t>深度搜索：语义理解 → 基于上下文的风险推理</a:t>
-            </a:r>
-            <a:endParaRPr lang="en-US" altLang="zh-CN" sz="2100" dirty="0"/>
-          </a:p>
-          <a:p>
-            <a:pPr lvl="1"/>
-            <a:endParaRPr lang="en-US" altLang="zh-CN" sz="2100" dirty="0"/>
-          </a:p>
-          <a:p>
-            <a:pPr lvl="1"/>
-            <a:endParaRPr lang="en-US" altLang="zh-CN" sz="2100" dirty="0"/>
-          </a:p>
-          <a:p>
-            <a:r>
-              <a:rPr lang="zh-CN" altLang="en-US" sz="2400" dirty="0"/>
-              <a:t>深度学习的优势：</a:t>
-            </a:r>
-            <a:endParaRPr lang="en-US" altLang="zh-CN" sz="2400" dirty="0"/>
-          </a:p>
-          <a:p>
-            <a:pPr lvl="1"/>
-            <a:r>
-              <a:rPr lang="zh-CN" altLang="en-US" sz="2100" dirty="0"/>
-              <a:t>检测大量</a:t>
-            </a:r>
-            <a:r>
-              <a:rPr lang="en-US" altLang="zh-CN" sz="2100" dirty="0"/>
-              <a:t>web</a:t>
-            </a:r>
-            <a:r>
-              <a:rPr lang="zh-CN" altLang="en-US" sz="2100" dirty="0"/>
-              <a:t>数据特征</a:t>
-            </a:r>
-            <a:endParaRPr lang="en-US" altLang="zh-CN" sz="2100" dirty="0"/>
-          </a:p>
-          <a:p>
-            <a:pPr lvl="1"/>
-            <a:r>
-              <a:rPr lang="zh-CN" altLang="en-US" sz="2100" dirty="0"/>
-              <a:t>发现复杂、隐蔽攻击方式，识别未知漏洞</a:t>
-            </a:r>
-            <a:endParaRPr lang="en-US" altLang="zh-CN" sz="2100" dirty="0"/>
-          </a:p>
-          <a:p>
-            <a:pPr lvl="1"/>
-            <a:r>
-              <a:rPr lang="zh-CN" altLang="en-US" sz="2100" dirty="0"/>
-              <a:t>通过</a:t>
-            </a:r>
-            <a:r>
-              <a:rPr lang="en-US" altLang="zh-CN" sz="2100" dirty="0"/>
-              <a:t>CNN</a:t>
-            </a:r>
-            <a:r>
-              <a:rPr lang="zh-CN" altLang="en-US" sz="2100" dirty="0"/>
-              <a:t>等模型训练，与前后端交互实现便捷检测</a:t>
-            </a:r>
-          </a:p>
-        </p:txBody>
-      </p:sp>
-      <p:sp>
-        <p:nvSpPr>
-          <p:cNvPr id="4" name="Rectangle 1">
-            <a:extLst>
-              <a:ext uri="{FF2B5EF4-FFF2-40B4-BE49-F238E27FC236}">
-                <a16:creationId xmlns:a16="http://schemas.microsoft.com/office/drawing/2014/main" id="{9C1D472C-B94E-2AD4-5F50-00F827215DDE}"/>
-              </a:ext>
-            </a:extLst>
-          </p:cNvPr>
-          <p:cNvSpPr>
-            <a:spLocks noChangeArrowheads="1"/>
-          </p:cNvSpPr>
-          <p:nvPr/>
-        </p:nvSpPr>
-        <p:spPr bwMode="auto">
-          <a:xfrm>
-            <a:off x="0" y="159350"/>
-            <a:ext cx="67326" cy="138499"/>
-          </a:xfrm>
-          <a:prstGeom prst="rect">
-            <a:avLst/>
-          </a:prstGeom>
-          <a:noFill/>
-          <a:ln>
-            <a:noFill/>
-          </a:ln>
-          <a:effectLst/>
-          <a:extLst>
-            <a:ext uri="{909E8E84-426E-40DD-AFC4-6F175D3DCCD1}">
-              <a14:hiddenFill xmlns:a14="http://schemas.microsoft.com/office/drawing/2010/main">
-                <a:solidFill>
-                  <a:schemeClr val="accent1"/>
-                </a:solidFill>
-              </a14:hiddenFill>
-            </a:ext>
-            <a:ext uri="{91240B29-F687-4F45-9708-019B960494DF}">
-              <a14:hiddenLine xmlns:a14="http://schemas.microsoft.com/office/drawing/2010/main" w="9525">
-                <a:solidFill>
-                  <a:schemeClr val="tx1"/>
-                </a:solidFill>
-                <a:miter lim="800000"/>
-                <a:headEnd/>
-                <a:tailEnd/>
-              </a14:hiddenLine>
-            </a:ext>
-            <a:ext uri="{AF507438-7753-43E0-B8FC-AC1667EBCBE1}">
-              <a14:hiddenEffects xmlns:a14="http://schemas.microsoft.com/office/drawing/2010/main">
-                <a:effectLst>
-                  <a:outerShdw dist="35921" dir="2700000" algn="ctr" rotWithShape="0">
-                    <a:schemeClr val="bg2"/>
-                  </a:outerShdw>
-                </a:effectLst>
-              </a14:hiddenEffects>
-            </a:ext>
-          </a:extLst>
-        </p:spPr>
-        <p:txBody>
-          <a:bodyPr vert="horz" wrap="none" lIns="0" tIns="0" rIns="0" bIns="0" numCol="1" anchor="ctr" anchorCtr="0" compatLnSpc="1">
-            <a:prstTxWarp prst="textNoShape">
-              <a:avLst/>
-            </a:prstTxWarp>
-            <a:spAutoFit/>
-          </a:bodyPr>
-          <a:lstStyle/>
-          <a:p>
-            <a:pPr marL="0" marR="0" lvl="0" indent="0" algn="l" defTabSz="914400" rtl="0" eaLnBrk="0" fontAlgn="base" latinLnBrk="0" hangingPunct="0">
-              <a:lnSpc>
-                <a:spcPct val="100000"/>
-              </a:lnSpc>
-              <a:spcBef>
-                <a:spcPct val="0"/>
-              </a:spcBef>
-              <a:spcAft>
-                <a:spcPct val="0"/>
-              </a:spcAft>
-              <a:buClrTx/>
-              <a:buSzTx/>
-              <a:buFontTx/>
-              <a:buNone/>
-              <a:tabLst/>
-            </a:pPr>
-            <a:r>
-              <a:rPr kumimoji="0" lang="zh-CN" altLang="zh-CN" sz="900" b="0" i="0" u="none" strike="noStrike" cap="none" normalizeH="0" baseline="0" dirty="0">
-                <a:ln>
-                  <a:noFill/>
-                </a:ln>
-                <a:solidFill>
-                  <a:srgbClr val="50A14F"/>
-                </a:solidFill>
-                <a:effectLst/>
-                <a:latin typeface="Arial Unicode MS"/>
-                <a:ea typeface="Menlo"/>
-              </a:rPr>
-              <a:t>+</a:t>
-            </a:r>
-            <a:endParaRPr kumimoji="0" lang="zh-CN" altLang="zh-CN" sz="1800" b="0" i="0" u="none" strike="noStrike" cap="none" normalizeH="0" baseline="0" dirty="0">
-              <a:ln>
-                <a:noFill/>
-              </a:ln>
-              <a:solidFill>
-                <a:schemeClr val="tx1"/>
-              </a:solidFill>
-              <a:effectLst/>
-              <a:latin typeface="Arial" panose="020B0604020202020204" pitchFamily="34" charset="0"/>
-            </a:endParaRPr>
-          </a:p>
-        </p:txBody>
-      </p:sp>
-    </p:spTree>
-    <p:extLst>
-      <p:ext uri="{BB962C8B-B14F-4D97-AF65-F5344CB8AC3E}">
-        <p14:creationId xmlns:p14="http://schemas.microsoft.com/office/powerpoint/2010/main" val="2259758961"/>
-      </p:ext>
-    </p:extLst>
-  </p:cSld>
-  <p:clrMapOvr>
-    <a:masterClrMapping/>
-  </p:clrMapOvr>
-</p:sld>
-</file>
-
-<file path=ppt/slides/slide7.xml><?xml version="1.0" encoding="utf-8"?>
+<file path=ppt/slides/slide18.xml><?xml version="1.0" encoding="utf-8"?>
 <p:sld xmlns:a="http://schemas.openxmlformats.org/drawingml/2006/main" xmlns:r="http://schemas.openxmlformats.org/officeDocument/2006/relationships" xmlns:p="http://schemas.openxmlformats.org/presentationml/2006/main" show="0">
   <p:cSld>
     <p:spTree>
@@ -7535,7 +5683,7 @@
 </p:sld>
 </file>
 
-<file path=ppt/slides/slide8.xml><?xml version="1.0" encoding="utf-8"?>
+<file path=ppt/slides/slide19.xml><?xml version="1.0" encoding="utf-8"?>
 <p:sld xmlns:a="http://schemas.openxmlformats.org/drawingml/2006/main" xmlns:r="http://schemas.openxmlformats.org/officeDocument/2006/relationships" xmlns:p="http://schemas.openxmlformats.org/presentationml/2006/main" show="0">
   <p:cSld>
     <p:spTree>
@@ -7817,6 +5965,1744 @@
 </p:sld>
 </file>
 
+<file path=ppt/slides/slide2.xml><?xml version="1.0" encoding="utf-8"?>
+<p:sld xmlns:a="http://schemas.openxmlformats.org/drawingml/2006/main" xmlns:r="http://schemas.openxmlformats.org/officeDocument/2006/relationships" xmlns:p="http://schemas.openxmlformats.org/presentationml/2006/main">
+  <p:cSld>
+    <p:spTree>
+      <p:nvGrpSpPr>
+        <p:cNvPr id="1" name=""/>
+        <p:cNvGrpSpPr/>
+        <p:nvPr/>
+      </p:nvGrpSpPr>
+      <p:grpSpPr>
+        <a:xfrm>
+          <a:off x="0" y="0"/>
+          <a:ext cx="0" cy="0"/>
+          <a:chOff x="0" y="0"/>
+          <a:chExt cx="0" cy="0"/>
+        </a:xfrm>
+      </p:grpSpPr>
+      <p:sp>
+        <p:nvSpPr>
+          <p:cNvPr id="2" name="标题 1">
+            <a:extLst>
+              <a:ext uri="{FF2B5EF4-FFF2-40B4-BE49-F238E27FC236}">
+                <a16:creationId xmlns:a16="http://schemas.microsoft.com/office/drawing/2014/main" id="{C07B8B07-8AC8-D642-AA1B-FCCF8E29E450}"/>
+              </a:ext>
+            </a:extLst>
+          </p:cNvPr>
+          <p:cNvSpPr>
+            <a:spLocks noGrp="1"/>
+          </p:cNvSpPr>
+          <p:nvPr>
+            <p:ph type="title"/>
+          </p:nvPr>
+        </p:nvSpPr>
+        <p:spPr/>
+        <p:txBody>
+          <a:bodyPr/>
+          <a:lstStyle/>
+          <a:p>
+            <a:r>
+              <a:rPr kumimoji="1" lang="en-US" altLang="zh-CN" dirty="0"/>
+              <a:t>Contents</a:t>
+            </a:r>
+            <a:endParaRPr kumimoji="1" lang="zh-CN" altLang="en-US" dirty="0"/>
+          </a:p>
+        </p:txBody>
+      </p:sp>
+      <p:sp>
+        <p:nvSpPr>
+          <p:cNvPr id="3" name="内容占位符 2">
+            <a:extLst>
+              <a:ext uri="{FF2B5EF4-FFF2-40B4-BE49-F238E27FC236}">
+                <a16:creationId xmlns:a16="http://schemas.microsoft.com/office/drawing/2014/main" id="{3EA9DFB0-3A6E-5747-B1E1-BBCD41B5A9F4}"/>
+              </a:ext>
+            </a:extLst>
+          </p:cNvPr>
+          <p:cNvSpPr>
+            <a:spLocks noGrp="1"/>
+          </p:cNvSpPr>
+          <p:nvPr>
+            <p:ph idx="4294967295"/>
+          </p:nvPr>
+        </p:nvSpPr>
+        <p:spPr>
+          <a:xfrm>
+            <a:off x="628650" y="1205345"/>
+            <a:ext cx="7886700" cy="4971618"/>
+          </a:xfrm>
+        </p:spPr>
+        <p:txBody>
+          <a:bodyPr>
+            <a:normAutofit/>
+          </a:bodyPr>
+          <a:lstStyle/>
+          <a:p>
+            <a:pPr marL="457200" indent="-457200">
+              <a:lnSpc>
+                <a:spcPct val="150000"/>
+              </a:lnSpc>
+              <a:buFont typeface="+mj-ea"/>
+              <a:buAutoNum type="circleNumDbPlain"/>
+            </a:pPr>
+            <a:r>
+              <a:rPr kumimoji="1" lang="zh-CN" altLang="en-US" sz="2800" dirty="0"/>
+              <a:t>课题主要任务</a:t>
+            </a:r>
+            <a:endParaRPr kumimoji="1" lang="en-US" altLang="zh-CN" sz="2800" dirty="0"/>
+          </a:p>
+          <a:p>
+            <a:pPr marL="457200" indent="-457200">
+              <a:lnSpc>
+                <a:spcPct val="150000"/>
+              </a:lnSpc>
+              <a:buFont typeface="+mj-ea"/>
+              <a:buAutoNum type="circleNumDbPlain"/>
+            </a:pPr>
+            <a:r>
+              <a:rPr kumimoji="1" lang="zh-CN" altLang="en-US" sz="2800" dirty="0"/>
+              <a:t>具体工作及取得的进展</a:t>
+            </a:r>
+            <a:endParaRPr kumimoji="1" lang="en-US" altLang="zh-CN" sz="2800" dirty="0"/>
+          </a:p>
+          <a:p>
+            <a:pPr marL="457200" indent="-457200">
+              <a:lnSpc>
+                <a:spcPct val="150000"/>
+              </a:lnSpc>
+              <a:buFont typeface="+mj-ea"/>
+              <a:buAutoNum type="circleNumDbPlain"/>
+            </a:pPr>
+            <a:r>
+              <a:rPr kumimoji="1" lang="zh-CN" altLang="en-US" sz="2800" dirty="0"/>
+              <a:t>目前存在的问题</a:t>
+            </a:r>
+            <a:endParaRPr kumimoji="1" lang="en-US" altLang="zh-CN" sz="2800" dirty="0"/>
+          </a:p>
+          <a:p>
+            <a:pPr marL="457200" indent="-457200">
+              <a:lnSpc>
+                <a:spcPct val="150000"/>
+              </a:lnSpc>
+              <a:buFont typeface="+mj-ea"/>
+              <a:buAutoNum type="circleNumDbPlain"/>
+            </a:pPr>
+            <a:r>
+              <a:rPr kumimoji="1" lang="zh-CN" altLang="en-US" sz="2800" dirty="0"/>
+              <a:t>下一步的研究任务与设想</a:t>
+            </a:r>
+          </a:p>
+        </p:txBody>
+      </p:sp>
+    </p:spTree>
+    <p:extLst>
+      <p:ext uri="{BB962C8B-B14F-4D97-AF65-F5344CB8AC3E}">
+        <p14:creationId xmlns:p14="http://schemas.microsoft.com/office/powerpoint/2010/main" val="3858201268"/>
+      </p:ext>
+    </p:extLst>
+  </p:cSld>
+  <p:clrMapOvr>
+    <a:masterClrMapping/>
+  </p:clrMapOvr>
+</p:sld>
+</file>
+
+<file path=ppt/slides/slide3.xml><?xml version="1.0" encoding="utf-8"?>
+<p:sld xmlns:a="http://schemas.openxmlformats.org/drawingml/2006/main" xmlns:r="http://schemas.openxmlformats.org/officeDocument/2006/relationships" xmlns:p="http://schemas.openxmlformats.org/presentationml/2006/main">
+  <p:cSld>
+    <p:spTree>
+      <p:nvGrpSpPr>
+        <p:cNvPr id="1" name=""/>
+        <p:cNvGrpSpPr/>
+        <p:nvPr/>
+      </p:nvGrpSpPr>
+      <p:grpSpPr>
+        <a:xfrm>
+          <a:off x="0" y="0"/>
+          <a:ext cx="0" cy="0"/>
+          <a:chOff x="0" y="0"/>
+          <a:chExt cx="0" cy="0"/>
+        </a:xfrm>
+      </p:grpSpPr>
+      <p:sp>
+        <p:nvSpPr>
+          <p:cNvPr id="4" name="标题 3">
+            <a:extLst>
+              <a:ext uri="{FF2B5EF4-FFF2-40B4-BE49-F238E27FC236}">
+                <a16:creationId xmlns:a16="http://schemas.microsoft.com/office/drawing/2014/main" id="{40274A61-6EA2-7B44-9867-35828BE8FF03}"/>
+              </a:ext>
+            </a:extLst>
+          </p:cNvPr>
+          <p:cNvSpPr>
+            <a:spLocks noGrp="1"/>
+          </p:cNvSpPr>
+          <p:nvPr>
+            <p:ph type="title"/>
+          </p:nvPr>
+        </p:nvSpPr>
+        <p:spPr/>
+        <p:txBody>
+          <a:bodyPr/>
+          <a:lstStyle/>
+          <a:p>
+            <a:r>
+              <a:rPr kumimoji="1" lang="zh-CN" altLang="en-US" dirty="0"/>
+              <a:t>课题主要任务</a:t>
+            </a:r>
+          </a:p>
+        </p:txBody>
+      </p:sp>
+      <p:sp>
+        <p:nvSpPr>
+          <p:cNvPr id="5" name="文本占位符 4">
+            <a:extLst>
+              <a:ext uri="{FF2B5EF4-FFF2-40B4-BE49-F238E27FC236}">
+                <a16:creationId xmlns:a16="http://schemas.microsoft.com/office/drawing/2014/main" id="{6B1D0BE9-DF2C-1243-8EBF-C8AB9A3A8F95}"/>
+              </a:ext>
+            </a:extLst>
+          </p:cNvPr>
+          <p:cNvSpPr>
+            <a:spLocks noGrp="1"/>
+          </p:cNvSpPr>
+          <p:nvPr>
+            <p:ph type="body" idx="1"/>
+          </p:nvPr>
+        </p:nvSpPr>
+        <p:spPr/>
+        <p:txBody>
+          <a:bodyPr/>
+          <a:lstStyle/>
+          <a:p>
+            <a:endParaRPr kumimoji="1" lang="zh-CN" altLang="en-US"/>
+          </a:p>
+        </p:txBody>
+      </p:sp>
+    </p:spTree>
+    <p:extLst>
+      <p:ext uri="{BB962C8B-B14F-4D97-AF65-F5344CB8AC3E}">
+        <p14:creationId xmlns:p14="http://schemas.microsoft.com/office/powerpoint/2010/main" val="3613416208"/>
+      </p:ext>
+    </p:extLst>
+  </p:cSld>
+  <p:clrMapOvr>
+    <a:masterClrMapping/>
+  </p:clrMapOvr>
+</p:sld>
+</file>
+
+<file path=ppt/slides/slide4.xml><?xml version="1.0" encoding="utf-8"?>
+<p:sld xmlns:a="http://schemas.openxmlformats.org/drawingml/2006/main" xmlns:r="http://schemas.openxmlformats.org/officeDocument/2006/relationships" xmlns:p="http://schemas.openxmlformats.org/presentationml/2006/main">
+  <p:cSld>
+    <p:spTree>
+      <p:nvGrpSpPr>
+        <p:cNvPr id="1" name=""/>
+        <p:cNvGrpSpPr/>
+        <p:nvPr/>
+      </p:nvGrpSpPr>
+      <p:grpSpPr>
+        <a:xfrm>
+          <a:off x="0" y="0"/>
+          <a:ext cx="0" cy="0"/>
+          <a:chOff x="0" y="0"/>
+          <a:chExt cx="0" cy="0"/>
+        </a:xfrm>
+      </p:grpSpPr>
+      <p:sp>
+        <p:nvSpPr>
+          <p:cNvPr id="4" name="文本占位符 3">
+            <a:extLst>
+              <a:ext uri="{FF2B5EF4-FFF2-40B4-BE49-F238E27FC236}">
+                <a16:creationId xmlns:a16="http://schemas.microsoft.com/office/drawing/2014/main" id="{6C2510B5-B53E-2CDE-5791-F916C31C6DCB}"/>
+              </a:ext>
+            </a:extLst>
+          </p:cNvPr>
+          <p:cNvSpPr>
+            <a:spLocks noGrp="1"/>
+          </p:cNvSpPr>
+          <p:nvPr>
+            <p:ph type="body" idx="1"/>
+          </p:nvPr>
+        </p:nvSpPr>
+        <p:spPr>
+          <a:xfrm>
+            <a:off x="627459" y="1208127"/>
+            <a:ext cx="3868340" cy="823912"/>
+          </a:xfrm>
+        </p:spPr>
+        <p:txBody>
+          <a:bodyPr>
+            <a:normAutofit/>
+          </a:bodyPr>
+          <a:lstStyle/>
+          <a:p>
+            <a:pPr algn="ctr"/>
+            <a:r>
+              <a:rPr lang="zh-CN" altLang="en-US" sz="2400" dirty="0"/>
+              <a:t>传统</a:t>
+            </a:r>
+            <a:r>
+              <a:rPr lang="en-US" altLang="zh-CN" sz="2400" dirty="0"/>
+              <a:t>web</a:t>
+            </a:r>
+            <a:r>
+              <a:rPr lang="zh-CN" altLang="en-US" sz="2400" dirty="0"/>
+              <a:t>漏洞扫描</a:t>
+            </a:r>
+          </a:p>
+        </p:txBody>
+      </p:sp>
+      <p:sp>
+        <p:nvSpPr>
+          <p:cNvPr id="3" name="内容占位符 2">
+            <a:extLst>
+              <a:ext uri="{FF2B5EF4-FFF2-40B4-BE49-F238E27FC236}">
+                <a16:creationId xmlns:a16="http://schemas.microsoft.com/office/drawing/2014/main" id="{1C86AC19-11B9-C04F-8F4C-822EFBE563AD}"/>
+              </a:ext>
+            </a:extLst>
+          </p:cNvPr>
+          <p:cNvSpPr>
+            <a:spLocks noGrp="1"/>
+          </p:cNvSpPr>
+          <p:nvPr>
+            <p:ph sz="half" idx="2"/>
+          </p:nvPr>
+        </p:nvSpPr>
+        <p:spPr/>
+        <p:txBody>
+          <a:bodyPr>
+            <a:normAutofit fontScale="92500"/>
+          </a:bodyPr>
+          <a:lstStyle/>
+          <a:p>
+            <a:r>
+              <a:rPr kumimoji="1" lang="zh-CN" altLang="en-US" dirty="0"/>
+              <a:t>基础路径</a:t>
+            </a:r>
+            <a:endParaRPr kumimoji="1" lang="en-US" altLang="zh-CN" dirty="0"/>
+          </a:p>
+          <a:p>
+            <a:pPr lvl="1"/>
+            <a:r>
+              <a:rPr kumimoji="1" lang="zh-CN" altLang="en-US" dirty="0"/>
+              <a:t>特征库匹配：基于公开漏洞特征</a:t>
+            </a:r>
+            <a:endParaRPr kumimoji="1" lang="en-US" altLang="zh-CN" dirty="0"/>
+          </a:p>
+          <a:p>
+            <a:pPr lvl="1"/>
+            <a:r>
+              <a:rPr kumimoji="1" lang="zh-CN" altLang="en-US" dirty="0"/>
+              <a:t>模糊测试：对输入点注入预设</a:t>
+            </a:r>
+            <a:r>
+              <a:rPr kumimoji="1" lang="en-US" altLang="zh-CN" dirty="0"/>
+              <a:t>Payload</a:t>
+            </a:r>
+          </a:p>
+          <a:p>
+            <a:pPr lvl="1"/>
+            <a:r>
+              <a:rPr kumimoji="1" lang="zh-CN" altLang="en-US" dirty="0"/>
+              <a:t>静态分析：解析代码中的危险函数调用</a:t>
+            </a:r>
+            <a:endParaRPr kumimoji="1" lang="en-US" altLang="zh-CN" dirty="0"/>
+          </a:p>
+          <a:p>
+            <a:pPr lvl="1"/>
+            <a:r>
+              <a:rPr kumimoji="1" lang="zh-CN" altLang="en-US" dirty="0"/>
+              <a:t>自动化工具：使用各类漏洞检测自动化工具进行暴力检测</a:t>
+            </a:r>
+            <a:endParaRPr kumimoji="1" lang="en-US" altLang="zh-CN" dirty="0"/>
+          </a:p>
+          <a:p>
+            <a:pPr marL="342900" lvl="1" indent="0">
+              <a:buNone/>
+            </a:pPr>
+            <a:endParaRPr kumimoji="1" lang="en-US" altLang="zh-CN" dirty="0"/>
+          </a:p>
+          <a:p>
+            <a:r>
+              <a:rPr kumimoji="1" lang="zh-CN" altLang="en-US" dirty="0"/>
+              <a:t>缺点：</a:t>
+            </a:r>
+            <a:endParaRPr kumimoji="1" lang="en-US" altLang="zh-CN" dirty="0"/>
+          </a:p>
+          <a:p>
+            <a:pPr lvl="1"/>
+            <a:r>
+              <a:rPr kumimoji="1" lang="zh-CN" altLang="en-US" dirty="0"/>
+              <a:t>只能依赖规则库更新，检测现有的漏洞</a:t>
+            </a:r>
+            <a:endParaRPr kumimoji="1" lang="en-US" altLang="zh-CN" dirty="0"/>
+          </a:p>
+          <a:p>
+            <a:pPr lvl="1"/>
+            <a:r>
+              <a:rPr kumimoji="1" lang="zh-CN" altLang="en-US" dirty="0"/>
+              <a:t>特征匹配误报率较高</a:t>
+            </a:r>
+          </a:p>
+          <a:p>
+            <a:pPr lvl="1"/>
+            <a:endParaRPr kumimoji="1" lang="en-US" altLang="zh-CN" dirty="0"/>
+          </a:p>
+        </p:txBody>
+      </p:sp>
+      <p:sp>
+        <p:nvSpPr>
+          <p:cNvPr id="6" name="文本占位符 5">
+            <a:extLst>
+              <a:ext uri="{FF2B5EF4-FFF2-40B4-BE49-F238E27FC236}">
+                <a16:creationId xmlns:a16="http://schemas.microsoft.com/office/drawing/2014/main" id="{5D67702C-2B19-0CFF-B92B-33E0DB09D0FF}"/>
+              </a:ext>
+            </a:extLst>
+          </p:cNvPr>
+          <p:cNvSpPr>
+            <a:spLocks noGrp="1"/>
+          </p:cNvSpPr>
+          <p:nvPr>
+            <p:ph type="body" sz="quarter" idx="3"/>
+          </p:nvPr>
+        </p:nvSpPr>
+        <p:spPr>
+          <a:xfrm>
+            <a:off x="4629150" y="1210392"/>
+            <a:ext cx="3887391" cy="823912"/>
+          </a:xfrm>
+        </p:spPr>
+        <p:txBody>
+          <a:bodyPr>
+            <a:normAutofit/>
+          </a:bodyPr>
+          <a:lstStyle/>
+          <a:p>
+            <a:pPr algn="ctr"/>
+            <a:r>
+              <a:rPr lang="zh-CN" altLang="en-US" sz="2400" dirty="0"/>
+              <a:t>基于深度学习的漏洞扫描</a:t>
+            </a:r>
+          </a:p>
+        </p:txBody>
+      </p:sp>
+      <p:sp>
+        <p:nvSpPr>
+          <p:cNvPr id="7" name="内容占位符 6">
+            <a:extLst>
+              <a:ext uri="{FF2B5EF4-FFF2-40B4-BE49-F238E27FC236}">
+                <a16:creationId xmlns:a16="http://schemas.microsoft.com/office/drawing/2014/main" id="{A8AFBEAC-3AA0-4A2D-038C-1380AC9DDF61}"/>
+              </a:ext>
+            </a:extLst>
+          </p:cNvPr>
+          <p:cNvSpPr>
+            <a:spLocks noGrp="1"/>
+          </p:cNvSpPr>
+          <p:nvPr>
+            <p:ph sz="quarter" idx="4"/>
+          </p:nvPr>
+        </p:nvSpPr>
+        <p:spPr/>
+        <p:txBody>
+          <a:bodyPr>
+            <a:normAutofit fontScale="92500" lnSpcReduction="10000"/>
+          </a:bodyPr>
+          <a:lstStyle/>
+          <a:p>
+            <a:r>
+              <a:rPr lang="zh-CN" altLang="en-US" sz="2400" dirty="0"/>
+              <a:t>基础路径</a:t>
+            </a:r>
+            <a:endParaRPr lang="en-US" altLang="zh-CN" sz="2400" dirty="0"/>
+          </a:p>
+          <a:p>
+            <a:pPr lvl="1"/>
+            <a:r>
+              <a:rPr lang="zh-CN" altLang="zh-CN" sz="2100" dirty="0"/>
+              <a:t>深度搜索：语义理解 → 基于上下文的风险推理</a:t>
+            </a:r>
+            <a:endParaRPr lang="en-US" altLang="zh-CN" sz="2100" dirty="0"/>
+          </a:p>
+          <a:p>
+            <a:pPr lvl="1"/>
+            <a:r>
+              <a:rPr lang="zh-CN" altLang="en-US" sz="2100" dirty="0"/>
+              <a:t>提供链接并获取报文，根据特征直接判断可能存在的漏洞类型</a:t>
+            </a:r>
+            <a:endParaRPr lang="en-US" altLang="zh-CN" sz="2100" dirty="0"/>
+          </a:p>
+          <a:p>
+            <a:pPr lvl="1"/>
+            <a:endParaRPr lang="en-US" altLang="zh-CN" sz="2400" dirty="0"/>
+          </a:p>
+          <a:p>
+            <a:r>
+              <a:rPr lang="zh-CN" altLang="en-US" sz="2400" dirty="0"/>
+              <a:t>优势：</a:t>
+            </a:r>
+            <a:endParaRPr lang="en-US" altLang="zh-CN" sz="2400" dirty="0"/>
+          </a:p>
+          <a:p>
+            <a:pPr lvl="1"/>
+            <a:r>
+              <a:rPr lang="zh-CN" altLang="en-US" sz="2100" dirty="0"/>
+              <a:t>检测大量</a:t>
+            </a:r>
+            <a:r>
+              <a:rPr lang="en-US" altLang="zh-CN" sz="2100" dirty="0"/>
+              <a:t>web</a:t>
+            </a:r>
+            <a:r>
+              <a:rPr lang="zh-CN" altLang="en-US" sz="2100" dirty="0"/>
+              <a:t>数据特征</a:t>
+            </a:r>
+            <a:endParaRPr lang="en-US" altLang="zh-CN" sz="2100" dirty="0"/>
+          </a:p>
+          <a:p>
+            <a:pPr lvl="1"/>
+            <a:r>
+              <a:rPr lang="zh-CN" altLang="en-US" sz="2100" dirty="0"/>
+              <a:t>发现复杂、隐蔽攻击方式，识别未知漏洞</a:t>
+            </a:r>
+            <a:endParaRPr lang="en-US" altLang="zh-CN" sz="2100" dirty="0"/>
+          </a:p>
+          <a:p>
+            <a:pPr lvl="1"/>
+            <a:r>
+              <a:rPr lang="zh-CN" altLang="en-US" sz="2100" dirty="0"/>
+              <a:t>通过</a:t>
+            </a:r>
+            <a:r>
+              <a:rPr lang="en-US" altLang="zh-CN" sz="2100" dirty="0"/>
+              <a:t>CNN</a:t>
+            </a:r>
+            <a:r>
+              <a:rPr lang="zh-CN" altLang="en-US" sz="2100" dirty="0"/>
+              <a:t>等模型训练，与前后端交互实现便捷检测</a:t>
+            </a:r>
+          </a:p>
+          <a:p>
+            <a:endParaRPr lang="zh-CN" altLang="en-US" dirty="0"/>
+          </a:p>
+        </p:txBody>
+      </p:sp>
+      <p:sp>
+        <p:nvSpPr>
+          <p:cNvPr id="2" name="标题 1">
+            <a:extLst>
+              <a:ext uri="{FF2B5EF4-FFF2-40B4-BE49-F238E27FC236}">
+                <a16:creationId xmlns:a16="http://schemas.microsoft.com/office/drawing/2014/main" id="{0DB2364D-F5F4-DA42-98ED-48C632196C5B}"/>
+              </a:ext>
+            </a:extLst>
+          </p:cNvPr>
+          <p:cNvSpPr>
+            <a:spLocks noGrp="1"/>
+          </p:cNvSpPr>
+          <p:nvPr>
+            <p:ph type="title"/>
+          </p:nvPr>
+        </p:nvSpPr>
+        <p:spPr/>
+        <p:txBody>
+          <a:bodyPr>
+            <a:normAutofit/>
+          </a:bodyPr>
+          <a:lstStyle/>
+          <a:p>
+            <a:r>
+              <a:rPr lang="zh-CN" altLang="en-US" b="1" dirty="0"/>
+              <a:t>传统漏洞扫描模式 </a:t>
+            </a:r>
+            <a:r>
+              <a:rPr lang="en-US" altLang="zh-CN" b="1" dirty="0"/>
+              <a:t>vs </a:t>
+            </a:r>
+            <a:r>
+              <a:rPr lang="zh-CN" altLang="en-US" b="1" dirty="0"/>
+              <a:t>深度学习漏洞扫描模式</a:t>
+            </a:r>
+          </a:p>
+        </p:txBody>
+      </p:sp>
+      <p:sp>
+        <p:nvSpPr>
+          <p:cNvPr id="5" name="Rectangle 2">
+            <a:extLst>
+              <a:ext uri="{FF2B5EF4-FFF2-40B4-BE49-F238E27FC236}">
+                <a16:creationId xmlns:a16="http://schemas.microsoft.com/office/drawing/2014/main" id="{1B8E010E-E64A-6739-4AF5-D4E9B8DC2057}"/>
+              </a:ext>
+            </a:extLst>
+          </p:cNvPr>
+          <p:cNvSpPr>
+            <a:spLocks noChangeArrowheads="1"/>
+          </p:cNvSpPr>
+          <p:nvPr/>
+        </p:nvSpPr>
+        <p:spPr bwMode="auto">
+          <a:xfrm>
+            <a:off x="935666" y="2124745"/>
+            <a:ext cx="65" cy="194917"/>
+          </a:xfrm>
+          <a:prstGeom prst="rect">
+            <a:avLst/>
+          </a:prstGeom>
+          <a:solidFill>
+            <a:srgbClr val="ECECEC"/>
+          </a:solidFill>
+          <a:ln>
+            <a:noFill/>
+          </a:ln>
+          <a:effectLst/>
+          <a:extLst>
+            <a:ext uri="{91240B29-F687-4F45-9708-019B960494DF}">
+              <a14:hiddenLine xmlns:a14="http://schemas.microsoft.com/office/drawing/2010/main" w="9525">
+                <a:solidFill>
+                  <a:schemeClr val="tx1"/>
+                </a:solidFill>
+                <a:miter lim="800000"/>
+                <a:headEnd/>
+                <a:tailEnd/>
+              </a14:hiddenLine>
+            </a:ext>
+            <a:ext uri="{AF507438-7753-43E0-B8FC-AC1667EBCBE1}">
+              <a14:hiddenEffects xmlns:a14="http://schemas.microsoft.com/office/drawing/2010/main">
+                <a:effectLst>
+                  <a:outerShdw dist="35921" dir="2700000" algn="ctr" rotWithShape="0">
+                    <a:schemeClr val="bg2"/>
+                  </a:outerShdw>
+                </a:effectLst>
+              </a14:hiddenEffects>
+            </a:ext>
+          </a:extLst>
+        </p:spPr>
+        <p:txBody>
+          <a:bodyPr vert="horz" wrap="none" lIns="0" tIns="25392" rIns="0" bIns="0" numCol="1" anchor="ctr" anchorCtr="0" compatLnSpc="1">
+            <a:prstTxWarp prst="textNoShape">
+              <a:avLst/>
+            </a:prstTxWarp>
+            <a:spAutoFit/>
+          </a:bodyPr>
+          <a:lstStyle/>
+          <a:p>
+            <a:pPr marL="0" marR="0" lvl="0" indent="0" algn="l" defTabSz="914400" rtl="0" eaLnBrk="0" fontAlgn="base" latinLnBrk="0" hangingPunct="0">
+              <a:lnSpc>
+                <a:spcPct val="100000"/>
+              </a:lnSpc>
+              <a:spcBef>
+                <a:spcPct val="0"/>
+              </a:spcBef>
+              <a:spcAft>
+                <a:spcPct val="0"/>
+              </a:spcAft>
+              <a:buClrTx/>
+              <a:buSzTx/>
+              <a:buFontTx/>
+              <a:buNone/>
+              <a:tabLst/>
+            </a:pPr>
+            <a:endParaRPr kumimoji="0" lang="zh-CN" altLang="zh-CN" sz="1100" b="0" i="0" u="none" strike="noStrike" cap="none" normalizeH="0" baseline="0" dirty="0">
+              <a:ln>
+                <a:noFill/>
+              </a:ln>
+              <a:solidFill>
+                <a:schemeClr val="tx1"/>
+              </a:solidFill>
+              <a:effectLst/>
+              <a:latin typeface="Arial" panose="020B0604020202020204" pitchFamily="34" charset="0"/>
+            </a:endParaRPr>
+          </a:p>
+        </p:txBody>
+      </p:sp>
+    </p:spTree>
+    <p:extLst>
+      <p:ext uri="{BB962C8B-B14F-4D97-AF65-F5344CB8AC3E}">
+        <p14:creationId xmlns:p14="http://schemas.microsoft.com/office/powerpoint/2010/main" val="1467509584"/>
+      </p:ext>
+    </p:extLst>
+  </p:cSld>
+  <p:clrMapOvr>
+    <a:masterClrMapping/>
+  </p:clrMapOvr>
+</p:sld>
+</file>
+
+<file path=ppt/slides/slide5.xml><?xml version="1.0" encoding="utf-8"?>
+<p:sld xmlns:a="http://schemas.openxmlformats.org/drawingml/2006/main" xmlns:r="http://schemas.openxmlformats.org/officeDocument/2006/relationships" xmlns:p="http://schemas.openxmlformats.org/presentationml/2006/main" show="0">
+  <p:cSld>
+    <p:spTree>
+      <p:nvGrpSpPr>
+        <p:cNvPr id="1" name=""/>
+        <p:cNvGrpSpPr/>
+        <p:nvPr/>
+      </p:nvGrpSpPr>
+      <p:grpSpPr>
+        <a:xfrm>
+          <a:off x="0" y="0"/>
+          <a:ext cx="0" cy="0"/>
+          <a:chOff x="0" y="0"/>
+          <a:chExt cx="0" cy="0"/>
+        </a:xfrm>
+      </p:grpSpPr>
+      <p:sp>
+        <p:nvSpPr>
+          <p:cNvPr id="2" name="标题 1">
+            <a:extLst>
+              <a:ext uri="{FF2B5EF4-FFF2-40B4-BE49-F238E27FC236}">
+                <a16:creationId xmlns:a16="http://schemas.microsoft.com/office/drawing/2014/main" id="{0BD01F62-56DC-D34F-81B4-CFA5EFA0E358}"/>
+              </a:ext>
+            </a:extLst>
+          </p:cNvPr>
+          <p:cNvSpPr>
+            <a:spLocks noGrp="1"/>
+          </p:cNvSpPr>
+          <p:nvPr>
+            <p:ph type="title"/>
+          </p:nvPr>
+        </p:nvSpPr>
+        <p:spPr/>
+        <p:txBody>
+          <a:bodyPr/>
+          <a:lstStyle/>
+          <a:p>
+            <a:r>
+              <a:rPr lang="en-US" altLang="zh-CN" b="1" dirty="0" err="1"/>
+              <a:t>Sql</a:t>
+            </a:r>
+            <a:r>
+              <a:rPr lang="zh-CN" altLang="en-US" b="1" dirty="0"/>
+              <a:t>注入</a:t>
+            </a:r>
+          </a:p>
+        </p:txBody>
+      </p:sp>
+      <p:sp>
+        <p:nvSpPr>
+          <p:cNvPr id="4" name="同侧圆角矩形 3">
+            <a:extLst>
+              <a:ext uri="{FF2B5EF4-FFF2-40B4-BE49-F238E27FC236}">
+                <a16:creationId xmlns:a16="http://schemas.microsoft.com/office/drawing/2014/main" id="{812131DF-A77E-5F42-995D-35B82E3BACFC}"/>
+              </a:ext>
+            </a:extLst>
+          </p:cNvPr>
+          <p:cNvSpPr/>
+          <p:nvPr/>
+        </p:nvSpPr>
+        <p:spPr>
+          <a:xfrm>
+            <a:off x="628650" y="2088379"/>
+            <a:ext cx="7981094" cy="493954"/>
+          </a:xfrm>
+          <a:prstGeom prst="round2SameRect">
+            <a:avLst>
+              <a:gd name="adj1" fmla="val 30340"/>
+              <a:gd name="adj2" fmla="val 0"/>
+            </a:avLst>
+          </a:prstGeom>
+          <a:gradFill flip="none" rotWithShape="1">
+            <a:gsLst>
+              <a:gs pos="40000">
+                <a:schemeClr val="accent2"/>
+              </a:gs>
+              <a:gs pos="13000">
+                <a:schemeClr val="accent2"/>
+              </a:gs>
+              <a:gs pos="0">
+                <a:srgbClr val="F6ECE2"/>
+              </a:gs>
+            </a:gsLst>
+            <a:lin ang="16200000" scaled="0"/>
+            <a:tileRect/>
+          </a:gradFill>
+          <a:ln>
+            <a:noFill/>
+          </a:ln>
+          <a:effectLst>
+            <a:outerShdw blurRad="50800" dist="38100" dir="2700000" algn="tl" rotWithShape="0">
+              <a:prstClr val="black">
+                <a:alpha val="40000"/>
+              </a:prstClr>
+            </a:outerShdw>
+          </a:effectLst>
+        </p:spPr>
+        <p:style>
+          <a:lnRef idx="2">
+            <a:schemeClr val="accent1">
+              <a:shade val="50000"/>
+            </a:schemeClr>
+          </a:lnRef>
+          <a:fillRef idx="1">
+            <a:schemeClr val="accent1"/>
+          </a:fillRef>
+          <a:effectRef idx="0">
+            <a:schemeClr val="accent1"/>
+          </a:effectRef>
+          <a:fontRef idx="minor">
+            <a:schemeClr val="lt1"/>
+          </a:fontRef>
+        </p:style>
+        <p:txBody>
+          <a:bodyPr rtlCol="0" anchor="ctr"/>
+          <a:lstStyle/>
+          <a:p>
+            <a:endParaRPr kumimoji="1" lang="zh-CN" altLang="en-US" b="1" dirty="0"/>
+          </a:p>
+        </p:txBody>
+      </p:sp>
+      <p:sp>
+        <p:nvSpPr>
+          <p:cNvPr id="5" name="文本占位符 8">
+            <a:extLst>
+              <a:ext uri="{FF2B5EF4-FFF2-40B4-BE49-F238E27FC236}">
+                <a16:creationId xmlns:a16="http://schemas.microsoft.com/office/drawing/2014/main" id="{4C2B7D5C-2447-704F-A3A0-7257A546A64D}"/>
+              </a:ext>
+            </a:extLst>
+          </p:cNvPr>
+          <p:cNvSpPr txBox="1">
+            <a:spLocks/>
+          </p:cNvSpPr>
+          <p:nvPr/>
+        </p:nvSpPr>
+        <p:spPr>
+          <a:xfrm>
+            <a:off x="669396" y="2158240"/>
+            <a:ext cx="4071937" cy="295275"/>
+          </a:xfrm>
+          <a:prstGeom prst="rect">
+            <a:avLst/>
+          </a:prstGeom>
+        </p:spPr>
+        <p:txBody>
+          <a:bodyPr>
+            <a:noAutofit/>
+          </a:bodyPr>
+          <a:lstStyle>
+            <a:lvl1pPr marL="0" indent="0" algn="l" defTabSz="685800" rtl="0" eaLnBrk="1" latinLnBrk="0" hangingPunct="1">
+              <a:lnSpc>
+                <a:spcPct val="90000"/>
+              </a:lnSpc>
+              <a:spcBef>
+                <a:spcPts val="750"/>
+              </a:spcBef>
+              <a:buClr>
+                <a:schemeClr val="accent1"/>
+              </a:buClr>
+              <a:buFont typeface="Arial" panose="020B0604020202020204" pitchFamily="34" charset="0"/>
+              <a:buNone/>
+              <a:tabLst/>
+              <a:defRPr sz="1800" b="1" kern="1200">
+                <a:solidFill>
+                  <a:schemeClr val="bg1"/>
+                </a:solidFill>
+                <a:latin typeface="+mn-lt"/>
+                <a:ea typeface="+mn-ea"/>
+                <a:cs typeface="+mn-cs"/>
+              </a:defRPr>
+            </a:lvl1pPr>
+            <a:lvl2pPr marL="514350" indent="-171450" algn="l" defTabSz="685800" rtl="0" eaLnBrk="1" latinLnBrk="0" hangingPunct="1">
+              <a:lnSpc>
+                <a:spcPct val="90000"/>
+              </a:lnSpc>
+              <a:spcBef>
+                <a:spcPts val="375"/>
+              </a:spcBef>
+              <a:buFont typeface="Arial" panose="020B0604020202020204" pitchFamily="34" charset="0"/>
+              <a:buChar char="•"/>
+              <a:defRPr sz="1800" kern="1200">
+                <a:solidFill>
+                  <a:schemeClr val="tx1"/>
+                </a:solidFill>
+                <a:latin typeface="+mn-lt"/>
+                <a:ea typeface="+mn-ea"/>
+                <a:cs typeface="+mn-cs"/>
+              </a:defRPr>
+            </a:lvl2pPr>
+            <a:lvl3pPr marL="857250" indent="-171450" algn="l" defTabSz="685800" rtl="0" eaLnBrk="1" latinLnBrk="0" hangingPunct="1">
+              <a:lnSpc>
+                <a:spcPct val="90000"/>
+              </a:lnSpc>
+              <a:spcBef>
+                <a:spcPts val="375"/>
+              </a:spcBef>
+              <a:buFont typeface="Arial" panose="020B0604020202020204" pitchFamily="34" charset="0"/>
+              <a:buChar char="•"/>
+              <a:defRPr sz="1500" kern="1200">
+                <a:solidFill>
+                  <a:schemeClr val="tx1"/>
+                </a:solidFill>
+                <a:latin typeface="+mn-lt"/>
+                <a:ea typeface="+mn-ea"/>
+                <a:cs typeface="+mn-cs"/>
+              </a:defRPr>
+            </a:lvl3pPr>
+            <a:lvl4pPr marL="1200150" indent="-171450" algn="l" defTabSz="685800" rtl="0" eaLnBrk="1" latinLnBrk="0" hangingPunct="1">
+              <a:lnSpc>
+                <a:spcPct val="90000"/>
+              </a:lnSpc>
+              <a:spcBef>
+                <a:spcPts val="375"/>
+              </a:spcBef>
+              <a:buFont typeface="Arial" panose="020B0604020202020204" pitchFamily="34" charset="0"/>
+              <a:buChar char="•"/>
+              <a:defRPr sz="1350" kern="1200">
+                <a:solidFill>
+                  <a:schemeClr val="tx1"/>
+                </a:solidFill>
+                <a:latin typeface="+mn-lt"/>
+                <a:ea typeface="+mn-ea"/>
+                <a:cs typeface="+mn-cs"/>
+              </a:defRPr>
+            </a:lvl4pPr>
+            <a:lvl5pPr marL="1543050" indent="-171450" algn="l" defTabSz="685800" rtl="0" eaLnBrk="1" latinLnBrk="0" hangingPunct="1">
+              <a:lnSpc>
+                <a:spcPct val="90000"/>
+              </a:lnSpc>
+              <a:spcBef>
+                <a:spcPts val="375"/>
+              </a:spcBef>
+              <a:buFont typeface="Arial" panose="020B0604020202020204" pitchFamily="34" charset="0"/>
+              <a:buChar char="•"/>
+              <a:defRPr sz="1350" kern="1200">
+                <a:solidFill>
+                  <a:schemeClr val="tx1"/>
+                </a:solidFill>
+                <a:latin typeface="+mn-lt"/>
+                <a:ea typeface="+mn-ea"/>
+                <a:cs typeface="+mn-cs"/>
+              </a:defRPr>
+            </a:lvl5pPr>
+            <a:lvl6pPr marL="1885950" indent="-171450" algn="l" defTabSz="685800" rtl="0" eaLnBrk="1" latinLnBrk="0" hangingPunct="1">
+              <a:lnSpc>
+                <a:spcPct val="90000"/>
+              </a:lnSpc>
+              <a:spcBef>
+                <a:spcPts val="375"/>
+              </a:spcBef>
+              <a:buFont typeface="Arial" panose="020B0604020202020204" pitchFamily="34" charset="0"/>
+              <a:buChar char="•"/>
+              <a:defRPr sz="1350" kern="1200">
+                <a:solidFill>
+                  <a:schemeClr val="tx1"/>
+                </a:solidFill>
+                <a:latin typeface="+mn-lt"/>
+                <a:ea typeface="+mn-ea"/>
+                <a:cs typeface="+mn-cs"/>
+              </a:defRPr>
+            </a:lvl6pPr>
+            <a:lvl7pPr marL="2228850" indent="-171450" algn="l" defTabSz="685800" rtl="0" eaLnBrk="1" latinLnBrk="0" hangingPunct="1">
+              <a:lnSpc>
+                <a:spcPct val="90000"/>
+              </a:lnSpc>
+              <a:spcBef>
+                <a:spcPts val="375"/>
+              </a:spcBef>
+              <a:buFont typeface="Arial" panose="020B0604020202020204" pitchFamily="34" charset="0"/>
+              <a:buChar char="•"/>
+              <a:defRPr sz="1350" kern="1200">
+                <a:solidFill>
+                  <a:schemeClr val="tx1"/>
+                </a:solidFill>
+                <a:latin typeface="+mn-lt"/>
+                <a:ea typeface="+mn-ea"/>
+                <a:cs typeface="+mn-cs"/>
+              </a:defRPr>
+            </a:lvl7pPr>
+            <a:lvl8pPr marL="2571750" indent="-171450" algn="l" defTabSz="685800" rtl="0" eaLnBrk="1" latinLnBrk="0" hangingPunct="1">
+              <a:lnSpc>
+                <a:spcPct val="90000"/>
+              </a:lnSpc>
+              <a:spcBef>
+                <a:spcPts val="375"/>
+              </a:spcBef>
+              <a:buFont typeface="Arial" panose="020B0604020202020204" pitchFamily="34" charset="0"/>
+              <a:buChar char="•"/>
+              <a:defRPr sz="1350" kern="1200">
+                <a:solidFill>
+                  <a:schemeClr val="tx1"/>
+                </a:solidFill>
+                <a:latin typeface="+mn-lt"/>
+                <a:ea typeface="+mn-ea"/>
+                <a:cs typeface="+mn-cs"/>
+              </a:defRPr>
+            </a:lvl8pPr>
+            <a:lvl9pPr marL="2914650" indent="-171450" algn="l" defTabSz="685800" rtl="0" eaLnBrk="1" latinLnBrk="0" hangingPunct="1">
+              <a:lnSpc>
+                <a:spcPct val="90000"/>
+              </a:lnSpc>
+              <a:spcBef>
+                <a:spcPts val="375"/>
+              </a:spcBef>
+              <a:buFont typeface="Arial" panose="020B0604020202020204" pitchFamily="34" charset="0"/>
+              <a:buChar char="•"/>
+              <a:defRPr sz="1350" kern="1200">
+                <a:solidFill>
+                  <a:schemeClr val="tx1"/>
+                </a:solidFill>
+                <a:latin typeface="+mn-lt"/>
+                <a:ea typeface="+mn-ea"/>
+                <a:cs typeface="+mn-cs"/>
+              </a:defRPr>
+            </a:lvl9pPr>
+          </a:lstStyle>
+          <a:p>
+            <a:r>
+              <a:rPr kumimoji="1" lang="en-US" altLang="zh-CN" dirty="0"/>
+              <a:t>E.G.</a:t>
+            </a:r>
+            <a:endParaRPr kumimoji="1" lang="zh-CN" altLang="en-US" dirty="0"/>
+          </a:p>
+        </p:txBody>
+      </p:sp>
+      <p:sp>
+        <p:nvSpPr>
+          <p:cNvPr id="6" name="文本占位符 10">
+            <a:extLst>
+              <a:ext uri="{FF2B5EF4-FFF2-40B4-BE49-F238E27FC236}">
+                <a16:creationId xmlns:a16="http://schemas.microsoft.com/office/drawing/2014/main" id="{54452CB9-B144-664C-B7ED-8098CABD3C75}"/>
+              </a:ext>
+            </a:extLst>
+          </p:cNvPr>
+          <p:cNvSpPr txBox="1">
+            <a:spLocks/>
+          </p:cNvSpPr>
+          <p:nvPr/>
+        </p:nvSpPr>
+        <p:spPr>
+          <a:xfrm>
+            <a:off x="628650" y="2582332"/>
+            <a:ext cx="7981094" cy="2946598"/>
+          </a:xfrm>
+          <a:prstGeom prst="rect">
+            <a:avLst/>
+          </a:prstGeom>
+          <a:solidFill>
+            <a:srgbClr val="F6ECE2"/>
+          </a:solidFill>
+          <a:ln>
+            <a:noFill/>
+          </a:ln>
+          <a:effectLst>
+            <a:outerShdw blurRad="50800" dist="38100" dir="2700000" algn="tl" rotWithShape="0">
+              <a:prstClr val="black">
+                <a:alpha val="40000"/>
+              </a:prstClr>
+            </a:outerShdw>
+          </a:effectLst>
+        </p:spPr>
+        <p:txBody>
+          <a:bodyPr tIns="90000">
+            <a:noAutofit/>
+          </a:bodyPr>
+          <a:lstStyle>
+            <a:lvl1pPr marL="273050" indent="-273050" algn="l" defTabSz="685800" rtl="0" eaLnBrk="1" latinLnBrk="0" hangingPunct="1">
+              <a:lnSpc>
+                <a:spcPct val="90000"/>
+              </a:lnSpc>
+              <a:spcBef>
+                <a:spcPts val="750"/>
+              </a:spcBef>
+              <a:buClr>
+                <a:schemeClr val="accent1"/>
+              </a:buClr>
+              <a:buFont typeface="Arial" panose="020B0604020202020204" pitchFamily="34" charset="0"/>
+              <a:buChar char="•"/>
+              <a:tabLst/>
+              <a:defRPr sz="1800" kern="1200">
+                <a:solidFill>
+                  <a:schemeClr val="tx1"/>
+                </a:solidFill>
+                <a:latin typeface="+mn-lt"/>
+                <a:ea typeface="+mn-ea"/>
+                <a:cs typeface="+mn-cs"/>
+              </a:defRPr>
+            </a:lvl1pPr>
+            <a:lvl2pPr marL="514350" indent="-171450" algn="l" defTabSz="685800" rtl="0" eaLnBrk="1" latinLnBrk="0" hangingPunct="1">
+              <a:lnSpc>
+                <a:spcPct val="90000"/>
+              </a:lnSpc>
+              <a:spcBef>
+                <a:spcPts val="375"/>
+              </a:spcBef>
+              <a:buFont typeface="Arial" panose="020B0604020202020204" pitchFamily="34" charset="0"/>
+              <a:buChar char="•"/>
+              <a:defRPr sz="1800" kern="1200">
+                <a:solidFill>
+                  <a:schemeClr val="tx1"/>
+                </a:solidFill>
+                <a:latin typeface="+mn-lt"/>
+                <a:ea typeface="+mn-ea"/>
+                <a:cs typeface="+mn-cs"/>
+              </a:defRPr>
+            </a:lvl2pPr>
+            <a:lvl3pPr marL="857250" indent="-171450" algn="l" defTabSz="685800" rtl="0" eaLnBrk="1" latinLnBrk="0" hangingPunct="1">
+              <a:lnSpc>
+                <a:spcPct val="90000"/>
+              </a:lnSpc>
+              <a:spcBef>
+                <a:spcPts val="375"/>
+              </a:spcBef>
+              <a:buFont typeface="Arial" panose="020B0604020202020204" pitchFamily="34" charset="0"/>
+              <a:buChar char="•"/>
+              <a:defRPr sz="1500" kern="1200">
+                <a:solidFill>
+                  <a:schemeClr val="tx1"/>
+                </a:solidFill>
+                <a:latin typeface="+mn-lt"/>
+                <a:ea typeface="+mn-ea"/>
+                <a:cs typeface="+mn-cs"/>
+              </a:defRPr>
+            </a:lvl3pPr>
+            <a:lvl4pPr marL="1200150" indent="-171450" algn="l" defTabSz="685800" rtl="0" eaLnBrk="1" latinLnBrk="0" hangingPunct="1">
+              <a:lnSpc>
+                <a:spcPct val="90000"/>
+              </a:lnSpc>
+              <a:spcBef>
+                <a:spcPts val="375"/>
+              </a:spcBef>
+              <a:buFont typeface="Arial" panose="020B0604020202020204" pitchFamily="34" charset="0"/>
+              <a:buChar char="•"/>
+              <a:defRPr sz="1350" kern="1200">
+                <a:solidFill>
+                  <a:schemeClr val="tx1"/>
+                </a:solidFill>
+                <a:latin typeface="+mn-lt"/>
+                <a:ea typeface="+mn-ea"/>
+                <a:cs typeface="+mn-cs"/>
+              </a:defRPr>
+            </a:lvl4pPr>
+            <a:lvl5pPr marL="1543050" indent="-171450" algn="l" defTabSz="685800" rtl="0" eaLnBrk="1" latinLnBrk="0" hangingPunct="1">
+              <a:lnSpc>
+                <a:spcPct val="90000"/>
+              </a:lnSpc>
+              <a:spcBef>
+                <a:spcPts val="375"/>
+              </a:spcBef>
+              <a:buFont typeface="Arial" panose="020B0604020202020204" pitchFamily="34" charset="0"/>
+              <a:buChar char="•"/>
+              <a:defRPr sz="1350" kern="1200">
+                <a:solidFill>
+                  <a:schemeClr val="tx1"/>
+                </a:solidFill>
+                <a:latin typeface="+mn-lt"/>
+                <a:ea typeface="+mn-ea"/>
+                <a:cs typeface="+mn-cs"/>
+              </a:defRPr>
+            </a:lvl5pPr>
+            <a:lvl6pPr marL="1885950" indent="-171450" algn="l" defTabSz="685800" rtl="0" eaLnBrk="1" latinLnBrk="0" hangingPunct="1">
+              <a:lnSpc>
+                <a:spcPct val="90000"/>
+              </a:lnSpc>
+              <a:spcBef>
+                <a:spcPts val="375"/>
+              </a:spcBef>
+              <a:buFont typeface="Arial" panose="020B0604020202020204" pitchFamily="34" charset="0"/>
+              <a:buChar char="•"/>
+              <a:defRPr sz="1350" kern="1200">
+                <a:solidFill>
+                  <a:schemeClr val="tx1"/>
+                </a:solidFill>
+                <a:latin typeface="+mn-lt"/>
+                <a:ea typeface="+mn-ea"/>
+                <a:cs typeface="+mn-cs"/>
+              </a:defRPr>
+            </a:lvl6pPr>
+            <a:lvl7pPr marL="2228850" indent="-171450" algn="l" defTabSz="685800" rtl="0" eaLnBrk="1" latinLnBrk="0" hangingPunct="1">
+              <a:lnSpc>
+                <a:spcPct val="90000"/>
+              </a:lnSpc>
+              <a:spcBef>
+                <a:spcPts val="375"/>
+              </a:spcBef>
+              <a:buFont typeface="Arial" panose="020B0604020202020204" pitchFamily="34" charset="0"/>
+              <a:buChar char="•"/>
+              <a:defRPr sz="1350" kern="1200">
+                <a:solidFill>
+                  <a:schemeClr val="tx1"/>
+                </a:solidFill>
+                <a:latin typeface="+mn-lt"/>
+                <a:ea typeface="+mn-ea"/>
+                <a:cs typeface="+mn-cs"/>
+              </a:defRPr>
+            </a:lvl7pPr>
+            <a:lvl8pPr marL="2571750" indent="-171450" algn="l" defTabSz="685800" rtl="0" eaLnBrk="1" latinLnBrk="0" hangingPunct="1">
+              <a:lnSpc>
+                <a:spcPct val="90000"/>
+              </a:lnSpc>
+              <a:spcBef>
+                <a:spcPts val="375"/>
+              </a:spcBef>
+              <a:buFont typeface="Arial" panose="020B0604020202020204" pitchFamily="34" charset="0"/>
+              <a:buChar char="•"/>
+              <a:defRPr sz="1350" kern="1200">
+                <a:solidFill>
+                  <a:schemeClr val="tx1"/>
+                </a:solidFill>
+                <a:latin typeface="+mn-lt"/>
+                <a:ea typeface="+mn-ea"/>
+                <a:cs typeface="+mn-cs"/>
+              </a:defRPr>
+            </a:lvl8pPr>
+            <a:lvl9pPr marL="2914650" indent="-171450" algn="l" defTabSz="685800" rtl="0" eaLnBrk="1" latinLnBrk="0" hangingPunct="1">
+              <a:lnSpc>
+                <a:spcPct val="90000"/>
+              </a:lnSpc>
+              <a:spcBef>
+                <a:spcPts val="375"/>
+              </a:spcBef>
+              <a:buFont typeface="Arial" panose="020B0604020202020204" pitchFamily="34" charset="0"/>
+              <a:buChar char="•"/>
+              <a:defRPr sz="1350" kern="1200">
+                <a:solidFill>
+                  <a:schemeClr val="tx1"/>
+                </a:solidFill>
+                <a:latin typeface="+mn-lt"/>
+                <a:ea typeface="+mn-ea"/>
+                <a:cs typeface="+mn-cs"/>
+              </a:defRPr>
+            </a:lvl9pPr>
+          </a:lstStyle>
+          <a:p>
+            <a:r>
+              <a:rPr kumimoji="1" lang="zh-CN" altLang="en-US" dirty="0"/>
+              <a:t>假设有这么一个链接</a:t>
+            </a:r>
+            <a:endParaRPr kumimoji="1" lang="en-US" altLang="zh-CN" dirty="0"/>
+          </a:p>
+          <a:p>
+            <a:pPr marL="0" indent="0">
+              <a:buNone/>
+            </a:pPr>
+            <a:r>
+              <a:rPr kumimoji="1" lang="en-US" altLang="zh-CN" dirty="0"/>
+              <a:t>https://937a902a-d72f-44c8-9cba-1585c08125dd.challenge.ctf.show/</a:t>
+            </a:r>
+            <a:br>
+              <a:rPr kumimoji="1" lang="en-US" altLang="zh-CN" dirty="0"/>
+            </a:br>
+            <a:r>
+              <a:rPr kumimoji="1" lang="zh-CN" altLang="en-US" dirty="0"/>
+              <a:t>是一个用户登录系统，我们可以对此网站进行</a:t>
+            </a:r>
+            <a:r>
+              <a:rPr kumimoji="1" lang="en-US" altLang="zh-CN" dirty="0" err="1"/>
+              <a:t>sql</a:t>
+            </a:r>
+            <a:r>
+              <a:rPr kumimoji="1" lang="zh-CN" altLang="en-US" dirty="0"/>
+              <a:t>注入</a:t>
+            </a:r>
+            <a:endParaRPr kumimoji="1" lang="en-US" altLang="zh-CN" dirty="0"/>
+          </a:p>
+          <a:p>
+            <a:r>
+              <a:rPr kumimoji="1" lang="zh-CN" altLang="en-US" dirty="0"/>
+              <a:t>在连接后加上 </a:t>
+            </a:r>
+            <a:r>
+              <a:rPr kumimoji="1" lang="en-US" altLang="zh-CN" dirty="0"/>
+              <a:t>id=1” or 1=1#</a:t>
+            </a:r>
+            <a:r>
+              <a:rPr kumimoji="1" lang="zh-CN" altLang="en-US" dirty="0"/>
+              <a:t>，可以绕过登陆验证</a:t>
+            </a:r>
+            <a:endParaRPr kumimoji="1" lang="en-US" altLang="zh-CN" dirty="0"/>
+          </a:p>
+          <a:p>
+            <a:r>
+              <a:rPr kumimoji="1" lang="zh-CN" altLang="en-US" dirty="0"/>
+              <a:t>在连接后加</a:t>
+            </a:r>
+            <a:r>
+              <a:rPr kumimoji="1" lang="en-US" altLang="zh-CN" dirty="0"/>
+              <a:t>id=-1%27 union select 1,2,group_concat(</a:t>
+            </a:r>
+            <a:r>
+              <a:rPr kumimoji="1" lang="en-US" altLang="zh-CN" dirty="0" err="1"/>
+              <a:t>column_name</a:t>
+            </a:r>
+            <a:r>
+              <a:rPr kumimoji="1" lang="en-US" altLang="zh-CN" dirty="0"/>
+              <a:t>) from </a:t>
+            </a:r>
+            <a:r>
+              <a:rPr kumimoji="1" lang="en-US" altLang="zh-CN" dirty="0" err="1"/>
+              <a:t>information_schema.columns</a:t>
+            </a:r>
+            <a:r>
+              <a:rPr kumimoji="1" lang="en-US" altLang="zh-CN" dirty="0"/>
+              <a:t> where </a:t>
+            </a:r>
+            <a:r>
+              <a:rPr kumimoji="1" lang="en-US" altLang="zh-CN" dirty="0" err="1"/>
+              <a:t>table_name</a:t>
+            </a:r>
+            <a:r>
+              <a:rPr kumimoji="1" lang="en-US" altLang="zh-CN" dirty="0"/>
+              <a:t> = users --+</a:t>
+            </a:r>
+            <a:r>
+              <a:rPr kumimoji="1" lang="zh-CN" altLang="en-US" dirty="0"/>
+              <a:t>，可以获取到该系统数据库的表名与列名，更进一步我们可以获取到其中的数据</a:t>
+            </a:r>
+            <a:endParaRPr kumimoji="1" lang="en-US" altLang="zh-CN" dirty="0"/>
+          </a:p>
+          <a:p>
+            <a:r>
+              <a:rPr kumimoji="1" lang="zh-CN" altLang="en-US" dirty="0"/>
+              <a:t>若经过这些注入，网页可以正常显示，且可以获取内容，证明网站存在</a:t>
+            </a:r>
+            <a:r>
+              <a:rPr kumimoji="1" lang="en-US" altLang="zh-CN" dirty="0" err="1"/>
+              <a:t>sql</a:t>
+            </a:r>
+            <a:r>
+              <a:rPr kumimoji="1" lang="zh-CN" altLang="en-US" dirty="0"/>
+              <a:t>注入漏洞</a:t>
+            </a:r>
+          </a:p>
+        </p:txBody>
+      </p:sp>
+    </p:spTree>
+    <p:extLst>
+      <p:ext uri="{BB962C8B-B14F-4D97-AF65-F5344CB8AC3E}">
+        <p14:creationId xmlns:p14="http://schemas.microsoft.com/office/powerpoint/2010/main" val="3282027846"/>
+      </p:ext>
+    </p:extLst>
+  </p:cSld>
+  <p:clrMapOvr>
+    <a:masterClrMapping/>
+  </p:clrMapOvr>
+</p:sld>
+</file>
+
+<file path=ppt/slides/slide6.xml><?xml version="1.0" encoding="utf-8"?>
+<p:sld xmlns:a="http://schemas.openxmlformats.org/drawingml/2006/main" xmlns:r="http://schemas.openxmlformats.org/officeDocument/2006/relationships" xmlns:p="http://schemas.openxmlformats.org/presentationml/2006/main">
+  <p:cSld>
+    <p:spTree>
+      <p:nvGrpSpPr>
+        <p:cNvPr id="1" name=""/>
+        <p:cNvGrpSpPr/>
+        <p:nvPr/>
+      </p:nvGrpSpPr>
+      <p:grpSpPr>
+        <a:xfrm>
+          <a:off x="0" y="0"/>
+          <a:ext cx="0" cy="0"/>
+          <a:chOff x="0" y="0"/>
+          <a:chExt cx="0" cy="0"/>
+        </a:xfrm>
+      </p:grpSpPr>
+      <p:sp>
+        <p:nvSpPr>
+          <p:cNvPr id="4" name="标题 3">
+            <a:extLst>
+              <a:ext uri="{FF2B5EF4-FFF2-40B4-BE49-F238E27FC236}">
+                <a16:creationId xmlns:a16="http://schemas.microsoft.com/office/drawing/2014/main" id="{DD74B907-DE07-984B-9FD4-066775EC1A72}"/>
+              </a:ext>
+            </a:extLst>
+          </p:cNvPr>
+          <p:cNvSpPr>
+            <a:spLocks noGrp="1"/>
+          </p:cNvSpPr>
+          <p:nvPr>
+            <p:ph type="title"/>
+          </p:nvPr>
+        </p:nvSpPr>
+        <p:spPr/>
+        <p:txBody>
+          <a:bodyPr/>
+          <a:lstStyle/>
+          <a:p>
+            <a:pPr>
+              <a:lnSpc>
+                <a:spcPct val="150000"/>
+              </a:lnSpc>
+            </a:pPr>
+            <a:r>
+              <a:rPr kumimoji="1" lang="zh-CN" altLang="en-US" dirty="0"/>
+              <a:t>具体工作及取得的进展 </a:t>
+            </a:r>
+            <a:endParaRPr kumimoji="1" lang="en-US" altLang="zh-CN" dirty="0"/>
+          </a:p>
+        </p:txBody>
+      </p:sp>
+      <p:sp>
+        <p:nvSpPr>
+          <p:cNvPr id="5" name="文本占位符 4">
+            <a:extLst>
+              <a:ext uri="{FF2B5EF4-FFF2-40B4-BE49-F238E27FC236}">
+                <a16:creationId xmlns:a16="http://schemas.microsoft.com/office/drawing/2014/main" id="{D8974035-DEB8-F842-87DA-45E3ABBB3141}"/>
+              </a:ext>
+            </a:extLst>
+          </p:cNvPr>
+          <p:cNvSpPr>
+            <a:spLocks noGrp="1"/>
+          </p:cNvSpPr>
+          <p:nvPr>
+            <p:ph type="body" idx="1"/>
+          </p:nvPr>
+        </p:nvSpPr>
+        <p:spPr/>
+        <p:txBody>
+          <a:bodyPr/>
+          <a:lstStyle/>
+          <a:p>
+            <a:endParaRPr kumimoji="1" lang="zh-CN" altLang="en-US"/>
+          </a:p>
+        </p:txBody>
+      </p:sp>
+    </p:spTree>
+    <p:extLst>
+      <p:ext uri="{BB962C8B-B14F-4D97-AF65-F5344CB8AC3E}">
+        <p14:creationId xmlns:p14="http://schemas.microsoft.com/office/powerpoint/2010/main" val="3619632921"/>
+      </p:ext>
+    </p:extLst>
+  </p:cSld>
+  <p:clrMapOvr>
+    <a:masterClrMapping/>
+  </p:clrMapOvr>
+</p:sld>
+</file>
+
+<file path=ppt/slides/slide7.xml><?xml version="1.0" encoding="utf-8"?>
+<p:sld xmlns:a="http://schemas.openxmlformats.org/drawingml/2006/main" xmlns:r="http://schemas.openxmlformats.org/officeDocument/2006/relationships" xmlns:p="http://schemas.openxmlformats.org/presentationml/2006/main">
+  <p:cSld>
+    <p:spTree>
+      <p:nvGrpSpPr>
+        <p:cNvPr id="1" name="">
+          <a:extLst>
+            <a:ext uri="{FF2B5EF4-FFF2-40B4-BE49-F238E27FC236}">
+              <a16:creationId xmlns:a16="http://schemas.microsoft.com/office/drawing/2014/main" id="{7E0C43DF-C523-B149-85B1-4144F69924EE}"/>
+            </a:ext>
+          </a:extLst>
+        </p:cNvPr>
+        <p:cNvGrpSpPr/>
+        <p:nvPr/>
+      </p:nvGrpSpPr>
+      <p:grpSpPr>
+        <a:xfrm>
+          <a:off x="0" y="0"/>
+          <a:ext cx="0" cy="0"/>
+          <a:chOff x="0" y="0"/>
+          <a:chExt cx="0" cy="0"/>
+        </a:xfrm>
+      </p:grpSpPr>
+      <p:sp>
+        <p:nvSpPr>
+          <p:cNvPr id="2" name="标题 1">
+            <a:extLst>
+              <a:ext uri="{FF2B5EF4-FFF2-40B4-BE49-F238E27FC236}">
+                <a16:creationId xmlns:a16="http://schemas.microsoft.com/office/drawing/2014/main" id="{B4A4A689-AE64-37F7-4BDB-B9B5D2C04DFB}"/>
+              </a:ext>
+            </a:extLst>
+          </p:cNvPr>
+          <p:cNvSpPr>
+            <a:spLocks noGrp="1"/>
+          </p:cNvSpPr>
+          <p:nvPr>
+            <p:ph type="title"/>
+          </p:nvPr>
+        </p:nvSpPr>
+        <p:spPr/>
+        <p:txBody>
+          <a:bodyPr/>
+          <a:lstStyle/>
+          <a:p>
+            <a:r>
+              <a:rPr kumimoji="1" lang="zh-CN" altLang="en-US" dirty="0"/>
+              <a:t>学了什么</a:t>
+            </a:r>
+          </a:p>
+        </p:txBody>
+      </p:sp>
+      <p:sp>
+        <p:nvSpPr>
+          <p:cNvPr id="3" name="内容占位符 2">
+            <a:extLst>
+              <a:ext uri="{FF2B5EF4-FFF2-40B4-BE49-F238E27FC236}">
+                <a16:creationId xmlns:a16="http://schemas.microsoft.com/office/drawing/2014/main" id="{393BA929-3DF8-7F4A-9958-AD5FDC0174E1}"/>
+              </a:ext>
+            </a:extLst>
+          </p:cNvPr>
+          <p:cNvSpPr>
+            <a:spLocks noGrp="1"/>
+          </p:cNvSpPr>
+          <p:nvPr>
+            <p:ph idx="4294967295"/>
+          </p:nvPr>
+        </p:nvSpPr>
+        <p:spPr>
+          <a:xfrm>
+            <a:off x="628650" y="1385889"/>
+            <a:ext cx="7886700" cy="4351338"/>
+          </a:xfrm>
+        </p:spPr>
+        <p:txBody>
+          <a:bodyPr/>
+          <a:lstStyle/>
+          <a:p>
+            <a:r>
+              <a:rPr kumimoji="1" lang="en-US" altLang="zh-CN" dirty="0"/>
+              <a:t>Web</a:t>
+            </a:r>
+            <a:r>
+              <a:rPr kumimoji="1" lang="zh-CN" altLang="en-US" dirty="0"/>
+              <a:t>的请求与响应机制</a:t>
+            </a:r>
+            <a:endParaRPr kumimoji="1" lang="en-US" altLang="zh-CN" dirty="0"/>
+          </a:p>
+          <a:p>
+            <a:pPr lvl="1"/>
+            <a:r>
+              <a:rPr kumimoji="1" lang="en-US" altLang="zh-CN" dirty="0"/>
+              <a:t>http</a:t>
+            </a:r>
+            <a:r>
+              <a:rPr kumimoji="1" lang="zh-CN" altLang="en-US" dirty="0"/>
+              <a:t>协议的工作原理</a:t>
+            </a:r>
+            <a:endParaRPr kumimoji="1" lang="en-US" altLang="zh-CN" dirty="0"/>
+          </a:p>
+          <a:p>
+            <a:pPr lvl="1"/>
+            <a:r>
+              <a:rPr kumimoji="1" lang="en-US" altLang="zh-CN" dirty="0"/>
+              <a:t>http</a:t>
+            </a:r>
+            <a:r>
+              <a:rPr kumimoji="1" lang="zh-CN" altLang="en-US" dirty="0"/>
+              <a:t>请求与响应报头</a:t>
+            </a:r>
+            <a:endParaRPr kumimoji="1" lang="en-US" altLang="zh-CN" dirty="0"/>
+          </a:p>
+          <a:p>
+            <a:pPr lvl="1"/>
+            <a:r>
+              <a:rPr kumimoji="1" lang="zh-CN" altLang="en-US" dirty="0"/>
+              <a:t>常见</a:t>
+            </a:r>
+            <a:r>
+              <a:rPr kumimoji="1" lang="en-US" altLang="zh-CN" dirty="0"/>
+              <a:t>http</a:t>
+            </a:r>
+            <a:r>
+              <a:rPr kumimoji="1" lang="zh-CN" altLang="en-US" dirty="0"/>
+              <a:t>方法</a:t>
+            </a:r>
+            <a:endParaRPr kumimoji="1" lang="en-US" altLang="zh-CN" dirty="0"/>
+          </a:p>
+          <a:p>
+            <a:r>
+              <a:rPr kumimoji="1" lang="zh-CN" altLang="en-US" dirty="0"/>
+              <a:t>大模型的工作原理</a:t>
+            </a:r>
+            <a:endParaRPr kumimoji="1" lang="en-US" altLang="zh-CN" dirty="0"/>
+          </a:p>
+          <a:p>
+            <a:pPr lvl="1"/>
+            <a:r>
+              <a:rPr kumimoji="1" lang="zh-CN" altLang="en-US" dirty="0"/>
+              <a:t>现有大模型的基本工作原理</a:t>
+            </a:r>
+            <a:endParaRPr kumimoji="1" lang="en-US" altLang="zh-CN" dirty="0"/>
+          </a:p>
+          <a:p>
+            <a:pPr lvl="1"/>
+            <a:r>
+              <a:rPr kumimoji="1" lang="zh-CN" altLang="en-US" dirty="0"/>
+              <a:t>如何通过现有大模型的</a:t>
+            </a:r>
+            <a:r>
+              <a:rPr kumimoji="1" lang="en-US" altLang="zh-CN" dirty="0"/>
+              <a:t>API</a:t>
+            </a:r>
+            <a:r>
+              <a:rPr kumimoji="1" lang="zh-CN" altLang="en-US" dirty="0"/>
+              <a:t>接口调用大模型，并与自己的代码交互</a:t>
+            </a:r>
+            <a:endParaRPr kumimoji="1" lang="en-US" altLang="zh-CN" dirty="0"/>
+          </a:p>
+          <a:p>
+            <a:r>
+              <a:rPr kumimoji="1" lang="zh-CN" altLang="en-US" dirty="0"/>
+              <a:t>技术栈</a:t>
+            </a:r>
+            <a:endParaRPr kumimoji="1" lang="en-US" altLang="zh-CN" dirty="0"/>
+          </a:p>
+          <a:p>
+            <a:pPr lvl="1"/>
+            <a:r>
+              <a:rPr kumimoji="1" lang="zh-CN" altLang="en-US" dirty="0"/>
+              <a:t>了解了基于</a:t>
+            </a:r>
+            <a:r>
+              <a:rPr kumimoji="1" lang="en-US" altLang="zh-CN" dirty="0"/>
+              <a:t>python</a:t>
+            </a:r>
+            <a:r>
+              <a:rPr kumimoji="1" lang="zh-CN" altLang="en-US" dirty="0"/>
+              <a:t>的</a:t>
+            </a:r>
+            <a:r>
+              <a:rPr kumimoji="1" lang="en-US" altLang="zh-CN" dirty="0"/>
+              <a:t>Flask</a:t>
+            </a:r>
+            <a:r>
+              <a:rPr kumimoji="1" lang="zh-CN" altLang="en-US" dirty="0"/>
+              <a:t>框架使用方式，用</a:t>
+            </a:r>
+            <a:r>
+              <a:rPr kumimoji="1" lang="en-US" altLang="zh-CN" dirty="0"/>
+              <a:t>flask</a:t>
+            </a:r>
+            <a:r>
+              <a:rPr kumimoji="1" lang="zh-CN" altLang="en-US" dirty="0"/>
+              <a:t>实现了一个</a:t>
+            </a:r>
+            <a:r>
+              <a:rPr kumimoji="1" lang="en-US" altLang="zh-CN" dirty="0"/>
+              <a:t>API</a:t>
+            </a:r>
+            <a:r>
+              <a:rPr kumimoji="1" lang="zh-CN" altLang="en-US" dirty="0"/>
+              <a:t>接口与前端交互</a:t>
+            </a:r>
+            <a:endParaRPr kumimoji="1" lang="en-US" altLang="zh-CN" dirty="0"/>
+          </a:p>
+          <a:p>
+            <a:pPr lvl="1"/>
+            <a:r>
+              <a:rPr kumimoji="1" lang="zh-CN" altLang="en-US" dirty="0"/>
+              <a:t>利用</a:t>
+            </a:r>
+            <a:r>
+              <a:rPr kumimoji="1" lang="en-US" altLang="zh-CN" dirty="0"/>
+              <a:t>HTML</a:t>
+            </a:r>
+            <a:r>
+              <a:rPr kumimoji="1" lang="zh-CN" altLang="en-US" dirty="0"/>
+              <a:t>与</a:t>
+            </a:r>
+            <a:r>
+              <a:rPr kumimoji="1" lang="en-US" altLang="zh-CN" dirty="0"/>
+              <a:t>CSS</a:t>
+            </a:r>
+            <a:r>
+              <a:rPr kumimoji="1" lang="zh-CN" altLang="en-US" dirty="0"/>
+              <a:t>设计简单的网页，并通过</a:t>
+            </a:r>
+            <a:r>
+              <a:rPr lang="en-US" altLang="zh-CN" dirty="0"/>
+              <a:t>JavaScript</a:t>
+            </a:r>
+            <a:r>
+              <a:rPr kumimoji="1" lang="zh-CN" altLang="en-US" dirty="0"/>
+              <a:t>实现与后端的交互</a:t>
+            </a:r>
+            <a:endParaRPr kumimoji="1" lang="en-US" altLang="zh-CN" dirty="0"/>
+          </a:p>
+        </p:txBody>
+      </p:sp>
+    </p:spTree>
+    <p:extLst>
+      <p:ext uri="{BB962C8B-B14F-4D97-AF65-F5344CB8AC3E}">
+        <p14:creationId xmlns:p14="http://schemas.microsoft.com/office/powerpoint/2010/main" val="3500404575"/>
+      </p:ext>
+    </p:extLst>
+  </p:cSld>
+  <p:clrMapOvr>
+    <a:masterClrMapping/>
+  </p:clrMapOvr>
+</p:sld>
+</file>
+
+<file path=ppt/slides/slide8.xml><?xml version="1.0" encoding="utf-8"?>
+<p:sld xmlns:a="http://schemas.openxmlformats.org/drawingml/2006/main" xmlns:r="http://schemas.openxmlformats.org/officeDocument/2006/relationships" xmlns:p="http://schemas.openxmlformats.org/presentationml/2006/main">
+  <p:cSld>
+    <p:spTree>
+      <p:nvGrpSpPr>
+        <p:cNvPr id="1" name=""/>
+        <p:cNvGrpSpPr/>
+        <p:nvPr/>
+      </p:nvGrpSpPr>
+      <p:grpSpPr>
+        <a:xfrm>
+          <a:off x="0" y="0"/>
+          <a:ext cx="0" cy="0"/>
+          <a:chOff x="0" y="0"/>
+          <a:chExt cx="0" cy="0"/>
+        </a:xfrm>
+      </p:grpSpPr>
+      <p:sp>
+        <p:nvSpPr>
+          <p:cNvPr id="2" name="标题 1">
+            <a:extLst>
+              <a:ext uri="{FF2B5EF4-FFF2-40B4-BE49-F238E27FC236}">
+                <a16:creationId xmlns:a16="http://schemas.microsoft.com/office/drawing/2014/main" id="{DF0CDBE0-C9EC-FAAB-583F-2F2827A552A8}"/>
+              </a:ext>
+            </a:extLst>
+          </p:cNvPr>
+          <p:cNvSpPr>
+            <a:spLocks noGrp="1"/>
+          </p:cNvSpPr>
+          <p:nvPr>
+            <p:ph type="title"/>
+          </p:nvPr>
+        </p:nvSpPr>
+        <p:spPr/>
+        <p:txBody>
+          <a:bodyPr/>
+          <a:lstStyle/>
+          <a:p>
+            <a:r>
+              <a:rPr lang="zh-CN" altLang="en-US" dirty="0"/>
+              <a:t>基本思路</a:t>
+            </a:r>
+          </a:p>
+        </p:txBody>
+      </p:sp>
+      <p:pic>
+        <p:nvPicPr>
+          <p:cNvPr id="5" name="内容占位符 4" descr="图示&#10;&#10;AI 生成的内容可能不正确。">
+            <a:extLst>
+              <a:ext uri="{FF2B5EF4-FFF2-40B4-BE49-F238E27FC236}">
+                <a16:creationId xmlns:a16="http://schemas.microsoft.com/office/drawing/2014/main" id="{95EF9144-4F10-5371-5FC8-4ABFE9C4F7FB}"/>
+              </a:ext>
+            </a:extLst>
+          </p:cNvPr>
+          <p:cNvPicPr>
+            <a:picLocks noGrp="1" noChangeAspect="1"/>
+          </p:cNvPicPr>
+          <p:nvPr>
+            <p:ph idx="1"/>
+          </p:nvPr>
+        </p:nvPicPr>
+        <p:blipFill>
+          <a:blip r:embed="rId2"/>
+          <a:stretch>
+            <a:fillRect/>
+          </a:stretch>
+        </p:blipFill>
+        <p:spPr>
+          <a:xfrm>
+            <a:off x="628650" y="1287223"/>
+            <a:ext cx="7886700" cy="4807430"/>
+          </a:xfrm>
+        </p:spPr>
+      </p:pic>
+    </p:spTree>
+    <p:extLst>
+      <p:ext uri="{BB962C8B-B14F-4D97-AF65-F5344CB8AC3E}">
+        <p14:creationId xmlns:p14="http://schemas.microsoft.com/office/powerpoint/2010/main" val="793965280"/>
+      </p:ext>
+    </p:extLst>
+  </p:cSld>
+  <p:clrMapOvr>
+    <a:masterClrMapping/>
+  </p:clrMapOvr>
+</p:sld>
+</file>
+
 <file path=ppt/slides/slide9.xml><?xml version="1.0" encoding="utf-8"?>
 <p:sld xmlns:a="http://schemas.openxmlformats.org/drawingml/2006/main" xmlns:r="http://schemas.openxmlformats.org/officeDocument/2006/relationships" xmlns:p="http://schemas.openxmlformats.org/presentationml/2006/main">
   <p:cSld>
@@ -7836,10 +7722,10 @@
       </p:grpSpPr>
       <p:sp>
         <p:nvSpPr>
-          <p:cNvPr id="4" name="标题 3">
-            <a:extLst>
-              <a:ext uri="{FF2B5EF4-FFF2-40B4-BE49-F238E27FC236}">
-                <a16:creationId xmlns:a16="http://schemas.microsoft.com/office/drawing/2014/main" id="{DD74B907-DE07-984B-9FD4-066775EC1A72}"/>
+          <p:cNvPr id="2" name="标题 1">
+            <a:extLst>
+              <a:ext uri="{FF2B5EF4-FFF2-40B4-BE49-F238E27FC236}">
+                <a16:creationId xmlns:a16="http://schemas.microsoft.com/office/drawing/2014/main" id="{6FAF4207-CF2E-A1A3-E311-A6C737F4CD9F}"/>
               </a:ext>
             </a:extLst>
           </p:cNvPr>
@@ -7855,25 +7741,19 @@
           <a:bodyPr/>
           <a:lstStyle/>
           <a:p>
-            <a:pPr>
-              <a:lnSpc>
-                <a:spcPct val="150000"/>
-              </a:lnSpc>
-            </a:pPr>
-            <a:r>
-              <a:rPr kumimoji="1" lang="zh-CN" altLang="en-US" dirty="0"/>
-              <a:t>具体工作及取得的进展 </a:t>
-            </a:r>
-            <a:endParaRPr kumimoji="1" lang="en-US" altLang="zh-CN" dirty="0"/>
-          </a:p>
-        </p:txBody>
-      </p:sp>
-      <p:sp>
-        <p:nvSpPr>
-          <p:cNvPr id="5" name="文本占位符 4">
-            <a:extLst>
-              <a:ext uri="{FF2B5EF4-FFF2-40B4-BE49-F238E27FC236}">
-                <a16:creationId xmlns:a16="http://schemas.microsoft.com/office/drawing/2014/main" id="{D8974035-DEB8-F842-87DA-45E3ABBB3141}"/>
+            <a:r>
+              <a:rPr lang="zh-CN" altLang="en-US" dirty="0"/>
+              <a:t>基本思路</a:t>
+            </a:r>
+          </a:p>
+        </p:txBody>
+      </p:sp>
+      <p:sp>
+        <p:nvSpPr>
+          <p:cNvPr id="3" name="内容占位符 2">
+            <a:extLst>
+              <a:ext uri="{FF2B5EF4-FFF2-40B4-BE49-F238E27FC236}">
+                <a16:creationId xmlns:a16="http://schemas.microsoft.com/office/drawing/2014/main" id="{1E7EE81C-F74F-592B-9D74-332186827240}"/>
               </a:ext>
             </a:extLst>
           </p:cNvPr>
@@ -7881,7 +7761,7 @@
             <a:spLocks noGrp="1"/>
           </p:cNvSpPr>
           <p:nvPr>
-            <p:ph type="body" idx="1"/>
+            <p:ph idx="1"/>
           </p:nvPr>
         </p:nvSpPr>
         <p:spPr/>
@@ -7889,14 +7769,159 @@
           <a:bodyPr/>
           <a:lstStyle/>
           <a:p>
-            <a:endParaRPr kumimoji="1" lang="zh-CN" altLang="en-US"/>
+            <a:r>
+              <a:rPr lang="zh-CN" altLang="en-US" dirty="0"/>
+              <a:t>使用已有大模型（</a:t>
+            </a:r>
+            <a:r>
+              <a:rPr lang="en-US" altLang="zh-CN" dirty="0" err="1"/>
+              <a:t>Deepseek</a:t>
+            </a:r>
+            <a:r>
+              <a:rPr lang="zh-CN" altLang="en-US" dirty="0"/>
+              <a:t>）进行深度学习</a:t>
+            </a:r>
+            <a:endParaRPr lang="en-US" altLang="zh-CN" dirty="0"/>
+          </a:p>
+          <a:p>
+            <a:pPr marL="0" indent="0">
+              <a:buNone/>
+            </a:pPr>
+            <a:r>
+              <a:rPr lang="en-US" altLang="zh-CN" dirty="0"/>
+              <a:t>	</a:t>
+            </a:r>
+            <a:r>
+              <a:rPr lang="zh-CN" altLang="en-US" dirty="0"/>
+              <a:t>使用已有大模型的</a:t>
+            </a:r>
+            <a:r>
+              <a:rPr lang="en-US" altLang="zh-CN" dirty="0"/>
+              <a:t>API</a:t>
+            </a:r>
+            <a:r>
+              <a:rPr lang="zh-CN" altLang="en-US" dirty="0"/>
+              <a:t>接口接入自己的后端代码，通过读取用户输入的</a:t>
+            </a:r>
+            <a:r>
+              <a:rPr lang="en-US" altLang="zh-CN" dirty="0" err="1"/>
+              <a:t>url</a:t>
+            </a:r>
+            <a:r>
+              <a:rPr lang="zh-CN" altLang="en-US" dirty="0"/>
+              <a:t>，将其提供给大模型进行分析来实现</a:t>
+            </a:r>
+            <a:r>
+              <a:rPr lang="zh-CN" altLang="en-US" b="1" dirty="0"/>
+              <a:t>预期的</a:t>
+            </a:r>
+            <a:r>
+              <a:rPr lang="zh-CN" altLang="en-US" dirty="0"/>
+              <a:t>漏洞判断，并给予进一步的测试方法</a:t>
+            </a:r>
+            <a:endParaRPr lang="en-US" altLang="zh-CN" dirty="0"/>
+          </a:p>
+          <a:p>
+            <a:endParaRPr lang="en-US" altLang="zh-CN" dirty="0"/>
+          </a:p>
+          <a:p>
+            <a:r>
+              <a:rPr lang="en-US" altLang="zh-CN" dirty="0"/>
+              <a:t>Flask</a:t>
+            </a:r>
+            <a:r>
+              <a:rPr lang="zh-CN" altLang="en-US" dirty="0"/>
+              <a:t>框架作为前后端接口</a:t>
+            </a:r>
+            <a:endParaRPr lang="en-US" altLang="zh-CN" dirty="0"/>
+          </a:p>
+          <a:p>
+            <a:pPr marL="0" indent="0">
+              <a:buNone/>
+            </a:pPr>
+            <a:r>
+              <a:rPr lang="en-US" altLang="zh-CN" dirty="0"/>
+              <a:t>	</a:t>
+            </a:r>
+            <a:r>
+              <a:rPr lang="zh-CN" altLang="en-US" dirty="0"/>
+              <a:t>使用</a:t>
+            </a:r>
+            <a:r>
+              <a:rPr lang="en-US" altLang="zh-CN" dirty="0"/>
+              <a:t>flask</a:t>
+            </a:r>
+            <a:r>
+              <a:rPr lang="zh-CN" altLang="en-US" dirty="0"/>
+              <a:t>框架，将大模型返回的内容进行分类处理，转化成</a:t>
+            </a:r>
+            <a:r>
+              <a:rPr lang="en-US" altLang="zh-CN" dirty="0" err="1"/>
+              <a:t>json</a:t>
+            </a:r>
+            <a:r>
+              <a:rPr lang="zh-CN" altLang="en-US" dirty="0"/>
+              <a:t>数据供前端代码读取</a:t>
+            </a:r>
+            <a:endParaRPr lang="en-US" altLang="zh-CN" dirty="0"/>
+          </a:p>
+          <a:p>
+            <a:endParaRPr lang="en-US" altLang="zh-CN" dirty="0"/>
+          </a:p>
+          <a:p>
+            <a:r>
+              <a:rPr lang="zh-CN" altLang="en-US" dirty="0"/>
+              <a:t>前端三件套展示网页</a:t>
+            </a:r>
+            <a:endParaRPr lang="en-US" altLang="zh-CN" dirty="0"/>
+          </a:p>
+          <a:p>
+            <a:pPr marL="342900" lvl="1" indent="0">
+              <a:buNone/>
+            </a:pPr>
+            <a:endParaRPr lang="en-US" altLang="zh-CN" dirty="0"/>
+          </a:p>
+          <a:p>
+            <a:pPr marL="342900" lvl="1" indent="0">
+              <a:buNone/>
+            </a:pPr>
+            <a:r>
+              <a:rPr lang="zh-CN" altLang="en-US" dirty="0"/>
+              <a:t>通过</a:t>
+            </a:r>
+            <a:r>
+              <a:rPr lang="en-US" altLang="zh-CN" dirty="0"/>
+              <a:t>ai</a:t>
+            </a:r>
+            <a:r>
+              <a:rPr lang="zh-CN" altLang="en-US" dirty="0"/>
+              <a:t>辅助设计，设计了简约的网页，并可以让用户输出</a:t>
+            </a:r>
+            <a:r>
+              <a:rPr lang="en-US" altLang="zh-CN" dirty="0" err="1"/>
+              <a:t>url</a:t>
+            </a:r>
+            <a:r>
+              <a:rPr lang="zh-CN" altLang="en-US" dirty="0"/>
+              <a:t>，传入后端分析，将结果返回前端展示</a:t>
+            </a:r>
+            <a:endParaRPr lang="en-US" altLang="zh-CN" dirty="0"/>
+          </a:p>
+          <a:p>
+            <a:pPr marL="342900" lvl="1" indent="0">
+              <a:buNone/>
+            </a:pPr>
+            <a:r>
+              <a:rPr lang="en-US" altLang="zh-CN" dirty="0"/>
+              <a:t>	</a:t>
+            </a:r>
           </a:p>
         </p:txBody>
       </p:sp>
     </p:spTree>
     <p:extLst>
       <p:ext uri="{BB962C8B-B14F-4D97-AF65-F5344CB8AC3E}">
-        <p14:creationId xmlns:p14="http://schemas.microsoft.com/office/powerpoint/2010/main" val="3619632921"/>
+        <p14:creationId xmlns:p14="http://schemas.microsoft.com/office/powerpoint/2010/main" val="756980843"/>
       </p:ext>
     </p:extLst>
   </p:cSld>
